--- a/RxInAction.pptx
+++ b/RxInAction.pptx
@@ -8,7 +8,7 @@
     <p:notesMasterId r:id="rId22"/>
   </p:notesMasterIdLst>
   <p:sldIdLst>
-    <p:sldId id="256" r:id="rId2"/>
+    <p:sldId id="286" r:id="rId2"/>
     <p:sldId id="272" r:id="rId3"/>
     <p:sldId id="271" r:id="rId4"/>
     <p:sldId id="265" r:id="rId5"/>
@@ -21,13 +21,13 @@
     <p:sldId id="262" r:id="rId12"/>
     <p:sldId id="260" r:id="rId13"/>
     <p:sldId id="261" r:id="rId14"/>
-    <p:sldId id="276" r:id="rId15"/>
-    <p:sldId id="277" r:id="rId16"/>
+    <p:sldId id="277" r:id="rId15"/>
+    <p:sldId id="276" r:id="rId16"/>
     <p:sldId id="269" r:id="rId17"/>
     <p:sldId id="273" r:id="rId18"/>
     <p:sldId id="278" r:id="rId19"/>
     <p:sldId id="263" r:id="rId20"/>
-    <p:sldId id="267" r:id="rId21"/>
+    <p:sldId id="287" r:id="rId21"/>
   </p:sldIdLst>
   <p:sldSz cx="9144000" cy="6858000" type="screen4x3"/>
   <p:notesSz cx="6858000" cy="9144000"/>
@@ -227,7 +227,7 @@
           <a:p>
             <a:fld id="{FC81B089-160E-404A-8C73-8674F1782EA4}" type="datetimeFigureOut">
               <a:rPr lang="en-US" smtClean="0"/>
-              <a:t>1/17/2013</a:t>
+              <a:t>8/9/2014</a:t>
             </a:fld>
             <a:endParaRPr lang="en-US"/>
           </a:p>
@@ -567,7 +567,7 @@
           <a:p>
             <a:fld id="{CF705FED-B5F1-4160-8902-27DBE1B04A6A}" type="datetime1">
               <a:rPr lang="en-US" smtClean="0"/>
-              <a:t>1/17/2013</a:t>
+              <a:t>8/9/2014</a:t>
             </a:fld>
             <a:endParaRPr lang="en-US" dirty="0"/>
           </a:p>
@@ -652,7 +652,7 @@
             <a:fld id="{8B263312-38AA-4E1E-B2B5-0F8F122B24FE}" type="slidenum">
               <a:rPr lang="en-US" smtClean="0"/>
               <a:pPr/>
-              <a:t>14</a:t>
+              <a:t>15</a:t>
             </a:fld>
             <a:endParaRPr lang="en-US" dirty="0"/>
           </a:p>
@@ -3495,7 +3495,7 @@
           <a:p>
             <a:fld id="{D2B62928-2648-4210-B25C-2BD7B5FE2C7B}" type="datetimeFigureOut">
               <a:rPr lang="en-US" smtClean="0"/>
-              <a:t>1/17/2013</a:t>
+              <a:t>8/9/2014</a:t>
             </a:fld>
             <a:endParaRPr lang="en-US"/>
           </a:p>
@@ -4008,7 +4008,7 @@
           <a:p>
             <a:fld id="{D2B62928-2648-4210-B25C-2BD7B5FE2C7B}" type="datetimeFigureOut">
               <a:rPr lang="en-US" smtClean="0"/>
-              <a:t>1/17/2013</a:t>
+              <a:t>8/9/2014</a:t>
             </a:fld>
             <a:endParaRPr lang="en-US"/>
           </a:p>
@@ -4183,7 +4183,7 @@
           <a:p>
             <a:fld id="{D2B62928-2648-4210-B25C-2BD7B5FE2C7B}" type="datetimeFigureOut">
               <a:rPr lang="en-US" smtClean="0"/>
-              <a:t>1/17/2013</a:t>
+              <a:t>8/9/2014</a:t>
             </a:fld>
             <a:endParaRPr lang="en-US"/>
           </a:p>
@@ -4464,294 +4464,6 @@
 </p:sldLayout>
 </file>
 
-<file path=ppt/slideLayouts/slideLayout14.xml><?xml version="1.0" encoding="utf-8"?>
-<p:sldLayout xmlns:a="http://schemas.openxmlformats.org/drawingml/2006/main" xmlns:r="http://schemas.openxmlformats.org/officeDocument/2006/relationships" xmlns:p="http://schemas.openxmlformats.org/presentationml/2006/main" userDrawn="1">
-  <p:cSld name="1_Demo, Video etc. &quot;special&quot; slides">
-    <p:bg>
-      <p:bgPr>
-        <a:blipFill dpi="0" rotWithShape="1">
-          <a:blip r:embed="rId2">
-            <a:lum/>
-          </a:blip>
-          <a:srcRect/>
-          <a:stretch>
-            <a:fillRect/>
-          </a:stretch>
-        </a:blipFill>
-        <a:effectLst/>
-      </p:bgPr>
-    </p:bg>
-    <p:spTree>
-      <p:nvGrpSpPr>
-        <p:cNvPr id="1" name=""/>
-        <p:cNvGrpSpPr/>
-        <p:nvPr/>
-      </p:nvGrpSpPr>
-      <p:grpSpPr>
-        <a:xfrm>
-          <a:off x="0" y="0"/>
-          <a:ext cx="0" cy="0"/>
-          <a:chOff x="0" y="0"/>
-          <a:chExt cx="0" cy="0"/>
-        </a:xfrm>
-      </p:grpSpPr>
-      <p:sp>
-        <p:nvSpPr>
-          <p:cNvPr id="2" name="Title 1"/>
-          <p:cNvSpPr>
-            <a:spLocks noGrp="1"/>
-          </p:cNvSpPr>
-          <p:nvPr>
-            <p:ph type="ctrTitle"/>
-          </p:nvPr>
-        </p:nvSpPr>
-        <p:spPr>
-          <a:xfrm>
-            <a:off x="390627" y="1439009"/>
-            <a:ext cx="8362746" cy="757130"/>
-          </a:xfrm>
-        </p:spPr>
-        <p:txBody>
-          <a:bodyPr wrap="square" anchor="t" anchorCtr="0">
-            <a:spAutoFit/>
-          </a:bodyPr>
-          <a:lstStyle>
-            <a:lvl1pPr>
-              <a:lnSpc>
-                <a:spcPct val="90000"/>
-              </a:lnSpc>
-              <a:defRPr sz="4800" baseline="0"/>
-            </a:lvl1pPr>
-          </a:lstStyle>
-          <a:p>
-            <a:r>
-              <a:rPr lang="en-US" smtClean="0"/>
-              <a:t>Click to edit Master title style</a:t>
-            </a:r>
-            <a:endParaRPr lang="en-US" dirty="0"/>
-          </a:p>
-        </p:txBody>
-      </p:sp>
-      <p:sp>
-        <p:nvSpPr>
-          <p:cNvPr id="3" name="Subtitle 2"/>
-          <p:cNvSpPr>
-            <a:spLocks noGrp="1"/>
-          </p:cNvSpPr>
-          <p:nvPr>
-            <p:ph type="subTitle" idx="1"/>
-          </p:nvPr>
-        </p:nvSpPr>
-        <p:spPr>
-          <a:xfrm>
-            <a:off x="389436" y="4299668"/>
-            <a:ext cx="8363937" cy="424732"/>
-          </a:xfrm>
-        </p:spPr>
-        <p:txBody>
-          <a:bodyPr wrap="square" anchor="b" anchorCtr="0">
-            <a:spAutoFit/>
-          </a:bodyPr>
-          <a:lstStyle>
-            <a:lvl1pPr marL="0" indent="0" algn="l">
-              <a:lnSpc>
-                <a:spcPct val="90000"/>
-              </a:lnSpc>
-              <a:spcBef>
-                <a:spcPts val="0"/>
-              </a:spcBef>
-              <a:buNone/>
-              <a:defRPr>
-                <a:gradFill>
-                  <a:gsLst>
-                    <a:gs pos="0">
-                      <a:schemeClr val="accent2"/>
-                    </a:gs>
-                    <a:gs pos="86000">
-                      <a:schemeClr val="accent2"/>
-                    </a:gs>
-                  </a:gsLst>
-                  <a:lin ang="5400000" scaled="0"/>
-                </a:gradFill>
-              </a:defRPr>
-            </a:lvl1pPr>
-            <a:lvl2pPr marL="457182" indent="0" algn="ctr">
-              <a:buNone/>
-              <a:defRPr>
-                <a:solidFill>
-                  <a:schemeClr val="tx1">
-                    <a:tint val="75000"/>
-                  </a:schemeClr>
-                </a:solidFill>
-              </a:defRPr>
-            </a:lvl2pPr>
-            <a:lvl3pPr marL="914363" indent="0" algn="ctr">
-              <a:buNone/>
-              <a:defRPr>
-                <a:solidFill>
-                  <a:schemeClr val="tx1">
-                    <a:tint val="75000"/>
-                  </a:schemeClr>
-                </a:solidFill>
-              </a:defRPr>
-            </a:lvl3pPr>
-            <a:lvl4pPr marL="1371545" indent="0" algn="ctr">
-              <a:buNone/>
-              <a:defRPr>
-                <a:solidFill>
-                  <a:schemeClr val="tx1">
-                    <a:tint val="75000"/>
-                  </a:schemeClr>
-                </a:solidFill>
-              </a:defRPr>
-            </a:lvl4pPr>
-            <a:lvl5pPr marL="1828727" indent="0" algn="ctr">
-              <a:buNone/>
-              <a:defRPr>
-                <a:solidFill>
-                  <a:schemeClr val="tx1">
-                    <a:tint val="75000"/>
-                  </a:schemeClr>
-                </a:solidFill>
-              </a:defRPr>
-            </a:lvl5pPr>
-            <a:lvl6pPr marL="2285909" indent="0" algn="ctr">
-              <a:buNone/>
-              <a:defRPr>
-                <a:solidFill>
-                  <a:schemeClr val="tx1">
-                    <a:tint val="75000"/>
-                  </a:schemeClr>
-                </a:solidFill>
-              </a:defRPr>
-            </a:lvl6pPr>
-            <a:lvl7pPr marL="2743090" indent="0" algn="ctr">
-              <a:buNone/>
-              <a:defRPr>
-                <a:solidFill>
-                  <a:schemeClr val="tx1">
-                    <a:tint val="75000"/>
-                  </a:schemeClr>
-                </a:solidFill>
-              </a:defRPr>
-            </a:lvl7pPr>
-            <a:lvl8pPr marL="3200272" indent="0" algn="ctr">
-              <a:buNone/>
-              <a:defRPr>
-                <a:solidFill>
-                  <a:schemeClr val="tx1">
-                    <a:tint val="75000"/>
-                  </a:schemeClr>
-                </a:solidFill>
-              </a:defRPr>
-            </a:lvl8pPr>
-            <a:lvl9pPr marL="3657454" indent="0" algn="ctr">
-              <a:buNone/>
-              <a:defRPr>
-                <a:solidFill>
-                  <a:schemeClr val="tx1">
-                    <a:tint val="75000"/>
-                  </a:schemeClr>
-                </a:solidFill>
-              </a:defRPr>
-            </a:lvl9pPr>
-          </a:lstStyle>
-          <a:p>
-            <a:r>
-              <a:rPr lang="en-US" smtClean="0"/>
-              <a:t>Click to edit Master subtitle style</a:t>
-            </a:r>
-            <a:endParaRPr lang="en-US" dirty="0"/>
-          </a:p>
-        </p:txBody>
-      </p:sp>
-      <p:sp>
-        <p:nvSpPr>
-          <p:cNvPr id="7" name="Text Placeholder 6"/>
-          <p:cNvSpPr>
-            <a:spLocks noGrp="1"/>
-          </p:cNvSpPr>
-          <p:nvPr>
-            <p:ph type="body" sz="quarter" idx="10" hasCustomPrompt="1"/>
-          </p:nvPr>
-        </p:nvSpPr>
-        <p:spPr>
-          <a:xfrm>
-            <a:off x="389436" y="5172808"/>
-            <a:ext cx="8363937" cy="1378644"/>
-          </a:xfrm>
-        </p:spPr>
-        <p:txBody>
-          <a:bodyPr anchor="t" anchorCtr="0">
-            <a:normAutofit/>
-            <a:scene3d>
-              <a:camera prst="orthographicFront"/>
-              <a:lightRig rig="flat" dir="t"/>
-            </a:scene3d>
-            <a:sp3d>
-              <a:contourClr>
-                <a:schemeClr val="bg2"/>
-              </a:contourClr>
-            </a:sp3d>
-          </a:bodyPr>
-          <a:lstStyle>
-            <a:lvl1pPr marL="0" indent="0" algn="l">
-              <a:buFont typeface="Arial" pitchFamily="34" charset="0"/>
-              <a:buNone/>
-              <a:defRPr kumimoji="0" lang="en-US" sz="10000" b="0" i="0" u="none" strike="noStrike" kern="1200" cap="none" spc="-642" normalizeH="0" baseline="0" noProof="0" dirty="0" smtClean="0">
-                <a:ln w="11430"/>
-                <a:gradFill>
-                  <a:gsLst>
-                    <a:gs pos="0">
-                      <a:schemeClr val="accent1"/>
-                    </a:gs>
-                    <a:gs pos="100000">
-                      <a:schemeClr val="accent1"/>
-                    </a:gs>
-                  </a:gsLst>
-                  <a:lin ang="5400000"/>
-                </a:gradFill>
-                <a:effectLst/>
-                <a:uLnTx/>
-                <a:uFillTx/>
-                <a:latin typeface="+mj-lt"/>
-                <a:ea typeface="+mn-ea"/>
-                <a:cs typeface="+mn-cs"/>
-              </a:defRPr>
-            </a:lvl1pPr>
-          </a:lstStyle>
-          <a:p>
-            <a:pPr lvl="0"/>
-            <a:r>
-              <a:rPr lang="en-US" dirty="0" smtClean="0"/>
-              <a:t>click to…</a:t>
-            </a:r>
-          </a:p>
-        </p:txBody>
-      </p:sp>
-    </p:spTree>
-    <p:extLst>
-      <p:ext uri="{BB962C8B-B14F-4D97-AF65-F5344CB8AC3E}">
-        <p14:creationId xmlns:p14="http://schemas.microsoft.com/office/powerpoint/2010/main" val="875641666"/>
-      </p:ext>
-    </p:extLst>
-  </p:cSld>
-  <p:clrMapOvr>
-    <a:masterClrMapping/>
-  </p:clrMapOvr>
-  <p:transition>
-    <p:fade/>
-  </p:transition>
-  <p:timing>
-    <p:tnLst>
-      <p:par>
-        <p:cTn id="1" dur="indefinite" restart="never" nodeType="tmRoot"/>
-      </p:par>
-    </p:tnLst>
-  </p:timing>
-</p:sldLayout>
-</file>
-
 <file path=ppt/slideLayouts/slideLayout2.xml><?xml version="1.0" encoding="utf-8"?>
 <p:sldLayout xmlns:a="http://schemas.openxmlformats.org/drawingml/2006/main" xmlns:r="http://schemas.openxmlformats.org/officeDocument/2006/relationships" xmlns:p="http://schemas.openxmlformats.org/presentationml/2006/main" type="obj" preserve="1">
   <p:cSld name="Title and Content">
@@ -4861,7 +4573,7 @@
           <a:p>
             <a:fld id="{D2B62928-2648-4210-B25C-2BD7B5FE2C7B}" type="datetimeFigureOut">
               <a:rPr lang="en-US" smtClean="0"/>
-              <a:t>1/17/2013</a:t>
+              <a:t>8/9/2014</a:t>
             </a:fld>
             <a:endParaRPr lang="en-US"/>
           </a:p>
@@ -7985,7 +7697,7 @@
           <a:p>
             <a:fld id="{D2B62928-2648-4210-B25C-2BD7B5FE2C7B}" type="datetimeFigureOut">
               <a:rPr lang="en-US" smtClean="0"/>
-              <a:t>1/17/2013</a:t>
+              <a:t>8/9/2014</a:t>
             </a:fld>
             <a:endParaRPr lang="en-US"/>
           </a:p>
@@ -8268,7 +7980,7 @@
           <a:p>
             <a:fld id="{D2B62928-2648-4210-B25C-2BD7B5FE2C7B}" type="datetimeFigureOut">
               <a:rPr lang="en-US" smtClean="0"/>
-              <a:t>1/17/2013</a:t>
+              <a:t>8/9/2014</a:t>
             </a:fld>
             <a:endParaRPr lang="en-US"/>
           </a:p>
@@ -8685,7 +8397,7 @@
           <a:p>
             <a:fld id="{D2B62928-2648-4210-B25C-2BD7B5FE2C7B}" type="datetimeFigureOut">
               <a:rPr lang="en-US" smtClean="0"/>
-              <a:t>1/17/2013</a:t>
+              <a:t>8/9/2014</a:t>
             </a:fld>
             <a:endParaRPr lang="en-US"/>
           </a:p>
@@ -8798,7 +8510,7 @@
           <a:p>
             <a:fld id="{D2B62928-2648-4210-B25C-2BD7B5FE2C7B}" type="datetimeFigureOut">
               <a:rPr lang="en-US" smtClean="0"/>
-              <a:t>1/17/2013</a:t>
+              <a:t>8/9/2014</a:t>
             </a:fld>
             <a:endParaRPr lang="en-US"/>
           </a:p>
@@ -8888,7 +8600,7 @@
           <a:p>
             <a:fld id="{D2B62928-2648-4210-B25C-2BD7B5FE2C7B}" type="datetimeFigureOut">
               <a:rPr lang="en-US" smtClean="0"/>
-              <a:t>1/17/2013</a:t>
+              <a:t>8/9/2014</a:t>
             </a:fld>
             <a:endParaRPr lang="en-US"/>
           </a:p>
@@ -9063,7 +8775,7 @@
           <a:p>
             <a:fld id="{D2B62928-2648-4210-B25C-2BD7B5FE2C7B}" type="datetimeFigureOut">
               <a:rPr lang="en-US" smtClean="0"/>
-              <a:t>1/17/2013</a:t>
+              <a:t>8/9/2014</a:t>
             </a:fld>
             <a:endParaRPr lang="en-US"/>
           </a:p>
@@ -9549,7 +9261,7 @@
           <a:p>
             <a:fld id="{D2B62928-2648-4210-B25C-2BD7B5FE2C7B}" type="datetimeFigureOut">
               <a:rPr lang="en-US" smtClean="0"/>
-              <a:t>1/17/2013</a:t>
+              <a:t>8/9/2014</a:t>
             </a:fld>
             <a:endParaRPr lang="en-US"/>
           </a:p>
@@ -10101,7 +9813,7 @@
           <a:p>
             <a:fld id="{D2B62928-2648-4210-B25C-2BD7B5FE2C7B}" type="datetimeFigureOut">
               <a:rPr lang="en-US" smtClean="0"/>
-              <a:t>1/17/2013</a:t>
+              <a:t>8/9/2014</a:t>
             </a:fld>
             <a:endParaRPr lang="en-US"/>
           </a:p>
@@ -10198,7 +9910,6 @@
     <p:sldLayoutId id="2147483683" r:id="rId11"/>
     <p:sldLayoutId id="2147483684" r:id="rId12"/>
     <p:sldLayoutId id="2147483685" r:id="rId13"/>
-    <p:sldLayoutId id="2147483686" r:id="rId14"/>
   </p:sldLayoutIdLst>
   <p:txStyles>
     <p:titleStyle>
@@ -10517,6 +10228,36 @@
           <a:chExt cx="0" cy="0"/>
         </a:xfrm>
       </p:grpSpPr>
+      <p:pic>
+        <p:nvPicPr>
+          <p:cNvPr id="4" name="Picture 3"/>
+          <p:cNvPicPr>
+            <a:picLocks noChangeAspect="1"/>
+          </p:cNvPicPr>
+          <p:nvPr/>
+        </p:nvPicPr>
+        <p:blipFill>
+          <a:blip r:embed="rId2">
+            <a:extLst>
+              <a:ext uri="{28A0092B-C50C-407E-A947-70E740481C1C}">
+                <a14:useLocalDpi xmlns:a14="http://schemas.microsoft.com/office/drawing/2010/main" val="0"/>
+              </a:ext>
+            </a:extLst>
+          </a:blip>
+          <a:stretch>
+            <a:fillRect/>
+          </a:stretch>
+        </p:blipFill>
+        <p:spPr>
+          <a:xfrm>
+            <a:off x="0" y="0"/>
+            <a:ext cx="9144000" cy="6858000"/>
+          </a:xfrm>
+          <a:prstGeom prst="rect">
+            <a:avLst/>
+          </a:prstGeom>
+        </p:spPr>
+      </p:pic>
       <p:sp>
         <p:nvSpPr>
           <p:cNvPr id="2" name="Title 1"/>
@@ -10529,126 +10270,53 @@
         </p:nvSpPr>
         <p:spPr>
           <a:xfrm>
-            <a:off x="70529" y="2557335"/>
-            <a:ext cx="4419600" cy="1600327"/>
+            <a:off x="3048000" y="2732703"/>
+            <a:ext cx="2895600" cy="867747"/>
           </a:xfrm>
-        </p:spPr>
-        <p:txBody>
-          <a:bodyPr>
-            <a:normAutofit/>
-          </a:bodyPr>
-          <a:lstStyle/>
-          <a:p>
-            <a:r>
-              <a:rPr lang="en-US" dirty="0"/>
-              <a:t/>
-            </a:r>
-            <a:br>
-              <a:rPr lang="en-US" dirty="0"/>
-            </a:br>
-            <a:endParaRPr lang="en-US" dirty="0"/>
-          </a:p>
-        </p:txBody>
-      </p:sp>
-      <p:sp>
-        <p:nvSpPr>
-          <p:cNvPr id="3" name="Subtitle 2"/>
-          <p:cNvSpPr>
-            <a:spLocks noGrp="1"/>
-          </p:cNvSpPr>
-          <p:nvPr>
-            <p:ph type="subTitle" idx="1"/>
-          </p:nvPr>
-        </p:nvSpPr>
-        <p:spPr>
-          <a:xfrm>
-            <a:off x="6225988" y="5507131"/>
-            <a:ext cx="2895600" cy="1368798"/>
-          </a:xfrm>
+          <a:solidFill>
+            <a:srgbClr val="000000">
+              <a:alpha val="69804"/>
+            </a:srgbClr>
+          </a:solidFill>
+          <a:effectLst>
+            <a:softEdge rad="63500"/>
+          </a:effectLst>
         </p:spPr>
         <p:style>
-          <a:lnRef idx="0">
-            <a:schemeClr val="dk1"/>
+          <a:lnRef idx="1">
+            <a:schemeClr val="accent1"/>
           </a:lnRef>
-          <a:fillRef idx="3">
-            <a:schemeClr val="dk1"/>
+          <a:fillRef idx="2">
+            <a:schemeClr val="accent1"/>
           </a:fillRef>
-          <a:effectRef idx="3">
-            <a:schemeClr val="dk1"/>
+          <a:effectRef idx="1">
+            <a:schemeClr val="accent1"/>
           </a:effectRef>
           <a:fontRef idx="minor">
-            <a:schemeClr val="lt1"/>
+            <a:schemeClr val="dk1"/>
           </a:fontRef>
         </p:style>
         <p:txBody>
-          <a:bodyPr/>
+          <a:bodyPr anchor="ctr"/>
           <a:lstStyle/>
           <a:p>
-            <a:pPr algn="r"/>
-            <a:r>
-              <a:rPr lang="en-US" dirty="0" smtClean="0"/>
-              <a:t>Jim </a:t>
-            </a:r>
-            <a:r>
-              <a:rPr lang="en-US" dirty="0" err="1" smtClean="0"/>
-              <a:t>Wooley</a:t>
-            </a:r>
-            <a:endParaRPr lang="en-US" dirty="0" smtClean="0"/>
-          </a:p>
-          <a:p>
-            <a:pPr algn="r"/>
-            <a:r>
-              <a:rPr lang="en-US" dirty="0" smtClean="0">
-                <a:hlinkClick r:id="rId2"/>
+            <a:pPr algn="ctr"/>
+            <a:r>
+              <a:rPr lang="en-US" cap="small" dirty="0" smtClean="0">
+                <a:solidFill>
+                  <a:schemeClr val="tx1"/>
+                </a:solidFill>
               </a:rPr>
-              <a:t>www.ThinqLinq.com</a:t>
-            </a:r>
-            <a:endParaRPr lang="en-US" dirty="0" smtClean="0"/>
-          </a:p>
-          <a:p>
-            <a:pPr algn="r"/>
-            <a:r>
-              <a:rPr lang="en-US" dirty="0" smtClean="0"/>
-              <a:t>Twitter: @</a:t>
-            </a:r>
-            <a:r>
-              <a:rPr lang="en-US" dirty="0" err="1" smtClean="0"/>
-              <a:t>JimWooley</a:t>
-            </a:r>
-            <a:endParaRPr lang="en-US" dirty="0"/>
+              <a:t>Rx In Action</a:t>
+            </a:r>
+            <a:endParaRPr lang="en-US" cap="small" dirty="0">
+              <a:solidFill>
+                <a:schemeClr val="tx1"/>
+              </a:solidFill>
+            </a:endParaRPr>
           </a:p>
         </p:txBody>
       </p:sp>
-      <p:pic>
-        <p:nvPicPr>
-          <p:cNvPr id="4" name="Picture 3"/>
-          <p:cNvPicPr>
-            <a:picLocks noChangeAspect="1"/>
-          </p:cNvPicPr>
-          <p:nvPr/>
-        </p:nvPicPr>
-        <p:blipFill>
-          <a:blip r:embed="rId3" cstate="print">
-            <a:extLst>
-              <a:ext uri="{28A0092B-C50C-407E-A947-70E740481C1C}">
-                <a14:useLocalDpi xmlns:a14="http://schemas.microsoft.com/office/drawing/2010/main" val="0"/>
-              </a:ext>
-            </a:extLst>
-          </a:blip>
-          <a:stretch>
-            <a:fillRect/>
-          </a:stretch>
-        </p:blipFill>
-        <p:spPr>
-          <a:xfrm>
-            <a:off x="838200" y="2438330"/>
-            <a:ext cx="681182" cy="685800"/>
-          </a:xfrm>
-          <a:prstGeom prst="rect">
-            <a:avLst/>
-          </a:prstGeom>
-        </p:spPr>
-      </p:pic>
       <p:pic>
         <p:nvPicPr>
           <p:cNvPr id="5" name="Picture 2" descr="\\WOOLEYHOMESVR\Photos\MVP_Logo_Kit\MVP Logo Kit\MVP_FullColor_ForScreen.png"/>
@@ -10658,7 +10326,7 @@
           <p:nvPr/>
         </p:nvPicPr>
         <p:blipFill>
-          <a:blip r:embed="rId4" cstate="print">
+          <a:blip r:embed="rId3" cstate="print">
             <a:extLst>
               <a:ext uri="{28A0092B-C50C-407E-A947-70E740481C1C}">
                 <a14:useLocalDpi xmlns:a14="http://schemas.microsoft.com/office/drawing/2010/main" val="0"/>
@@ -10672,7 +10340,7 @@
         </p:blipFill>
         <p:spPr bwMode="auto">
           <a:xfrm>
-            <a:off x="7772400" y="87604"/>
+            <a:off x="7913040" y="12555"/>
             <a:ext cx="1230960" cy="1931970"/>
           </a:xfrm>
           <a:prstGeom prst="rect">
@@ -10699,7 +10367,7 @@
           <p:nvPr/>
         </p:nvPicPr>
         <p:blipFill>
-          <a:blip r:embed="rId5">
+          <a:blip r:embed="rId4">
             <a:extLst>
               <a:ext uri="{28A0092B-C50C-407E-A947-70E740481C1C}">
                 <a14:useLocalDpi xmlns:a14="http://schemas.microsoft.com/office/drawing/2010/main" val="0"/>
@@ -10713,7 +10381,7 @@
         </p:blipFill>
         <p:spPr bwMode="auto">
           <a:xfrm>
-            <a:off x="6096000" y="87604"/>
+            <a:off x="6312840" y="12555"/>
             <a:ext cx="1600200" cy="2005584"/>
           </a:xfrm>
           <a:prstGeom prst="rect">
@@ -10731,16 +10399,287 @@
           </a:extLst>
         </p:spPr>
       </p:pic>
+      <p:sp>
+        <p:nvSpPr>
+          <p:cNvPr id="7" name="Subtitle 2"/>
+          <p:cNvSpPr txBox="1">
+            <a:spLocks/>
+          </p:cNvSpPr>
+          <p:nvPr/>
+        </p:nvSpPr>
+        <p:spPr>
+          <a:xfrm>
+            <a:off x="10886" y="5489202"/>
+            <a:ext cx="2895600" cy="1368798"/>
+          </a:xfrm>
+          <a:prstGeom prst="rect">
+            <a:avLst/>
+          </a:prstGeom>
+        </p:spPr>
+        <p:style>
+          <a:lnRef idx="0">
+            <a:schemeClr val="dk1"/>
+          </a:lnRef>
+          <a:fillRef idx="3">
+            <a:schemeClr val="dk1"/>
+          </a:fillRef>
+          <a:effectRef idx="3">
+            <a:schemeClr val="dk1"/>
+          </a:effectRef>
+          <a:fontRef idx="minor">
+            <a:schemeClr val="lt1"/>
+          </a:fontRef>
+        </p:style>
+        <p:txBody>
+          <a:bodyPr vert="horz" lIns="91440" tIns="45720" rIns="91440" bIns="45720" rtlCol="0">
+            <a:normAutofit/>
+          </a:bodyPr>
+          <a:lstStyle>
+            <a:lvl1pPr marL="0" indent="0" algn="l" defTabSz="914400" rtl="0" eaLnBrk="1" latinLnBrk="0" hangingPunct="1">
+              <a:spcBef>
+                <a:spcPct val="20000"/>
+              </a:spcBef>
+              <a:buClr>
+                <a:schemeClr val="accent1">
+                  <a:lumMod val="60000"/>
+                  <a:lumOff val="40000"/>
+                </a:schemeClr>
+              </a:buClr>
+              <a:buFont typeface="Arial" pitchFamily="34" charset="0"/>
+              <a:buNone/>
+              <a:defRPr sz="2200" kern="1200">
+                <a:solidFill>
+                  <a:srgbClr val="FFFFFF"/>
+                </a:solidFill>
+                <a:latin typeface="+mn-lt"/>
+                <a:ea typeface="+mn-ea"/>
+                <a:cs typeface="+mn-cs"/>
+              </a:defRPr>
+            </a:lvl1pPr>
+            <a:lvl2pPr marL="457200" indent="0" algn="ctr" defTabSz="914400" rtl="0" eaLnBrk="1" latinLnBrk="0" hangingPunct="1">
+              <a:spcBef>
+                <a:spcPct val="20000"/>
+              </a:spcBef>
+              <a:buClr>
+                <a:schemeClr val="accent1">
+                  <a:lumMod val="60000"/>
+                  <a:lumOff val="40000"/>
+                </a:schemeClr>
+              </a:buClr>
+              <a:buFont typeface="Arial" pitchFamily="34" charset="0"/>
+              <a:buNone/>
+              <a:defRPr sz="2000" kern="1200">
+                <a:solidFill>
+                  <a:schemeClr val="tx1">
+                    <a:tint val="75000"/>
+                  </a:schemeClr>
+                </a:solidFill>
+                <a:latin typeface="+mn-lt"/>
+                <a:ea typeface="+mn-ea"/>
+                <a:cs typeface="+mn-cs"/>
+              </a:defRPr>
+            </a:lvl2pPr>
+            <a:lvl3pPr marL="914400" indent="0" algn="ctr" defTabSz="914400" rtl="0" eaLnBrk="1" latinLnBrk="0" hangingPunct="1">
+              <a:spcBef>
+                <a:spcPct val="20000"/>
+              </a:spcBef>
+              <a:buClr>
+                <a:schemeClr val="accent2"/>
+              </a:buClr>
+              <a:buFont typeface="Arial" pitchFamily="34" charset="0"/>
+              <a:buNone/>
+              <a:defRPr sz="2000" kern="1200">
+                <a:solidFill>
+                  <a:schemeClr val="tx1">
+                    <a:tint val="75000"/>
+                  </a:schemeClr>
+                </a:solidFill>
+                <a:latin typeface="+mn-lt"/>
+                <a:ea typeface="+mn-ea"/>
+                <a:cs typeface="+mn-cs"/>
+              </a:defRPr>
+            </a:lvl3pPr>
+            <a:lvl4pPr marL="1371600" indent="0" algn="ctr" defTabSz="914400" rtl="0" eaLnBrk="1" latinLnBrk="0" hangingPunct="1">
+              <a:spcBef>
+                <a:spcPct val="20000"/>
+              </a:spcBef>
+              <a:buClr>
+                <a:schemeClr val="accent3"/>
+              </a:buClr>
+              <a:buFont typeface="Arial" pitchFamily="34" charset="0"/>
+              <a:buNone/>
+              <a:defRPr sz="1800" kern="1200">
+                <a:solidFill>
+                  <a:schemeClr val="tx1">
+                    <a:tint val="75000"/>
+                  </a:schemeClr>
+                </a:solidFill>
+                <a:latin typeface="+mn-lt"/>
+                <a:ea typeface="+mn-ea"/>
+                <a:cs typeface="+mn-cs"/>
+              </a:defRPr>
+            </a:lvl4pPr>
+            <a:lvl5pPr marL="1828800" indent="0" algn="ctr" defTabSz="914400" rtl="0" eaLnBrk="1" latinLnBrk="0" hangingPunct="1">
+              <a:spcBef>
+                <a:spcPct val="20000"/>
+              </a:spcBef>
+              <a:buClr>
+                <a:schemeClr val="accent4"/>
+              </a:buClr>
+              <a:buFont typeface="Arial" pitchFamily="34" charset="0"/>
+              <a:buNone/>
+              <a:defRPr sz="1600" kern="1200" baseline="0">
+                <a:solidFill>
+                  <a:schemeClr val="tx1">
+                    <a:tint val="75000"/>
+                  </a:schemeClr>
+                </a:solidFill>
+                <a:latin typeface="+mn-lt"/>
+                <a:ea typeface="+mn-ea"/>
+                <a:cs typeface="+mn-cs"/>
+              </a:defRPr>
+            </a:lvl5pPr>
+            <a:lvl6pPr marL="2286000" indent="0" algn="ctr" defTabSz="914400" rtl="0" eaLnBrk="1" latinLnBrk="0" hangingPunct="1">
+              <a:spcBef>
+                <a:spcPct val="20000"/>
+              </a:spcBef>
+              <a:buClr>
+                <a:schemeClr val="accent5"/>
+              </a:buClr>
+              <a:buFont typeface="Arial" pitchFamily="34" charset="0"/>
+              <a:buNone/>
+              <a:defRPr sz="1600" kern="1200">
+                <a:solidFill>
+                  <a:schemeClr val="tx1">
+                    <a:tint val="75000"/>
+                  </a:schemeClr>
+                </a:solidFill>
+                <a:latin typeface="+mn-lt"/>
+                <a:ea typeface="+mn-ea"/>
+                <a:cs typeface="+mn-cs"/>
+              </a:defRPr>
+            </a:lvl6pPr>
+            <a:lvl7pPr marL="2743200" indent="0" algn="ctr" defTabSz="914400" rtl="0" eaLnBrk="1" latinLnBrk="0" hangingPunct="1">
+              <a:spcBef>
+                <a:spcPct val="20000"/>
+              </a:spcBef>
+              <a:buClr>
+                <a:schemeClr val="accent6"/>
+              </a:buClr>
+              <a:buFont typeface="Arial" pitchFamily="34" charset="0"/>
+              <a:buNone/>
+              <a:defRPr sz="1600" kern="1200">
+                <a:solidFill>
+                  <a:schemeClr val="tx1">
+                    <a:tint val="75000"/>
+                  </a:schemeClr>
+                </a:solidFill>
+                <a:latin typeface="+mn-lt"/>
+                <a:ea typeface="+mn-ea"/>
+                <a:cs typeface="+mn-cs"/>
+              </a:defRPr>
+            </a:lvl7pPr>
+            <a:lvl8pPr marL="3200400" indent="0" algn="ctr" defTabSz="914400" rtl="0" eaLnBrk="1" latinLnBrk="0" hangingPunct="1">
+              <a:spcBef>
+                <a:spcPct val="20000"/>
+              </a:spcBef>
+              <a:buClr>
+                <a:schemeClr val="accent3"/>
+              </a:buClr>
+              <a:buFont typeface="Arial" pitchFamily="34" charset="0"/>
+              <a:buNone/>
+              <a:defRPr sz="1600" kern="1200">
+                <a:solidFill>
+                  <a:schemeClr val="tx1">
+                    <a:tint val="75000"/>
+                  </a:schemeClr>
+                </a:solidFill>
+                <a:latin typeface="+mn-lt"/>
+                <a:ea typeface="+mn-ea"/>
+                <a:cs typeface="+mn-cs"/>
+              </a:defRPr>
+            </a:lvl8pPr>
+            <a:lvl9pPr marL="3657600" indent="0" algn="ctr" defTabSz="914400" rtl="0" eaLnBrk="1" latinLnBrk="0" hangingPunct="1">
+              <a:spcBef>
+                <a:spcPct val="20000"/>
+              </a:spcBef>
+              <a:buClr>
+                <a:schemeClr val="accent6"/>
+              </a:buClr>
+              <a:buFont typeface="Arial" pitchFamily="34" charset="0"/>
+              <a:buNone/>
+              <a:defRPr sz="1600" kern="1200">
+                <a:solidFill>
+                  <a:schemeClr val="tx1">
+                    <a:tint val="75000"/>
+                  </a:schemeClr>
+                </a:solidFill>
+                <a:latin typeface="+mn-lt"/>
+                <a:ea typeface="+mn-ea"/>
+                <a:cs typeface="+mn-cs"/>
+              </a:defRPr>
+            </a:lvl9pPr>
+          </a:lstStyle>
+          <a:p>
+            <a:pPr algn="r"/>
+            <a:r>
+              <a:rPr lang="en-US" dirty="0" smtClean="0"/>
+              <a:t>Jim Wooley</a:t>
+            </a:r>
+          </a:p>
+          <a:p>
+            <a:pPr algn="r"/>
+            <a:r>
+              <a:rPr lang="en-US" dirty="0" smtClean="0">
+                <a:hlinkClick r:id="rId5"/>
+              </a:rPr>
+              <a:t>www.ThinqLinq.com</a:t>
+            </a:r>
+            <a:endParaRPr lang="en-US" dirty="0" smtClean="0"/>
+          </a:p>
+          <a:p>
+            <a:pPr algn="r"/>
+            <a:r>
+              <a:rPr lang="en-US" dirty="0" smtClean="0"/>
+              <a:t>Twitter: @</a:t>
+            </a:r>
+            <a:r>
+              <a:rPr lang="en-US" dirty="0" err="1" smtClean="0"/>
+              <a:t>JimWooley</a:t>
+            </a:r>
+            <a:endParaRPr lang="en-US" dirty="0"/>
+          </a:p>
+        </p:txBody>
+      </p:sp>
+      <p:sp>
+        <p:nvSpPr>
+          <p:cNvPr id="8" name="Subtitle 7"/>
+          <p:cNvSpPr>
+            <a:spLocks noGrp="1"/>
+          </p:cNvSpPr>
+          <p:nvPr>
+            <p:ph type="subTitle" idx="1"/>
+          </p:nvPr>
+        </p:nvSpPr>
+        <p:spPr/>
+        <p:txBody>
+          <a:bodyPr/>
+          <a:lstStyle/>
+          <a:p>
+            <a:endParaRPr lang="en-US"/>
+          </a:p>
+        </p:txBody>
+      </p:sp>
       <p:pic>
         <p:nvPicPr>
-          <p:cNvPr id="7" name="Picture 6"/>
+          <p:cNvPr id="9" name="Picture 8"/>
           <p:cNvPicPr>
             <a:picLocks noChangeAspect="1"/>
           </p:cNvPicPr>
           <p:nvPr/>
         </p:nvPicPr>
         <p:blipFill>
-          <a:blip r:embed="rId6">
+          <a:blip r:embed="rId6" cstate="print">
             <a:extLst>
               <a:ext uri="{28A0092B-C50C-407E-A947-70E740481C1C}">
                 <a14:useLocalDpi xmlns:a14="http://schemas.microsoft.com/office/drawing/2010/main" val="0"/>
@@ -10753,57 +10692,18 @@
         </p:blipFill>
         <p:spPr>
           <a:xfrm>
-            <a:off x="6089073" y="2096208"/>
-            <a:ext cx="3048000" cy="684245"/>
+            <a:off x="3124200" y="2823676"/>
+            <a:ext cx="681182" cy="685800"/>
           </a:xfrm>
           <a:prstGeom prst="rect">
             <a:avLst/>
           </a:prstGeom>
-          <a:solidFill>
-            <a:schemeClr val="tx2"/>
-          </a:solidFill>
         </p:spPr>
       </p:pic>
-      <p:sp>
-        <p:nvSpPr>
-          <p:cNvPr id="8" name="TextBox 7"/>
-          <p:cNvSpPr txBox="1"/>
-          <p:nvPr/>
-        </p:nvSpPr>
-        <p:spPr>
-          <a:xfrm>
-            <a:off x="1752600" y="3124130"/>
-            <a:ext cx="1806905" cy="1200329"/>
-          </a:xfrm>
-          <a:prstGeom prst="rect">
-            <a:avLst/>
-          </a:prstGeom>
-          <a:noFill/>
-        </p:spPr>
-        <p:txBody>
-          <a:bodyPr wrap="none" rtlCol="0">
-            <a:spAutoFit/>
-          </a:bodyPr>
-          <a:lstStyle/>
-          <a:p>
-            <a:r>
-              <a:rPr lang="en-US" sz="3600" dirty="0" smtClean="0"/>
-              <a:t>In </a:t>
-            </a:r>
-          </a:p>
-          <a:p>
-            <a:r>
-              <a:rPr lang="en-US" sz="3600" dirty="0" smtClean="0"/>
-              <a:t>    Action</a:t>
-            </a:r>
-            <a:endParaRPr lang="en-US" sz="3600" dirty="0"/>
-          </a:p>
-        </p:txBody>
-      </p:sp>
     </p:spTree>
     <p:extLst>
       <p:ext uri="{BB962C8B-B14F-4D97-AF65-F5344CB8AC3E}">
-        <p14:creationId xmlns:p14="http://schemas.microsoft.com/office/powerpoint/2010/main" val="3648319237"/>
+        <p14:creationId xmlns:p14="http://schemas.microsoft.com/office/powerpoint/2010/main" val="1869880119"/>
       </p:ext>
     </p:extLst>
   </p:cSld>
@@ -21128,31 +21028,6 @@
       </p:grpSpPr>
       <p:sp>
         <p:nvSpPr>
-          <p:cNvPr id="4" name="Text Placeholder 3"/>
-          <p:cNvSpPr>
-            <a:spLocks noGrp="1"/>
-          </p:cNvSpPr>
-          <p:nvPr>
-            <p:ph type="body" idx="1"/>
-          </p:nvPr>
-        </p:nvSpPr>
-        <p:spPr/>
-        <p:txBody>
-          <a:bodyPr>
-            <a:normAutofit/>
-          </a:bodyPr>
-          <a:lstStyle/>
-          <a:p>
-            <a:r>
-              <a:rPr lang="en-US" smtClean="0"/>
-              <a:t>demo </a:t>
-            </a:r>
-            <a:endParaRPr lang="en-US" dirty="0"/>
-          </a:p>
-        </p:txBody>
-      </p:sp>
-      <p:sp>
-        <p:nvSpPr>
           <p:cNvPr id="2" name="Title 1"/>
           <p:cNvSpPr>
             <a:spLocks noGrp="1"/>
@@ -21168,16 +21043,64 @@
           <a:p>
             <a:r>
               <a:rPr lang="en-US" dirty="0" smtClean="0"/>
-              <a:t>Composing with Events</a:t>
+              <a:t>Observable Events</a:t>
             </a:r>
             <a:endParaRPr lang="en-US" dirty="0"/>
+          </a:p>
+        </p:txBody>
+      </p:sp>
+      <p:sp>
+        <p:nvSpPr>
+          <p:cNvPr id="3" name="Content Placeholder 2"/>
+          <p:cNvSpPr>
+            <a:spLocks noGrp="1"/>
+          </p:cNvSpPr>
+          <p:nvPr>
+            <p:ph idx="1"/>
+          </p:nvPr>
+        </p:nvSpPr>
+        <p:spPr>
+          <a:xfrm>
+            <a:off x="389436" y="1447800"/>
+            <a:ext cx="8363938" cy="2068259"/>
+          </a:xfrm>
+        </p:spPr>
+        <p:txBody>
+          <a:bodyPr>
+            <a:noAutofit/>
+          </a:bodyPr>
+          <a:lstStyle/>
+          <a:p>
+            <a:r>
+              <a:rPr lang="en-US" sz="3600" dirty="0" smtClean="0"/>
+              <a:t>First Class Objects</a:t>
+            </a:r>
+          </a:p>
+          <a:p>
+            <a:r>
+              <a:rPr lang="en-US" sz="3600" dirty="0" smtClean="0"/>
+              <a:t>Disposable</a:t>
+            </a:r>
+          </a:p>
+          <a:p>
+            <a:r>
+              <a:rPr lang="en-US" sz="3600" dirty="0" smtClean="0"/>
+              <a:t>Supports DI/IOC</a:t>
+            </a:r>
+          </a:p>
+          <a:p>
+            <a:r>
+              <a:rPr lang="en-US" sz="3600" dirty="0" err="1" smtClean="0"/>
+              <a:t>Mockable</a:t>
+            </a:r>
+            <a:endParaRPr lang="en-US" sz="3600" dirty="0"/>
           </a:p>
         </p:txBody>
       </p:sp>
     </p:spTree>
     <p:extLst>
       <p:ext uri="{BB962C8B-B14F-4D97-AF65-F5344CB8AC3E}">
-        <p14:creationId xmlns:p14="http://schemas.microsoft.com/office/powerpoint/2010/main" val="3660652543"/>
+        <p14:creationId xmlns:p14="http://schemas.microsoft.com/office/powerpoint/2010/main" val="91682408"/>
       </p:ext>
     </p:extLst>
   </p:cSld>
@@ -21221,6 +21144,31 @@
       </p:grpSpPr>
       <p:sp>
         <p:nvSpPr>
+          <p:cNvPr id="4" name="Text Placeholder 3"/>
+          <p:cNvSpPr>
+            <a:spLocks noGrp="1"/>
+          </p:cNvSpPr>
+          <p:nvPr>
+            <p:ph type="body" idx="1"/>
+          </p:nvPr>
+        </p:nvSpPr>
+        <p:spPr/>
+        <p:txBody>
+          <a:bodyPr>
+            <a:normAutofit/>
+          </a:bodyPr>
+          <a:lstStyle/>
+          <a:p>
+            <a:r>
+              <a:rPr lang="en-US" smtClean="0"/>
+              <a:t>demo </a:t>
+            </a:r>
+            <a:endParaRPr lang="en-US" dirty="0"/>
+          </a:p>
+        </p:txBody>
+      </p:sp>
+      <p:sp>
+        <p:nvSpPr>
           <p:cNvPr id="2" name="Title 1"/>
           <p:cNvSpPr>
             <a:spLocks noGrp="1"/>
@@ -21236,64 +21184,16 @@
           <a:p>
             <a:r>
               <a:rPr lang="en-US" dirty="0" smtClean="0"/>
-              <a:t>Observable Events</a:t>
+              <a:t>Composing with Events</a:t>
             </a:r>
             <a:endParaRPr lang="en-US" dirty="0"/>
-          </a:p>
-        </p:txBody>
-      </p:sp>
-      <p:sp>
-        <p:nvSpPr>
-          <p:cNvPr id="3" name="Content Placeholder 2"/>
-          <p:cNvSpPr>
-            <a:spLocks noGrp="1"/>
-          </p:cNvSpPr>
-          <p:nvPr>
-            <p:ph idx="1"/>
-          </p:nvPr>
-        </p:nvSpPr>
-        <p:spPr>
-          <a:xfrm>
-            <a:off x="389436" y="1447800"/>
-            <a:ext cx="8363938" cy="2068259"/>
-          </a:xfrm>
-        </p:spPr>
-        <p:txBody>
-          <a:bodyPr>
-            <a:noAutofit/>
-          </a:bodyPr>
-          <a:lstStyle/>
-          <a:p>
-            <a:r>
-              <a:rPr lang="en-US" sz="3600" dirty="0" smtClean="0"/>
-              <a:t>First Class Objects</a:t>
-            </a:r>
-          </a:p>
-          <a:p>
-            <a:r>
-              <a:rPr lang="en-US" sz="3600" dirty="0" smtClean="0"/>
-              <a:t>Disposable</a:t>
-            </a:r>
-          </a:p>
-          <a:p>
-            <a:r>
-              <a:rPr lang="en-US" sz="3600" dirty="0" smtClean="0"/>
-              <a:t>Supports DI/IOC</a:t>
-            </a:r>
-          </a:p>
-          <a:p>
-            <a:r>
-              <a:rPr lang="en-US" sz="3600" dirty="0" err="1" smtClean="0"/>
-              <a:t>Mockable</a:t>
-            </a:r>
-            <a:endParaRPr lang="en-US" sz="3600" dirty="0"/>
           </a:p>
         </p:txBody>
       </p:sp>
     </p:spTree>
     <p:extLst>
       <p:ext uri="{BB962C8B-B14F-4D97-AF65-F5344CB8AC3E}">
-        <p14:creationId xmlns:p14="http://schemas.microsoft.com/office/powerpoint/2010/main" val="91682408"/>
+        <p14:creationId xmlns:p14="http://schemas.microsoft.com/office/powerpoint/2010/main" val="3660652543"/>
       </p:ext>
     </p:extLst>
   </p:cSld>
@@ -21561,7 +21461,7 @@
         </p:blipFill>
         <p:spPr bwMode="auto">
           <a:xfrm>
-            <a:off x="3650715" y="2547972"/>
+            <a:off x="3136391" y="2577935"/>
             <a:ext cx="1572035" cy="2095502"/>
           </a:xfrm>
           <a:prstGeom prst="rect">
@@ -21581,36 +21481,6 @@
       </p:pic>
       <p:pic>
         <p:nvPicPr>
-          <p:cNvPr id="6" name="Picture 5"/>
-          <p:cNvPicPr>
-            <a:picLocks noChangeAspect="1"/>
-          </p:cNvPicPr>
-          <p:nvPr/>
-        </p:nvPicPr>
-        <p:blipFill>
-          <a:blip r:embed="rId3">
-            <a:extLst>
-              <a:ext uri="{28A0092B-C50C-407E-A947-70E740481C1C}">
-                <a14:useLocalDpi xmlns:a14="http://schemas.microsoft.com/office/drawing/2010/main" val="0"/>
-              </a:ext>
-            </a:extLst>
-          </a:blip>
-          <a:stretch>
-            <a:fillRect/>
-          </a:stretch>
-        </p:blipFill>
-        <p:spPr>
-          <a:xfrm>
-            <a:off x="1542260" y="4267201"/>
-            <a:ext cx="1400540" cy="941936"/>
-          </a:xfrm>
-          <a:prstGeom prst="rect">
-            <a:avLst/>
-          </a:prstGeom>
-        </p:spPr>
-      </p:pic>
-      <p:pic>
-        <p:nvPicPr>
           <p:cNvPr id="7" name="Picture 6"/>
           <p:cNvPicPr>
             <a:picLocks noChangeAspect="1"/>
@@ -21618,7 +21488,7 @@
           <p:nvPr/>
         </p:nvPicPr>
         <p:blipFill>
-          <a:blip r:embed="rId4" cstate="print">
+          <a:blip r:embed="rId3" cstate="print">
             <a:extLst>
               <a:ext uri="{28A0092B-C50C-407E-A947-70E740481C1C}">
                 <a14:useLocalDpi xmlns:a14="http://schemas.microsoft.com/office/drawing/2010/main" val="0"/>
@@ -21641,36 +21511,6 @@
       </p:pic>
       <p:pic>
         <p:nvPicPr>
-          <p:cNvPr id="8" name="Picture 7"/>
-          <p:cNvPicPr>
-            <a:picLocks noChangeAspect="1"/>
-          </p:cNvPicPr>
-          <p:nvPr/>
-        </p:nvPicPr>
-        <p:blipFill>
-          <a:blip r:embed="rId5">
-            <a:extLst>
-              <a:ext uri="{28A0092B-C50C-407E-A947-70E740481C1C}">
-                <a14:useLocalDpi xmlns:a14="http://schemas.microsoft.com/office/drawing/2010/main" val="0"/>
-              </a:ext>
-            </a:extLst>
-          </a:blip>
-          <a:stretch>
-            <a:fillRect/>
-          </a:stretch>
-        </p:blipFill>
-        <p:spPr>
-          <a:xfrm>
-            <a:off x="6286946" y="1866901"/>
-            <a:ext cx="1514869" cy="915530"/>
-          </a:xfrm>
-          <a:prstGeom prst="rect">
-            <a:avLst/>
-          </a:prstGeom>
-        </p:spPr>
-      </p:pic>
-      <p:pic>
-        <p:nvPicPr>
           <p:cNvPr id="1026" name="Picture 2" descr="C:\Projects\RX\Dice\Net4.png"/>
           <p:cNvPicPr>
             <a:picLocks noChangeAspect="1" noChangeArrowheads="1"/>
@@ -21678,7 +21518,7 @@
           <p:nvPr/>
         </p:nvPicPr>
         <p:blipFill>
-          <a:blip r:embed="rId6">
+          <a:blip r:embed="rId4">
             <a:extLst>
               <a:ext uri="{28A0092B-C50C-407E-A947-70E740481C1C}">
                 <a14:useLocalDpi xmlns:a14="http://schemas.microsoft.com/office/drawing/2010/main" val="0"/>
@@ -21692,7 +21532,7 @@
         </p:blipFill>
         <p:spPr bwMode="auto">
           <a:xfrm>
-            <a:off x="3507803" y="5410200"/>
+            <a:off x="457200" y="4114182"/>
             <a:ext cx="928929" cy="1238250"/>
           </a:xfrm>
           <a:prstGeom prst="rect">
@@ -21719,7 +21559,7 @@
           <p:nvPr/>
         </p:nvPicPr>
         <p:blipFill>
-          <a:blip r:embed="rId7">
+          <a:blip r:embed="rId5">
             <a:extLst>
               <a:ext uri="{28A0092B-C50C-407E-A947-70E740481C1C}">
                 <a14:useLocalDpi xmlns:a14="http://schemas.microsoft.com/office/drawing/2010/main" val="0"/>
@@ -21733,49 +21573,8 @@
         </p:blipFill>
         <p:spPr bwMode="auto">
           <a:xfrm>
-            <a:off x="3579951" y="723900"/>
+            <a:off x="3557685" y="723900"/>
             <a:ext cx="1713563" cy="800100"/>
-          </a:xfrm>
-          <a:prstGeom prst="rect">
-            <a:avLst/>
-          </a:prstGeom>
-          <a:noFill/>
-          <a:extLst>
-            <a:ext uri="{909E8E84-426E-40DD-AFC4-6F175D3DCCD1}">
-              <a14:hiddenFill xmlns:a14="http://schemas.microsoft.com/office/drawing/2010/main">
-                <a:solidFill>
-                  <a:srgbClr val="FFFFFF"/>
-                </a:solidFill>
-              </a14:hiddenFill>
-            </a:ext>
-          </a:extLst>
-        </p:spPr>
-      </p:pic>
-      <p:pic>
-        <p:nvPicPr>
-          <p:cNvPr id="1028" name="Picture 4" descr="C:\Projects\RX\Dice\ZuneLogo.gif"/>
-          <p:cNvPicPr>
-            <a:picLocks noChangeAspect="1" noChangeArrowheads="1"/>
-          </p:cNvPicPr>
-          <p:nvPr/>
-        </p:nvPicPr>
-        <p:blipFill>
-          <a:blip r:embed="rId8">
-            <a:extLst>
-              <a:ext uri="{28A0092B-C50C-407E-A947-70E740481C1C}">
-                <a14:useLocalDpi xmlns:a14="http://schemas.microsoft.com/office/drawing/2010/main" val="0"/>
-              </a:ext>
-            </a:extLst>
-          </a:blip>
-          <a:srcRect/>
-          <a:stretch>
-            <a:fillRect/>
-          </a:stretch>
-        </p:blipFill>
-        <p:spPr bwMode="auto">
-          <a:xfrm>
-            <a:off x="6392940" y="4319295"/>
-            <a:ext cx="1408876" cy="648361"/>
           </a:xfrm>
           <a:prstGeom prst="rect">
             <a:avLst/>
@@ -21800,8 +21599,8 @@
         </p:nvSpPr>
         <p:spPr>
           <a:xfrm>
-            <a:off x="4931911" y="5439508"/>
-            <a:ext cx="3122651" cy="923330"/>
+            <a:off x="6525781" y="5580781"/>
+            <a:ext cx="1545616" cy="923330"/>
           </a:xfrm>
           <a:prstGeom prst="rect">
             <a:avLst/>
@@ -21830,7 +21629,7 @@
           <a:p>
             <a:pPr algn="ctr"/>
             <a:r>
-              <a:rPr lang="en-US" sz="5400" b="1" cap="none" spc="0" dirty="0" smtClean="0">
+              <a:rPr lang="en-US" sz="5400" b="1" cap="none" spc="0" dirty="0" err="1" smtClean="0">
                 <a:ln w="11430"/>
                 <a:gradFill>
                   <a:gsLst>
@@ -21865,7 +21664,7 @@
                   </a:outerShdw>
                 </a:effectLst>
               </a:rPr>
-              <a:t>JavaScript</a:t>
+              <a:t>RxJs</a:t>
             </a:r>
             <a:endParaRPr lang="en-US" sz="5400" b="1" cap="none" spc="0" dirty="0">
               <a:ln w="11430"/>
@@ -21905,6 +21704,729 @@
           </a:p>
         </p:txBody>
       </p:sp>
+      <p:sp>
+        <p:nvSpPr>
+          <p:cNvPr id="3" name="Rectangle 2"/>
+          <p:cNvSpPr/>
+          <p:nvPr/>
+        </p:nvSpPr>
+        <p:spPr>
+          <a:xfrm>
+            <a:off x="6073734" y="471719"/>
+            <a:ext cx="2449710" cy="923330"/>
+          </a:xfrm>
+          <a:prstGeom prst="rect">
+            <a:avLst/>
+          </a:prstGeom>
+          <a:noFill/>
+        </p:spPr>
+        <p:txBody>
+          <a:bodyPr wrap="none" lIns="91440" tIns="45720" rIns="91440" bIns="45720">
+            <a:spAutoFit/>
+          </a:bodyPr>
+          <a:lstStyle/>
+          <a:p>
+            <a:pPr algn="ctr"/>
+            <a:r>
+              <a:rPr lang="en-US" sz="5400" b="0" cap="none" spc="0" dirty="0" smtClean="0">
+                <a:ln w="0"/>
+                <a:solidFill>
+                  <a:schemeClr val="accent1"/>
+                </a:solidFill>
+                <a:effectLst>
+                  <a:outerShdw blurRad="38100" dist="25400" dir="5400000" algn="ctr" rotWithShape="0">
+                    <a:srgbClr val="6E747A">
+                      <a:alpha val="43000"/>
+                    </a:srgbClr>
+                  </a:outerShdw>
+                </a:effectLst>
+              </a:rPr>
+              <a:t>Rx-C++</a:t>
+            </a:r>
+            <a:endParaRPr lang="en-US" sz="5400" b="0" cap="none" spc="0" dirty="0">
+              <a:ln w="0"/>
+              <a:solidFill>
+                <a:schemeClr val="accent1"/>
+              </a:solidFill>
+              <a:effectLst>
+                <a:outerShdw blurRad="38100" dist="25400" dir="5400000" algn="ctr" rotWithShape="0">
+                  <a:srgbClr val="6E747A">
+                    <a:alpha val="43000"/>
+                  </a:srgbClr>
+                </a:outerShdw>
+              </a:effectLst>
+            </a:endParaRPr>
+          </a:p>
+        </p:txBody>
+      </p:sp>
+      <p:sp>
+        <p:nvSpPr>
+          <p:cNvPr id="5" name="Rectangle 4"/>
+          <p:cNvSpPr/>
+          <p:nvPr/>
+        </p:nvSpPr>
+        <p:spPr>
+          <a:xfrm>
+            <a:off x="6820961" y="2441200"/>
+            <a:ext cx="1906291" cy="923330"/>
+          </a:xfrm>
+          <a:prstGeom prst="rect">
+            <a:avLst/>
+          </a:prstGeom>
+          <a:noFill/>
+        </p:spPr>
+        <p:txBody>
+          <a:bodyPr wrap="none" lIns="91440" tIns="45720" rIns="91440" bIns="45720">
+            <a:spAutoFit/>
+          </a:bodyPr>
+          <a:lstStyle/>
+          <a:p>
+            <a:pPr algn="ctr"/>
+            <a:r>
+              <a:rPr lang="en-US" sz="5400" b="1" dirty="0" err="1" smtClean="0">
+                <a:ln w="12700">
+                  <a:solidFill>
+                    <a:schemeClr val="accent1"/>
+                  </a:solidFill>
+                  <a:prstDash val="solid"/>
+                </a:ln>
+                <a:pattFill prst="pct50">
+                  <a:fgClr>
+                    <a:schemeClr val="accent1"/>
+                  </a:fgClr>
+                  <a:bgClr>
+                    <a:schemeClr val="accent1">
+                      <a:lumMod val="20000"/>
+                      <a:lumOff val="80000"/>
+                    </a:schemeClr>
+                  </a:bgClr>
+                </a:pattFill>
+                <a:effectLst>
+                  <a:outerShdw dist="38100" dir="2640000" algn="bl" rotWithShape="0">
+                    <a:schemeClr val="accent1"/>
+                  </a:outerShdw>
+                </a:effectLst>
+              </a:rPr>
+              <a:t>Rx.RB</a:t>
+            </a:r>
+            <a:endParaRPr lang="en-US" sz="5400" b="1" dirty="0">
+              <a:ln w="12700">
+                <a:solidFill>
+                  <a:schemeClr val="accent1"/>
+                </a:solidFill>
+                <a:prstDash val="solid"/>
+              </a:ln>
+              <a:pattFill prst="pct50">
+                <a:fgClr>
+                  <a:schemeClr val="accent1"/>
+                </a:fgClr>
+                <a:bgClr>
+                  <a:schemeClr val="accent1">
+                    <a:lumMod val="20000"/>
+                    <a:lumOff val="80000"/>
+                  </a:schemeClr>
+                </a:bgClr>
+              </a:pattFill>
+              <a:effectLst>
+                <a:outerShdw dist="38100" dir="2640000" algn="bl" rotWithShape="0">
+                  <a:schemeClr val="accent1"/>
+                </a:outerShdw>
+              </a:effectLst>
+            </a:endParaRPr>
+          </a:p>
+        </p:txBody>
+      </p:sp>
+      <p:sp>
+        <p:nvSpPr>
+          <p:cNvPr id="9" name="Rectangle 8"/>
+          <p:cNvSpPr/>
+          <p:nvPr/>
+        </p:nvSpPr>
+        <p:spPr>
+          <a:xfrm>
+            <a:off x="607548" y="2952254"/>
+            <a:ext cx="1869423" cy="923330"/>
+          </a:xfrm>
+          <a:prstGeom prst="rect">
+            <a:avLst/>
+          </a:prstGeom>
+          <a:noFill/>
+        </p:spPr>
+        <p:txBody>
+          <a:bodyPr wrap="none" lIns="91440" tIns="45720" rIns="91440" bIns="45720">
+            <a:spAutoFit/>
+          </a:bodyPr>
+          <a:lstStyle/>
+          <a:p>
+            <a:pPr algn="ctr"/>
+            <a:r>
+              <a:rPr lang="en-US" sz="5400" b="1" cap="none" spc="0" dirty="0" err="1" smtClean="0">
+                <a:ln w="9525">
+                  <a:solidFill>
+                    <a:schemeClr val="bg1"/>
+                  </a:solidFill>
+                  <a:prstDash val="solid"/>
+                </a:ln>
+                <a:solidFill>
+                  <a:schemeClr val="accent5"/>
+                </a:solidFill>
+                <a:effectLst>
+                  <a:outerShdw blurRad="12700" dist="38100" dir="2700000" algn="tl" rotWithShape="0">
+                    <a:schemeClr val="accent5">
+                      <a:lumMod val="60000"/>
+                      <a:lumOff val="40000"/>
+                    </a:schemeClr>
+                  </a:outerShdw>
+                </a:effectLst>
+              </a:rPr>
+              <a:t>Rx.Py</a:t>
+            </a:r>
+            <a:endParaRPr lang="en-US" sz="5400" b="1" cap="none" spc="0" dirty="0">
+              <a:ln w="9525">
+                <a:solidFill>
+                  <a:schemeClr val="bg1"/>
+                </a:solidFill>
+                <a:prstDash val="solid"/>
+              </a:ln>
+              <a:solidFill>
+                <a:schemeClr val="accent5"/>
+              </a:solidFill>
+              <a:effectLst>
+                <a:outerShdw blurRad="12700" dist="38100" dir="2700000" algn="tl" rotWithShape="0">
+                  <a:schemeClr val="accent5">
+                    <a:lumMod val="60000"/>
+                    <a:lumOff val="40000"/>
+                  </a:schemeClr>
+                </a:outerShdw>
+              </a:effectLst>
+            </a:endParaRPr>
+          </a:p>
+        </p:txBody>
+      </p:sp>
+      <p:sp>
+        <p:nvSpPr>
+          <p:cNvPr id="11" name="Rectangle 10"/>
+          <p:cNvSpPr/>
+          <p:nvPr/>
+        </p:nvSpPr>
+        <p:spPr>
+          <a:xfrm>
+            <a:off x="1103589" y="5650507"/>
+            <a:ext cx="2341988" cy="923330"/>
+          </a:xfrm>
+          <a:prstGeom prst="rect">
+            <a:avLst/>
+          </a:prstGeom>
+          <a:noFill/>
+        </p:spPr>
+        <p:txBody>
+          <a:bodyPr wrap="none" lIns="91440" tIns="45720" rIns="91440" bIns="45720">
+            <a:spAutoFit/>
+            <a:scene3d>
+              <a:camera prst="orthographicFront"/>
+              <a:lightRig rig="harsh" dir="t"/>
+            </a:scene3d>
+            <a:sp3d extrusionH="57150" prstMaterial="matte">
+              <a:bevelT w="63500" h="12700" prst="angle"/>
+              <a:contourClr>
+                <a:schemeClr val="bg1">
+                  <a:lumMod val="65000"/>
+                </a:schemeClr>
+              </a:contourClr>
+            </a:sp3d>
+          </a:bodyPr>
+          <a:lstStyle/>
+          <a:p>
+            <a:pPr algn="ctr"/>
+            <a:r>
+              <a:rPr lang="en-US" sz="5400" b="1" cap="none" spc="0" dirty="0" err="1" smtClean="0">
+                <a:ln/>
+                <a:solidFill>
+                  <a:schemeClr val="accent3"/>
+                </a:solidFill>
+                <a:effectLst/>
+              </a:rPr>
+              <a:t>RxJava</a:t>
+            </a:r>
+            <a:endParaRPr lang="en-US" sz="5400" b="1" cap="none" spc="0" dirty="0">
+              <a:ln/>
+              <a:solidFill>
+                <a:schemeClr val="accent3"/>
+              </a:solidFill>
+              <a:effectLst/>
+            </a:endParaRPr>
+          </a:p>
+        </p:txBody>
+      </p:sp>
+      <p:sp>
+        <p:nvSpPr>
+          <p:cNvPr id="13" name="Rectangle 12"/>
+          <p:cNvSpPr/>
+          <p:nvPr/>
+        </p:nvSpPr>
+        <p:spPr>
+          <a:xfrm>
+            <a:off x="3540083" y="4884132"/>
+            <a:ext cx="5334001" cy="646331"/>
+          </a:xfrm>
+          <a:prstGeom prst="rect">
+            <a:avLst/>
+          </a:prstGeom>
+          <a:noFill/>
+        </p:spPr>
+        <p:txBody>
+          <a:bodyPr wrap="square" lIns="91440" tIns="45720" rIns="91440" bIns="45720">
+            <a:spAutoFit/>
+          </a:bodyPr>
+          <a:lstStyle/>
+          <a:p>
+            <a:pPr algn="ctr"/>
+            <a:r>
+              <a:rPr lang="en-US" sz="3600" b="1" cap="none" spc="0" dirty="0" smtClean="0">
+                <a:ln w="12700" cmpd="sng">
+                  <a:solidFill>
+                    <a:schemeClr val="accent4"/>
+                  </a:solidFill>
+                  <a:prstDash val="solid"/>
+                </a:ln>
+                <a:gradFill>
+                  <a:gsLst>
+                    <a:gs pos="0">
+                      <a:schemeClr val="accent4"/>
+                    </a:gs>
+                    <a:gs pos="4000">
+                      <a:schemeClr val="accent4">
+                        <a:lumMod val="60000"/>
+                        <a:lumOff val="40000"/>
+                      </a:schemeClr>
+                    </a:gs>
+                    <a:gs pos="87000">
+                      <a:schemeClr val="accent4">
+                        <a:lumMod val="20000"/>
+                        <a:lumOff val="80000"/>
+                      </a:schemeClr>
+                    </a:gs>
+                  </a:gsLst>
+                  <a:lin ang="5400000"/>
+                </a:gradFill>
+                <a:effectLst/>
+              </a:rPr>
+              <a:t>Reactive </a:t>
+            </a:r>
+            <a:r>
+              <a:rPr lang="en-US" sz="3600" b="1" cap="none" spc="0" dirty="0" err="1" smtClean="0">
+                <a:ln w="12700" cmpd="sng">
+                  <a:solidFill>
+                    <a:schemeClr val="accent4"/>
+                  </a:solidFill>
+                  <a:prstDash val="solid"/>
+                </a:ln>
+                <a:gradFill>
+                  <a:gsLst>
+                    <a:gs pos="0">
+                      <a:schemeClr val="accent4"/>
+                    </a:gs>
+                    <a:gs pos="4000">
+                      <a:schemeClr val="accent4">
+                        <a:lumMod val="60000"/>
+                        <a:lumOff val="40000"/>
+                      </a:schemeClr>
+                    </a:gs>
+                    <a:gs pos="87000">
+                      <a:schemeClr val="accent4">
+                        <a:lumMod val="20000"/>
+                        <a:lumOff val="80000"/>
+                      </a:schemeClr>
+                    </a:gs>
+                  </a:gsLst>
+                  <a:lin ang="5400000"/>
+                </a:gradFill>
+                <a:effectLst/>
+              </a:rPr>
+              <a:t>Scala</a:t>
+            </a:r>
+            <a:r>
+              <a:rPr lang="en-US" sz="3600" b="1" cap="none" spc="0" dirty="0" smtClean="0">
+                <a:ln w="12700" cmpd="sng">
+                  <a:solidFill>
+                    <a:schemeClr val="accent4"/>
+                  </a:solidFill>
+                  <a:prstDash val="solid"/>
+                </a:ln>
+                <a:gradFill>
+                  <a:gsLst>
+                    <a:gs pos="0">
+                      <a:schemeClr val="accent4"/>
+                    </a:gs>
+                    <a:gs pos="4000">
+                      <a:schemeClr val="accent4">
+                        <a:lumMod val="60000"/>
+                        <a:lumOff val="40000"/>
+                      </a:schemeClr>
+                    </a:gs>
+                    <a:gs pos="87000">
+                      <a:schemeClr val="accent4">
+                        <a:lumMod val="20000"/>
+                        <a:lumOff val="80000"/>
+                      </a:schemeClr>
+                    </a:gs>
+                  </a:gsLst>
+                  <a:lin ang="5400000"/>
+                </a:gradFill>
+                <a:effectLst/>
+              </a:rPr>
+              <a:t>/</a:t>
+            </a:r>
+            <a:r>
+              <a:rPr lang="en-US" sz="3600" b="1" cap="none" spc="0" dirty="0" err="1" smtClean="0">
+                <a:ln w="12700" cmpd="sng">
+                  <a:solidFill>
+                    <a:schemeClr val="accent4"/>
+                  </a:solidFill>
+                  <a:prstDash val="solid"/>
+                </a:ln>
+                <a:gradFill>
+                  <a:gsLst>
+                    <a:gs pos="0">
+                      <a:schemeClr val="accent4"/>
+                    </a:gs>
+                    <a:gs pos="4000">
+                      <a:schemeClr val="accent4">
+                        <a:lumMod val="60000"/>
+                        <a:lumOff val="40000"/>
+                      </a:schemeClr>
+                    </a:gs>
+                    <a:gs pos="87000">
+                      <a:schemeClr val="accent4">
+                        <a:lumMod val="20000"/>
+                        <a:lumOff val="80000"/>
+                      </a:schemeClr>
+                    </a:gs>
+                  </a:gsLst>
+                  <a:lin ang="5400000"/>
+                </a:gradFill>
+                <a:effectLst/>
+              </a:rPr>
+              <a:t>MongoDB</a:t>
+            </a:r>
+            <a:endParaRPr lang="en-US" sz="3600" b="1" cap="none" spc="0" dirty="0">
+              <a:ln w="12700" cmpd="sng">
+                <a:solidFill>
+                  <a:schemeClr val="accent4"/>
+                </a:solidFill>
+                <a:prstDash val="solid"/>
+              </a:ln>
+              <a:gradFill>
+                <a:gsLst>
+                  <a:gs pos="0">
+                    <a:schemeClr val="accent4"/>
+                  </a:gs>
+                  <a:gs pos="4000">
+                    <a:schemeClr val="accent4">
+                      <a:lumMod val="60000"/>
+                      <a:lumOff val="40000"/>
+                    </a:schemeClr>
+                  </a:gs>
+                  <a:gs pos="87000">
+                    <a:schemeClr val="accent4">
+                      <a:lumMod val="20000"/>
+                      <a:lumOff val="80000"/>
+                    </a:schemeClr>
+                  </a:gs>
+                </a:gsLst>
+                <a:lin ang="5400000"/>
+              </a:gradFill>
+              <a:effectLst/>
+            </a:endParaRPr>
+          </a:p>
+        </p:txBody>
+      </p:sp>
+      <p:sp>
+        <p:nvSpPr>
+          <p:cNvPr id="14" name="Rectangle 13"/>
+          <p:cNvSpPr/>
+          <p:nvPr/>
+        </p:nvSpPr>
+        <p:spPr>
+          <a:xfrm>
+            <a:off x="4781780" y="3608834"/>
+            <a:ext cx="4078361" cy="923330"/>
+          </a:xfrm>
+          <a:prstGeom prst="rect">
+            <a:avLst/>
+          </a:prstGeom>
+          <a:noFill/>
+        </p:spPr>
+        <p:txBody>
+          <a:bodyPr wrap="none" lIns="91440" tIns="45720" rIns="91440" bIns="45720">
+            <a:spAutoFit/>
+          </a:bodyPr>
+          <a:lstStyle/>
+          <a:p>
+            <a:pPr algn="ctr"/>
+            <a:r>
+              <a:rPr lang="en-US" sz="5400" b="1" cap="none" spc="50" dirty="0" smtClean="0">
+                <a:ln w="9525" cmpd="sng">
+                  <a:solidFill>
+                    <a:schemeClr val="accent1"/>
+                  </a:solidFill>
+                  <a:prstDash val="solid"/>
+                </a:ln>
+                <a:solidFill>
+                  <a:srgbClr val="70AD47">
+                    <a:tint val="1000"/>
+                  </a:srgbClr>
+                </a:solidFill>
+                <a:effectLst>
+                  <a:glow rad="38100">
+                    <a:schemeClr val="accent1">
+                      <a:alpha val="40000"/>
+                    </a:schemeClr>
+                  </a:glow>
+                </a:effectLst>
+              </a:rPr>
+              <a:t>Haskell - FRP</a:t>
+            </a:r>
+            <a:endParaRPr lang="en-US" sz="5400" b="1" cap="none" spc="50" dirty="0">
+              <a:ln w="9525" cmpd="sng">
+                <a:solidFill>
+                  <a:schemeClr val="accent1"/>
+                </a:solidFill>
+                <a:prstDash val="solid"/>
+              </a:ln>
+              <a:solidFill>
+                <a:srgbClr val="70AD47">
+                  <a:tint val="1000"/>
+                </a:srgbClr>
+              </a:solidFill>
+              <a:effectLst>
+                <a:glow rad="38100">
+                  <a:schemeClr val="accent1">
+                    <a:alpha val="40000"/>
+                  </a:schemeClr>
+                </a:glow>
+              </a:effectLst>
+            </a:endParaRPr>
+          </a:p>
+        </p:txBody>
+      </p:sp>
+      <p:pic>
+        <p:nvPicPr>
+          <p:cNvPr id="15" name="Picture 14">
+            <a:hlinkClick r:id="rId6"/>
+          </p:cNvPr>
+          <p:cNvPicPr>
+            <a:picLocks noChangeAspect="1"/>
+          </p:cNvPicPr>
+          <p:nvPr/>
+        </p:nvPicPr>
+        <p:blipFill>
+          <a:blip r:embed="rId7">
+            <a:extLst>
+              <a:ext uri="{28A0092B-C50C-407E-A947-70E740481C1C}">
+                <a14:useLocalDpi xmlns:a14="http://schemas.microsoft.com/office/drawing/2010/main" val="0"/>
+              </a:ext>
+            </a:extLst>
+          </a:blip>
+          <a:stretch>
+            <a:fillRect/>
+          </a:stretch>
+        </p:blipFill>
+        <p:spPr>
+          <a:xfrm>
+            <a:off x="4864306" y="1227854"/>
+            <a:ext cx="2136676" cy="2136676"/>
+          </a:xfrm>
+          <a:prstGeom prst="rect">
+            <a:avLst/>
+          </a:prstGeom>
+        </p:spPr>
+      </p:pic>
+      <p:sp>
+        <p:nvSpPr>
+          <p:cNvPr id="6" name="Rectangle 5"/>
+          <p:cNvSpPr/>
+          <p:nvPr/>
+        </p:nvSpPr>
+        <p:spPr>
+          <a:xfrm>
+            <a:off x="4041377" y="5650507"/>
+            <a:ext cx="2056974" cy="923330"/>
+          </a:xfrm>
+          <a:prstGeom prst="rect">
+            <a:avLst/>
+          </a:prstGeom>
+          <a:noFill/>
+        </p:spPr>
+        <p:txBody>
+          <a:bodyPr wrap="none" lIns="91440" tIns="45720" rIns="91440" bIns="45720">
+            <a:spAutoFit/>
+          </a:bodyPr>
+          <a:lstStyle/>
+          <a:p>
+            <a:pPr algn="ctr"/>
+            <a:r>
+              <a:rPr lang="en-US" sz="5400" b="1" dirty="0" err="1" smtClean="0">
+                <a:ln w="12700">
+                  <a:solidFill>
+                    <a:schemeClr val="tx2">
+                      <a:lumMod val="75000"/>
+                    </a:schemeClr>
+                  </a:solidFill>
+                  <a:prstDash val="solid"/>
+                </a:ln>
+                <a:pattFill prst="dkUpDiag">
+                  <a:fgClr>
+                    <a:schemeClr val="tx2"/>
+                  </a:fgClr>
+                  <a:bgClr>
+                    <a:schemeClr val="tx2">
+                      <a:lumMod val="20000"/>
+                      <a:lumOff val="80000"/>
+                    </a:schemeClr>
+                  </a:bgClr>
+                </a:pattFill>
+                <a:effectLst>
+                  <a:outerShdw dist="38100" dir="2640000" algn="bl" rotWithShape="0">
+                    <a:schemeClr val="tx2">
+                      <a:lumMod val="75000"/>
+                    </a:schemeClr>
+                  </a:outerShdw>
+                </a:effectLst>
+              </a:rPr>
+              <a:t>RxPhp</a:t>
+            </a:r>
+            <a:endParaRPr lang="en-US" sz="5400" b="1" dirty="0">
+              <a:ln w="12700">
+                <a:solidFill>
+                  <a:schemeClr val="tx2">
+                    <a:lumMod val="75000"/>
+                  </a:schemeClr>
+                </a:solidFill>
+                <a:prstDash val="solid"/>
+              </a:ln>
+              <a:pattFill prst="dkUpDiag">
+                <a:fgClr>
+                  <a:schemeClr val="tx2"/>
+                </a:fgClr>
+                <a:bgClr>
+                  <a:schemeClr val="tx2">
+                    <a:lumMod val="20000"/>
+                    <a:lumOff val="80000"/>
+                  </a:schemeClr>
+                </a:bgClr>
+              </a:pattFill>
+              <a:effectLst>
+                <a:outerShdw dist="38100" dir="2640000" algn="bl" rotWithShape="0">
+                  <a:schemeClr val="tx2">
+                    <a:lumMod val="75000"/>
+                  </a:schemeClr>
+                </a:outerShdw>
+              </a:effectLst>
+            </a:endParaRPr>
+          </a:p>
+        </p:txBody>
+      </p:sp>
+      <p:sp>
+        <p:nvSpPr>
+          <p:cNvPr id="8" name="Rectangle 7"/>
+          <p:cNvSpPr/>
+          <p:nvPr/>
+        </p:nvSpPr>
+        <p:spPr>
+          <a:xfrm>
+            <a:off x="1447978" y="4456308"/>
+            <a:ext cx="2253117" cy="923330"/>
+          </a:xfrm>
+          <a:prstGeom prst="rect">
+            <a:avLst/>
+          </a:prstGeom>
+          <a:noFill/>
+        </p:spPr>
+        <p:txBody>
+          <a:bodyPr wrap="none" lIns="91440" tIns="45720" rIns="91440" bIns="45720">
+            <a:spAutoFit/>
+            <a:scene3d>
+              <a:camera prst="orthographicFront"/>
+              <a:lightRig rig="harsh" dir="t"/>
+            </a:scene3d>
+            <a:sp3d extrusionH="57150" prstMaterial="matte">
+              <a:bevelT w="63500" h="12700" prst="angle"/>
+              <a:contourClr>
+                <a:schemeClr val="bg1">
+                  <a:lumMod val="65000"/>
+                </a:schemeClr>
+              </a:contourClr>
+            </a:sp3d>
+          </a:bodyPr>
+          <a:lstStyle/>
+          <a:p>
+            <a:pPr algn="ctr"/>
+            <a:r>
+              <a:rPr lang="en-US" sz="5400" b="1" cap="none" spc="0" dirty="0" smtClean="0">
+                <a:ln/>
+                <a:solidFill>
+                  <a:schemeClr val="accent3"/>
+                </a:solidFill>
+                <a:effectLst/>
+              </a:rPr>
+              <a:t>Rx-Perl</a:t>
+            </a:r>
+          </a:p>
+        </p:txBody>
+      </p:sp>
+      <p:sp>
+        <p:nvSpPr>
+          <p:cNvPr id="12" name="Rectangle 11"/>
+          <p:cNvSpPr/>
+          <p:nvPr/>
+        </p:nvSpPr>
+        <p:spPr>
+          <a:xfrm>
+            <a:off x="7391977" y="1389614"/>
+            <a:ext cx="979756" cy="923330"/>
+          </a:xfrm>
+          <a:prstGeom prst="rect">
+            <a:avLst/>
+          </a:prstGeom>
+          <a:noFill/>
+        </p:spPr>
+        <p:txBody>
+          <a:bodyPr wrap="none" lIns="91440" tIns="45720" rIns="91440" bIns="45720">
+            <a:spAutoFit/>
+            <a:scene3d>
+              <a:camera prst="orthographicFront"/>
+              <a:lightRig rig="soft" dir="t">
+                <a:rot lat="0" lon="0" rev="15600000"/>
+              </a:lightRig>
+            </a:scene3d>
+            <a:sp3d extrusionH="57150" prstMaterial="softEdge">
+              <a:bevelT w="25400" h="38100"/>
+            </a:sp3d>
+          </a:bodyPr>
+          <a:lstStyle/>
+          <a:p>
+            <a:pPr algn="ctr"/>
+            <a:r>
+              <a:rPr lang="en-US" sz="5400" b="1" cap="none" spc="0" dirty="0" smtClean="0">
+                <a:ln/>
+                <a:solidFill>
+                  <a:schemeClr val="accent4"/>
+                </a:solidFill>
+                <a:effectLst/>
+              </a:rPr>
+              <a:t>F#</a:t>
+            </a:r>
+            <a:endParaRPr lang="en-US" sz="5400" b="1" cap="none" spc="0" dirty="0">
+              <a:ln/>
+              <a:solidFill>
+                <a:schemeClr val="accent4"/>
+              </a:solidFill>
+              <a:effectLst/>
+            </a:endParaRPr>
+          </a:p>
+        </p:txBody>
+      </p:sp>
     </p:spTree>
     <p:extLst>
       <p:ext uri="{BB962C8B-B14F-4D97-AF65-F5344CB8AC3E}">
@@ -21926,9 +22448,669 @@
   <p:timing>
     <p:tnLst>
       <p:par>
-        <p:cTn id="1" dur="indefinite" restart="never" nodeType="tmRoot"/>
+        <p:cTn id="1" dur="indefinite" restart="never" nodeType="tmRoot">
+          <p:childTnLst>
+            <p:seq concurrent="1" nextAc="seek">
+              <p:cTn id="2" dur="indefinite" nodeType="mainSeq">
+                <p:childTnLst>
+                  <p:par>
+                    <p:cTn id="3" fill="hold">
+                      <p:stCondLst>
+                        <p:cond delay="indefinite"/>
+                      </p:stCondLst>
+                      <p:childTnLst>
+                        <p:par>
+                          <p:cTn id="4" fill="hold">
+                            <p:stCondLst>
+                              <p:cond delay="0"/>
+                            </p:stCondLst>
+                            <p:childTnLst>
+                              <p:par>
+                                <p:cTn id="5" presetID="10" presetClass="entr" presetSubtype="0" fill="hold" nodeType="clickEffect">
+                                  <p:stCondLst>
+                                    <p:cond delay="0"/>
+                                  </p:stCondLst>
+                                  <p:childTnLst>
+                                    <p:set>
+                                      <p:cBhvr>
+                                        <p:cTn id="6" dur="1" fill="hold">
+                                          <p:stCondLst>
+                                            <p:cond delay="0"/>
+                                          </p:stCondLst>
+                                        </p:cTn>
+                                        <p:tgtEl>
+                                          <p:spTgt spid="7"/>
+                                        </p:tgtEl>
+                                        <p:attrNameLst>
+                                          <p:attrName>style.visibility</p:attrName>
+                                        </p:attrNameLst>
+                                      </p:cBhvr>
+                                      <p:to>
+                                        <p:strVal val="visible"/>
+                                      </p:to>
+                                    </p:set>
+                                    <p:animEffect transition="in" filter="fade">
+                                      <p:cBhvr>
+                                        <p:cTn id="7" dur="1000"/>
+                                        <p:tgtEl>
+                                          <p:spTgt spid="7"/>
+                                        </p:tgtEl>
+                                      </p:cBhvr>
+                                    </p:animEffect>
+                                  </p:childTnLst>
+                                </p:cTn>
+                              </p:par>
+                            </p:childTnLst>
+                          </p:cTn>
+                        </p:par>
+                        <p:par>
+                          <p:cTn id="8" fill="hold">
+                            <p:stCondLst>
+                              <p:cond delay="1000"/>
+                            </p:stCondLst>
+                            <p:childTnLst>
+                              <p:par>
+                                <p:cTn id="9" presetID="10" presetClass="entr" presetSubtype="0" fill="hold" nodeType="afterEffect">
+                                  <p:stCondLst>
+                                    <p:cond delay="0"/>
+                                  </p:stCondLst>
+                                  <p:childTnLst>
+                                    <p:set>
+                                      <p:cBhvr>
+                                        <p:cTn id="10" dur="1" fill="hold">
+                                          <p:stCondLst>
+                                            <p:cond delay="0"/>
+                                          </p:stCondLst>
+                                        </p:cTn>
+                                        <p:tgtEl>
+                                          <p:spTgt spid="1027"/>
+                                        </p:tgtEl>
+                                        <p:attrNameLst>
+                                          <p:attrName>style.visibility</p:attrName>
+                                        </p:attrNameLst>
+                                      </p:cBhvr>
+                                      <p:to>
+                                        <p:strVal val="visible"/>
+                                      </p:to>
+                                    </p:set>
+                                    <p:animEffect transition="in" filter="fade">
+                                      <p:cBhvr>
+                                        <p:cTn id="11" dur="1000"/>
+                                        <p:tgtEl>
+                                          <p:spTgt spid="1027"/>
+                                        </p:tgtEl>
+                                      </p:cBhvr>
+                                    </p:animEffect>
+                                  </p:childTnLst>
+                                </p:cTn>
+                              </p:par>
+                            </p:childTnLst>
+                          </p:cTn>
+                        </p:par>
+                        <p:par>
+                          <p:cTn id="12" fill="hold">
+                            <p:stCondLst>
+                              <p:cond delay="2000"/>
+                            </p:stCondLst>
+                            <p:childTnLst>
+                              <p:par>
+                                <p:cTn id="13" presetID="10" presetClass="entr" presetSubtype="0" fill="hold" grpId="0" nodeType="afterEffect">
+                                  <p:stCondLst>
+                                    <p:cond delay="0"/>
+                                  </p:stCondLst>
+                                  <p:childTnLst>
+                                    <p:set>
+                                      <p:cBhvr>
+                                        <p:cTn id="14" dur="1" fill="hold">
+                                          <p:stCondLst>
+                                            <p:cond delay="0"/>
+                                          </p:stCondLst>
+                                        </p:cTn>
+                                        <p:tgtEl>
+                                          <p:spTgt spid="12"/>
+                                        </p:tgtEl>
+                                        <p:attrNameLst>
+                                          <p:attrName>style.visibility</p:attrName>
+                                        </p:attrNameLst>
+                                      </p:cBhvr>
+                                      <p:to>
+                                        <p:strVal val="visible"/>
+                                      </p:to>
+                                    </p:set>
+                                    <p:animEffect transition="in" filter="fade">
+                                      <p:cBhvr>
+                                        <p:cTn id="15" dur="1000"/>
+                                        <p:tgtEl>
+                                          <p:spTgt spid="12"/>
+                                        </p:tgtEl>
+                                      </p:cBhvr>
+                                    </p:animEffect>
+                                  </p:childTnLst>
+                                </p:cTn>
+                              </p:par>
+                            </p:childTnLst>
+                          </p:cTn>
+                        </p:par>
+                        <p:par>
+                          <p:cTn id="16" fill="hold">
+                            <p:stCondLst>
+                              <p:cond delay="3000"/>
+                            </p:stCondLst>
+                            <p:childTnLst>
+                              <p:par>
+                                <p:cTn id="17" presetID="10" presetClass="entr" presetSubtype="0" fill="hold" nodeType="afterEffect">
+                                  <p:stCondLst>
+                                    <p:cond delay="0"/>
+                                  </p:stCondLst>
+                                  <p:childTnLst>
+                                    <p:set>
+                                      <p:cBhvr>
+                                        <p:cTn id="18" dur="1" fill="hold">
+                                          <p:stCondLst>
+                                            <p:cond delay="0"/>
+                                          </p:stCondLst>
+                                        </p:cTn>
+                                        <p:tgtEl>
+                                          <p:spTgt spid="1026"/>
+                                        </p:tgtEl>
+                                        <p:attrNameLst>
+                                          <p:attrName>style.visibility</p:attrName>
+                                        </p:attrNameLst>
+                                      </p:cBhvr>
+                                      <p:to>
+                                        <p:strVal val="visible"/>
+                                      </p:to>
+                                    </p:set>
+                                    <p:animEffect transition="in" filter="fade">
+                                      <p:cBhvr>
+                                        <p:cTn id="19" dur="1000"/>
+                                        <p:tgtEl>
+                                          <p:spTgt spid="1026"/>
+                                        </p:tgtEl>
+                                      </p:cBhvr>
+                                    </p:animEffect>
+                                  </p:childTnLst>
+                                </p:cTn>
+                              </p:par>
+                            </p:childTnLst>
+                          </p:cTn>
+                        </p:par>
+                        <p:par>
+                          <p:cTn id="20" fill="hold">
+                            <p:stCondLst>
+                              <p:cond delay="4000"/>
+                            </p:stCondLst>
+                            <p:childTnLst>
+                              <p:par>
+                                <p:cTn id="21" presetID="10" presetClass="entr" presetSubtype="0" fill="hold" grpId="0" nodeType="afterEffect">
+                                  <p:stCondLst>
+                                    <p:cond delay="0"/>
+                                  </p:stCondLst>
+                                  <p:childTnLst>
+                                    <p:set>
+                                      <p:cBhvr>
+                                        <p:cTn id="22" dur="1" fill="hold">
+                                          <p:stCondLst>
+                                            <p:cond delay="0"/>
+                                          </p:stCondLst>
+                                        </p:cTn>
+                                        <p:tgtEl>
+                                          <p:spTgt spid="10"/>
+                                        </p:tgtEl>
+                                        <p:attrNameLst>
+                                          <p:attrName>style.visibility</p:attrName>
+                                        </p:attrNameLst>
+                                      </p:cBhvr>
+                                      <p:to>
+                                        <p:strVal val="visible"/>
+                                      </p:to>
+                                    </p:set>
+                                    <p:animEffect transition="in" filter="fade">
+                                      <p:cBhvr>
+                                        <p:cTn id="23" dur="1000"/>
+                                        <p:tgtEl>
+                                          <p:spTgt spid="10"/>
+                                        </p:tgtEl>
+                                      </p:cBhvr>
+                                    </p:animEffect>
+                                  </p:childTnLst>
+                                </p:cTn>
+                              </p:par>
+                            </p:childTnLst>
+                          </p:cTn>
+                        </p:par>
+                        <p:par>
+                          <p:cTn id="24" fill="hold">
+                            <p:stCondLst>
+                              <p:cond delay="5000"/>
+                            </p:stCondLst>
+                            <p:childTnLst>
+                              <p:par>
+                                <p:cTn id="25" presetID="10" presetClass="entr" presetSubtype="0" fill="hold" grpId="0" nodeType="afterEffect">
+                                  <p:stCondLst>
+                                    <p:cond delay="0"/>
+                                  </p:stCondLst>
+                                  <p:childTnLst>
+                                    <p:set>
+                                      <p:cBhvr>
+                                        <p:cTn id="26" dur="1" fill="hold">
+                                          <p:stCondLst>
+                                            <p:cond delay="0"/>
+                                          </p:stCondLst>
+                                        </p:cTn>
+                                        <p:tgtEl>
+                                          <p:spTgt spid="3"/>
+                                        </p:tgtEl>
+                                        <p:attrNameLst>
+                                          <p:attrName>style.visibility</p:attrName>
+                                        </p:attrNameLst>
+                                      </p:cBhvr>
+                                      <p:to>
+                                        <p:strVal val="visible"/>
+                                      </p:to>
+                                    </p:set>
+                                    <p:animEffect transition="in" filter="fade">
+                                      <p:cBhvr>
+                                        <p:cTn id="27" dur="1000"/>
+                                        <p:tgtEl>
+                                          <p:spTgt spid="3"/>
+                                        </p:tgtEl>
+                                      </p:cBhvr>
+                                    </p:animEffect>
+                                  </p:childTnLst>
+                                </p:cTn>
+                              </p:par>
+                            </p:childTnLst>
+                          </p:cTn>
+                        </p:par>
+                        <p:par>
+                          <p:cTn id="28" fill="hold">
+                            <p:stCondLst>
+                              <p:cond delay="6000"/>
+                            </p:stCondLst>
+                            <p:childTnLst>
+                              <p:par>
+                                <p:cTn id="29" presetID="10" presetClass="entr" presetSubtype="0" fill="hold" grpId="0" nodeType="afterEffect">
+                                  <p:stCondLst>
+                                    <p:cond delay="0"/>
+                                  </p:stCondLst>
+                                  <p:childTnLst>
+                                    <p:set>
+                                      <p:cBhvr>
+                                        <p:cTn id="30" dur="1" fill="hold">
+                                          <p:stCondLst>
+                                            <p:cond delay="0"/>
+                                          </p:stCondLst>
+                                        </p:cTn>
+                                        <p:tgtEl>
+                                          <p:spTgt spid="5"/>
+                                        </p:tgtEl>
+                                        <p:attrNameLst>
+                                          <p:attrName>style.visibility</p:attrName>
+                                        </p:attrNameLst>
+                                      </p:cBhvr>
+                                      <p:to>
+                                        <p:strVal val="visible"/>
+                                      </p:to>
+                                    </p:set>
+                                    <p:animEffect transition="in" filter="fade">
+                                      <p:cBhvr>
+                                        <p:cTn id="31" dur="1000"/>
+                                        <p:tgtEl>
+                                          <p:spTgt spid="5"/>
+                                        </p:tgtEl>
+                                      </p:cBhvr>
+                                    </p:animEffect>
+                                  </p:childTnLst>
+                                </p:cTn>
+                              </p:par>
+                            </p:childTnLst>
+                          </p:cTn>
+                        </p:par>
+                        <p:par>
+                          <p:cTn id="32" fill="hold">
+                            <p:stCondLst>
+                              <p:cond delay="7000"/>
+                            </p:stCondLst>
+                            <p:childTnLst>
+                              <p:par>
+                                <p:cTn id="33" presetID="10" presetClass="entr" presetSubtype="0" fill="hold" grpId="0" nodeType="afterEffect">
+                                  <p:stCondLst>
+                                    <p:cond delay="0"/>
+                                  </p:stCondLst>
+                                  <p:childTnLst>
+                                    <p:set>
+                                      <p:cBhvr>
+                                        <p:cTn id="34" dur="1" fill="hold">
+                                          <p:stCondLst>
+                                            <p:cond delay="0"/>
+                                          </p:stCondLst>
+                                        </p:cTn>
+                                        <p:tgtEl>
+                                          <p:spTgt spid="6"/>
+                                        </p:tgtEl>
+                                        <p:attrNameLst>
+                                          <p:attrName>style.visibility</p:attrName>
+                                        </p:attrNameLst>
+                                      </p:cBhvr>
+                                      <p:to>
+                                        <p:strVal val="visible"/>
+                                      </p:to>
+                                    </p:set>
+                                    <p:animEffect transition="in" filter="fade">
+                                      <p:cBhvr>
+                                        <p:cTn id="35" dur="1000"/>
+                                        <p:tgtEl>
+                                          <p:spTgt spid="6"/>
+                                        </p:tgtEl>
+                                      </p:cBhvr>
+                                    </p:animEffect>
+                                  </p:childTnLst>
+                                </p:cTn>
+                              </p:par>
+                            </p:childTnLst>
+                          </p:cTn>
+                        </p:par>
+                        <p:par>
+                          <p:cTn id="36" fill="hold">
+                            <p:stCondLst>
+                              <p:cond delay="8000"/>
+                            </p:stCondLst>
+                            <p:childTnLst>
+                              <p:par>
+                                <p:cTn id="37" presetID="10" presetClass="entr" presetSubtype="0" fill="hold" grpId="0" nodeType="afterEffect">
+                                  <p:stCondLst>
+                                    <p:cond delay="0"/>
+                                  </p:stCondLst>
+                                  <p:childTnLst>
+                                    <p:set>
+                                      <p:cBhvr>
+                                        <p:cTn id="38" dur="1" fill="hold">
+                                          <p:stCondLst>
+                                            <p:cond delay="0"/>
+                                          </p:stCondLst>
+                                        </p:cTn>
+                                        <p:tgtEl>
+                                          <p:spTgt spid="8"/>
+                                        </p:tgtEl>
+                                        <p:attrNameLst>
+                                          <p:attrName>style.visibility</p:attrName>
+                                        </p:attrNameLst>
+                                      </p:cBhvr>
+                                      <p:to>
+                                        <p:strVal val="visible"/>
+                                      </p:to>
+                                    </p:set>
+                                    <p:animEffect transition="in" filter="fade">
+                                      <p:cBhvr>
+                                        <p:cTn id="39" dur="1000"/>
+                                        <p:tgtEl>
+                                          <p:spTgt spid="8"/>
+                                        </p:tgtEl>
+                                      </p:cBhvr>
+                                    </p:animEffect>
+                                  </p:childTnLst>
+                                </p:cTn>
+                              </p:par>
+                            </p:childTnLst>
+                          </p:cTn>
+                        </p:par>
+                        <p:par>
+                          <p:cTn id="40" fill="hold">
+                            <p:stCondLst>
+                              <p:cond delay="9000"/>
+                            </p:stCondLst>
+                            <p:childTnLst>
+                              <p:par>
+                                <p:cTn id="41" presetID="10" presetClass="entr" presetSubtype="0" fill="hold" grpId="0" nodeType="afterEffect">
+                                  <p:stCondLst>
+                                    <p:cond delay="0"/>
+                                  </p:stCondLst>
+                                  <p:childTnLst>
+                                    <p:set>
+                                      <p:cBhvr>
+                                        <p:cTn id="42" dur="1" fill="hold">
+                                          <p:stCondLst>
+                                            <p:cond delay="0"/>
+                                          </p:stCondLst>
+                                        </p:cTn>
+                                        <p:tgtEl>
+                                          <p:spTgt spid="9"/>
+                                        </p:tgtEl>
+                                        <p:attrNameLst>
+                                          <p:attrName>style.visibility</p:attrName>
+                                        </p:attrNameLst>
+                                      </p:cBhvr>
+                                      <p:to>
+                                        <p:strVal val="visible"/>
+                                      </p:to>
+                                    </p:set>
+                                    <p:animEffect transition="in" filter="fade">
+                                      <p:cBhvr>
+                                        <p:cTn id="43" dur="1000"/>
+                                        <p:tgtEl>
+                                          <p:spTgt spid="9"/>
+                                        </p:tgtEl>
+                                      </p:cBhvr>
+                                    </p:animEffect>
+                                  </p:childTnLst>
+                                </p:cTn>
+                              </p:par>
+                            </p:childTnLst>
+                          </p:cTn>
+                        </p:par>
+                        <p:par>
+                          <p:cTn id="44" fill="hold">
+                            <p:stCondLst>
+                              <p:cond delay="10000"/>
+                            </p:stCondLst>
+                            <p:childTnLst>
+                              <p:par>
+                                <p:cTn id="45" presetID="10" presetClass="entr" presetSubtype="0" fill="hold" nodeType="afterEffect">
+                                  <p:stCondLst>
+                                    <p:cond delay="0"/>
+                                  </p:stCondLst>
+                                  <p:childTnLst>
+                                    <p:set>
+                                      <p:cBhvr>
+                                        <p:cTn id="46" dur="1" fill="hold">
+                                          <p:stCondLst>
+                                            <p:cond delay="0"/>
+                                          </p:stCondLst>
+                                        </p:cTn>
+                                        <p:tgtEl>
+                                          <p:spTgt spid="15"/>
+                                        </p:tgtEl>
+                                        <p:attrNameLst>
+                                          <p:attrName>style.visibility</p:attrName>
+                                        </p:attrNameLst>
+                                      </p:cBhvr>
+                                      <p:to>
+                                        <p:strVal val="visible"/>
+                                      </p:to>
+                                    </p:set>
+                                    <p:animEffect transition="in" filter="fade">
+                                      <p:cBhvr>
+                                        <p:cTn id="47" dur="1000"/>
+                                        <p:tgtEl>
+                                          <p:spTgt spid="15"/>
+                                        </p:tgtEl>
+                                      </p:cBhvr>
+                                    </p:animEffect>
+                                  </p:childTnLst>
+                                </p:cTn>
+                              </p:par>
+                            </p:childTnLst>
+                          </p:cTn>
+                        </p:par>
+                        <p:par>
+                          <p:cTn id="48" fill="hold">
+                            <p:stCondLst>
+                              <p:cond delay="11000"/>
+                            </p:stCondLst>
+                            <p:childTnLst>
+                              <p:par>
+                                <p:cTn id="49" presetID="10" presetClass="entr" presetSubtype="0" fill="hold" grpId="0" nodeType="afterEffect">
+                                  <p:stCondLst>
+                                    <p:cond delay="0"/>
+                                  </p:stCondLst>
+                                  <p:childTnLst>
+                                    <p:set>
+                                      <p:cBhvr>
+                                        <p:cTn id="50" dur="1" fill="hold">
+                                          <p:stCondLst>
+                                            <p:cond delay="0"/>
+                                          </p:stCondLst>
+                                        </p:cTn>
+                                        <p:tgtEl>
+                                          <p:spTgt spid="11"/>
+                                        </p:tgtEl>
+                                        <p:attrNameLst>
+                                          <p:attrName>style.visibility</p:attrName>
+                                        </p:attrNameLst>
+                                      </p:cBhvr>
+                                      <p:to>
+                                        <p:strVal val="visible"/>
+                                      </p:to>
+                                    </p:set>
+                                    <p:animEffect transition="in" filter="fade">
+                                      <p:cBhvr>
+                                        <p:cTn id="51" dur="1000"/>
+                                        <p:tgtEl>
+                                          <p:spTgt spid="11"/>
+                                        </p:tgtEl>
+                                      </p:cBhvr>
+                                    </p:animEffect>
+                                  </p:childTnLst>
+                                </p:cTn>
+                              </p:par>
+                            </p:childTnLst>
+                          </p:cTn>
+                        </p:par>
+                        <p:par>
+                          <p:cTn id="52" fill="hold">
+                            <p:stCondLst>
+                              <p:cond delay="12000"/>
+                            </p:stCondLst>
+                            <p:childTnLst>
+                              <p:par>
+                                <p:cTn id="53" presetID="10" presetClass="entr" presetSubtype="0" fill="hold" grpId="0" nodeType="afterEffect">
+                                  <p:stCondLst>
+                                    <p:cond delay="0"/>
+                                  </p:stCondLst>
+                                  <p:childTnLst>
+                                    <p:set>
+                                      <p:cBhvr>
+                                        <p:cTn id="54" dur="1" fill="hold">
+                                          <p:stCondLst>
+                                            <p:cond delay="0"/>
+                                          </p:stCondLst>
+                                        </p:cTn>
+                                        <p:tgtEl>
+                                          <p:spTgt spid="13"/>
+                                        </p:tgtEl>
+                                        <p:attrNameLst>
+                                          <p:attrName>style.visibility</p:attrName>
+                                        </p:attrNameLst>
+                                      </p:cBhvr>
+                                      <p:to>
+                                        <p:strVal val="visible"/>
+                                      </p:to>
+                                    </p:set>
+                                    <p:animEffect transition="in" filter="fade">
+                                      <p:cBhvr>
+                                        <p:cTn id="55" dur="1000"/>
+                                        <p:tgtEl>
+                                          <p:spTgt spid="13"/>
+                                        </p:tgtEl>
+                                      </p:cBhvr>
+                                    </p:animEffect>
+                                  </p:childTnLst>
+                                </p:cTn>
+                              </p:par>
+                            </p:childTnLst>
+                          </p:cTn>
+                        </p:par>
+                        <p:par>
+                          <p:cTn id="56" fill="hold">
+                            <p:stCondLst>
+                              <p:cond delay="13000"/>
+                            </p:stCondLst>
+                            <p:childTnLst>
+                              <p:par>
+                                <p:cTn id="57" presetID="10" presetClass="entr" presetSubtype="0" fill="hold" grpId="0" nodeType="afterEffect">
+                                  <p:stCondLst>
+                                    <p:cond delay="0"/>
+                                  </p:stCondLst>
+                                  <p:childTnLst>
+                                    <p:set>
+                                      <p:cBhvr>
+                                        <p:cTn id="58" dur="1" fill="hold">
+                                          <p:stCondLst>
+                                            <p:cond delay="0"/>
+                                          </p:stCondLst>
+                                        </p:cTn>
+                                        <p:tgtEl>
+                                          <p:spTgt spid="14"/>
+                                        </p:tgtEl>
+                                        <p:attrNameLst>
+                                          <p:attrName>style.visibility</p:attrName>
+                                        </p:attrNameLst>
+                                      </p:cBhvr>
+                                      <p:to>
+                                        <p:strVal val="visible"/>
+                                      </p:to>
+                                    </p:set>
+                                    <p:animEffect transition="in" filter="fade">
+                                      <p:cBhvr>
+                                        <p:cTn id="59" dur="1000"/>
+                                        <p:tgtEl>
+                                          <p:spTgt spid="14"/>
+                                        </p:tgtEl>
+                                      </p:cBhvr>
+                                    </p:animEffect>
+                                  </p:childTnLst>
+                                </p:cTn>
+                              </p:par>
+                            </p:childTnLst>
+                          </p:cTn>
+                        </p:par>
+                      </p:childTnLst>
+                    </p:cTn>
+                  </p:par>
+                </p:childTnLst>
+              </p:cTn>
+              <p:prevCondLst>
+                <p:cond evt="onPrev" delay="0">
+                  <p:tgtEl>
+                    <p:sldTgt/>
+                  </p:tgtEl>
+                </p:cond>
+              </p:prevCondLst>
+              <p:nextCondLst>
+                <p:cond evt="onNext" delay="0">
+                  <p:tgtEl>
+                    <p:sldTgt/>
+                  </p:tgtEl>
+                </p:cond>
+              </p:nextCondLst>
+            </p:seq>
+          </p:childTnLst>
+        </p:cTn>
       </p:par>
     </p:tnLst>
+    <p:bldLst>
+      <p:bldP spid="10" grpId="0"/>
+      <p:bldP spid="3" grpId="0"/>
+      <p:bldP spid="5" grpId="0"/>
+      <p:bldP spid="9" grpId="0"/>
+      <p:bldP spid="11" grpId="0"/>
+      <p:bldP spid="13" grpId="0"/>
+      <p:bldP spid="14" grpId="0"/>
+      <p:bldP spid="6" grpId="0"/>
+      <p:bldP spid="8" grpId="0"/>
+      <p:bldP spid="12" grpId="0"/>
+    </p:bldLst>
   </p:timing>
 </p:sld>
 </file>
@@ -22348,9 +23530,39 @@
         <p:spPr/>
         <p:txBody>
           <a:bodyPr>
-            <a:normAutofit/>
+            <a:normAutofit lnSpcReduction="10000"/>
           </a:bodyPr>
           <a:lstStyle/>
+          <a:p>
+            <a:r>
+              <a:rPr lang="en-US" dirty="0" smtClean="0"/>
+              <a:t>Twitter: @</a:t>
+            </a:r>
+            <a:r>
+              <a:rPr lang="en-US" dirty="0" err="1" smtClean="0"/>
+              <a:t>ReactiveX</a:t>
+            </a:r>
+            <a:r>
+              <a:rPr lang="en-US" dirty="0" smtClean="0"/>
+              <a:t> #</a:t>
+            </a:r>
+            <a:r>
+              <a:rPr lang="en-US" dirty="0" err="1" smtClean="0"/>
+              <a:t>RxNet</a:t>
+            </a:r>
+            <a:r>
+              <a:rPr lang="en-US" dirty="0" smtClean="0"/>
+              <a:t> #</a:t>
+            </a:r>
+            <a:r>
+              <a:rPr lang="en-US" dirty="0" err="1" smtClean="0"/>
+              <a:t>RxJs</a:t>
+            </a:r>
+            <a:r>
+              <a:rPr lang="en-US" dirty="0" smtClean="0"/>
+              <a:t> #RxJava</a:t>
+            </a:r>
+          </a:p>
           <a:p>
             <a:r>
               <a:rPr lang="en-US" dirty="0" smtClean="0"/>
@@ -22373,24 +23585,80 @@
               <a:rPr lang="en-US" dirty="0"/>
               <a:t> </a:t>
             </a:r>
+            <a:endParaRPr lang="en-US" dirty="0" smtClean="0"/>
           </a:p>
           <a:p>
             <a:r>
               <a:rPr lang="en-US" dirty="0"/>
-              <a:t>Reactive Extensions Team Blog: </a:t>
+              <a:t>Source: </a:t>
+            </a:r>
+            <a:r>
+              <a:rPr lang="en-US" dirty="0">
+                <a:hlinkClick r:id="rId3"/>
+              </a:rPr>
+              <a:t>https://</a:t>
+            </a:r>
+            <a:r>
+              <a:rPr lang="en-US" dirty="0" smtClean="0">
+                <a:hlinkClick r:id="rId3"/>
+              </a:rPr>
+              <a:t>github.com/Reactive-Extensions</a:t>
+            </a:r>
+            <a:r>
+              <a:rPr lang="en-US" dirty="0"/>
+              <a:t/>
             </a:r>
             <a:br>
               <a:rPr lang="en-US" dirty="0"/>
             </a:br>
             <a:r>
+              <a:rPr lang="en-US" dirty="0" smtClean="0"/>
+              <a:t>	    </a:t>
+            </a:r>
+            <a:r>
+              <a:rPr lang="en-US" dirty="0" smtClean="0">
+                <a:hlinkClick r:id="rId4"/>
+              </a:rPr>
+              <a:t>https</a:t>
+            </a:r>
+            <a:r>
               <a:rPr lang="en-US" dirty="0">
-                <a:hlinkClick r:id="rId3"/>
+                <a:hlinkClick r:id="rId4"/>
               </a:rPr>
-              <a:t>http://</a:t>
+              <a:t>://rx.codeplex.com</a:t>
             </a:r>
             <a:r>
               <a:rPr lang="en-US" dirty="0" smtClean="0">
-                <a:hlinkClick r:id="rId3"/>
+                <a:hlinkClick r:id="rId4"/>
+              </a:rPr>
+              <a:t>/</a:t>
+            </a:r>
+            <a:r>
+              <a:rPr lang="en-US" dirty="0" smtClean="0"/>
+              <a:t> </a:t>
+            </a:r>
+            <a:endParaRPr lang="en-US" dirty="0"/>
+          </a:p>
+          <a:p>
+            <a:r>
+              <a:rPr lang="en-US" dirty="0"/>
+              <a:t>Reactive Extensions Team Blog: </a:t>
+            </a:r>
+            <a:r>
+              <a:rPr lang="en-US" dirty="0" smtClean="0">
+                <a:hlinkClick r:id="rId5"/>
+              </a:rPr>
+              <a:t>http</a:t>
+            </a:r>
+            <a:r>
+              <a:rPr lang="en-US" dirty="0">
+                <a:hlinkClick r:id="rId5"/>
+              </a:rPr>
+              <a:t>://</a:t>
+            </a:r>
+            <a:r>
+              <a:rPr lang="en-US" dirty="0" smtClean="0">
+                <a:hlinkClick r:id="rId5"/>
               </a:rPr>
               <a:t>blogs.msdn.com/rxteam</a:t>
             </a:r>
@@ -22406,7 +23674,7 @@
             </a:br>
             <a:r>
               <a:rPr lang="en-US" dirty="0">
-                <a:hlinkClick r:id="rId4"/>
+                <a:hlinkClick r:id="rId6"/>
               </a:rPr>
               <a:t>http://social.msdn.microsoft.com/Forums/en-US/rx/threads</a:t>
             </a:r>
@@ -22417,45 +23685,73 @@
           </a:p>
           <a:p>
             <a:r>
-              <a:rPr lang="en-US" dirty="0" err="1"/>
-              <a:t>RxWiki</a:t>
+              <a:rPr lang="en-US" dirty="0" smtClean="0"/>
+              <a:t>Channel9</a:t>
             </a:r>
             <a:r>
               <a:rPr lang="en-US" dirty="0"/>
-              <a:t> (Samples and more)</a:t>
-            </a:r>
-            <a:br>
-              <a:rPr lang="en-US" dirty="0"/>
-            </a:br>
+              <a:t>: </a:t>
+            </a:r>
+            <a:r>
+              <a:rPr lang="en-US" dirty="0" smtClean="0">
+                <a:hlinkClick r:id="rId7"/>
+              </a:rPr>
+              <a:t>http</a:t>
+            </a:r>
             <a:r>
               <a:rPr lang="en-US" dirty="0">
-                <a:hlinkClick r:id="rId5"/>
+                <a:hlinkClick r:id="rId7"/>
               </a:rPr>
-              <a:t>http://rxwiki.wikidot.com</a:t>
+              <a:t>://channel9.msdn.com/Tags/Rx</a:t>
             </a:r>
             <a:r>
               <a:rPr lang="en-US" dirty="0"/>
               <a:t> </a:t>
             </a:r>
+            <a:endParaRPr lang="en-US" dirty="0" smtClean="0"/>
           </a:p>
           <a:p>
             <a:r>
               <a:rPr lang="en-US" dirty="0"/>
-              <a:t>Channel9: </a:t>
-            </a:r>
-            <a:br>
-              <a:rPr lang="en-US" dirty="0"/>
-            </a:br>
+              <a:t>Paper.li: </a:t>
+            </a:r>
             <a:r>
               <a:rPr lang="en-US" dirty="0">
-                <a:hlinkClick r:id="rId6"/>
+                <a:hlinkClick r:id="rId8"/>
               </a:rPr>
-              <a:t>http://channel9.msdn.com/Tags/Rx</a:t>
-            </a:r>
-            <a:r>
-              <a:rPr lang="en-US" dirty="0"/>
-              <a:t> </a:t>
-            </a:r>
+              <a:t>http://</a:t>
+            </a:r>
+            <a:r>
+              <a:rPr lang="en-US" dirty="0" smtClean="0">
+                <a:hlinkClick r:id="rId8"/>
+              </a:rPr>
+              <a:t>paper.li/jimwooley/1365169132</a:t>
+            </a:r>
+            <a:endParaRPr lang="en-US" dirty="0" smtClean="0"/>
+          </a:p>
+          <a:p>
+            <a:r>
+              <a:rPr lang="en-US" sz="2000" dirty="0" smtClean="0"/>
+              <a:t>Free </a:t>
+            </a:r>
+            <a:r>
+              <a:rPr lang="en-US" sz="2000" dirty="0" err="1" smtClean="0"/>
+              <a:t>Ebook</a:t>
+            </a:r>
+            <a:r>
+              <a:rPr lang="en-US" sz="2000" dirty="0" smtClean="0"/>
+              <a:t>: </a:t>
+            </a:r>
+            <a:r>
+              <a:rPr lang="en-US" dirty="0">
+                <a:hlinkClick r:id="rId9"/>
+              </a:rPr>
+              <a:t>http://www.introtorx.com/</a:t>
+            </a:r>
+            <a:endParaRPr lang="en-US" dirty="0"/>
+          </a:p>
+          <a:p>
+            <a:endParaRPr lang="en-US" dirty="0"/>
           </a:p>
           <a:p>
             <a:endParaRPr lang="en-US" dirty="0" smtClean="0"/>
@@ -22526,7 +23822,7 @@
           <a:p>
             <a:r>
               <a:rPr lang="en-US" dirty="0" smtClean="0"/>
-              <a:t>Reactive Framework</a:t>
+              <a:t>Reactive Extensions</a:t>
             </a:r>
             <a:endParaRPr lang="en-US" dirty="0"/>
           </a:p>
@@ -22669,9 +23965,252 @@
   <p:timing>
     <p:tnLst>
       <p:par>
-        <p:cTn id="1" dur="indefinite" restart="never" nodeType="tmRoot"/>
+        <p:cTn id="1" dur="indefinite" restart="never" nodeType="tmRoot">
+          <p:childTnLst>
+            <p:seq concurrent="1" nextAc="seek">
+              <p:cTn id="2" dur="indefinite" nodeType="mainSeq">
+                <p:childTnLst>
+                  <p:par>
+                    <p:cTn id="3" fill="hold">
+                      <p:stCondLst>
+                        <p:cond delay="indefinite"/>
+                      </p:stCondLst>
+                      <p:childTnLst>
+                        <p:par>
+                          <p:cTn id="4" fill="hold">
+                            <p:stCondLst>
+                              <p:cond delay="0"/>
+                            </p:stCondLst>
+                            <p:childTnLst>
+                              <p:par>
+                                <p:cTn id="5" presetID="10" presetClass="entr" presetSubtype="0" fill="hold" grpId="0" nodeType="clickEffect">
+                                  <p:stCondLst>
+                                    <p:cond delay="0"/>
+                                  </p:stCondLst>
+                                  <p:childTnLst>
+                                    <p:set>
+                                      <p:cBhvr>
+                                        <p:cTn id="6" dur="1" fill="hold">
+                                          <p:stCondLst>
+                                            <p:cond delay="0"/>
+                                          </p:stCondLst>
+                                        </p:cTn>
+                                        <p:tgtEl>
+                                          <p:spTgt spid="3">
+                                            <p:txEl>
+                                              <p:pRg st="0" end="0"/>
+                                            </p:txEl>
+                                          </p:spTgt>
+                                        </p:tgtEl>
+                                        <p:attrNameLst>
+                                          <p:attrName>style.visibility</p:attrName>
+                                        </p:attrNameLst>
+                                      </p:cBhvr>
+                                      <p:to>
+                                        <p:strVal val="visible"/>
+                                      </p:to>
+                                    </p:set>
+                                    <p:animEffect transition="in" filter="fade">
+                                      <p:cBhvr>
+                                        <p:cTn id="7" dur="250"/>
+                                        <p:tgtEl>
+                                          <p:spTgt spid="3">
+                                            <p:txEl>
+                                              <p:pRg st="0" end="0"/>
+                                            </p:txEl>
+                                          </p:spTgt>
+                                        </p:tgtEl>
+                                      </p:cBhvr>
+                                    </p:animEffect>
+                                  </p:childTnLst>
+                                </p:cTn>
+                              </p:par>
+                            </p:childTnLst>
+                          </p:cTn>
+                        </p:par>
+                        <p:par>
+                          <p:cTn id="8" fill="hold">
+                            <p:stCondLst>
+                              <p:cond delay="250"/>
+                            </p:stCondLst>
+                            <p:childTnLst>
+                              <p:par>
+                                <p:cTn id="9" presetID="10" presetClass="entr" presetSubtype="0" fill="hold" grpId="0" nodeType="afterEffect">
+                                  <p:stCondLst>
+                                    <p:cond delay="0"/>
+                                  </p:stCondLst>
+                                  <p:childTnLst>
+                                    <p:set>
+                                      <p:cBhvr>
+                                        <p:cTn id="10" dur="1" fill="hold">
+                                          <p:stCondLst>
+                                            <p:cond delay="0"/>
+                                          </p:stCondLst>
+                                        </p:cTn>
+                                        <p:tgtEl>
+                                          <p:spTgt spid="3">
+                                            <p:txEl>
+                                              <p:pRg st="1" end="1"/>
+                                            </p:txEl>
+                                          </p:spTgt>
+                                        </p:tgtEl>
+                                        <p:attrNameLst>
+                                          <p:attrName>style.visibility</p:attrName>
+                                        </p:attrNameLst>
+                                      </p:cBhvr>
+                                      <p:to>
+                                        <p:strVal val="visible"/>
+                                      </p:to>
+                                    </p:set>
+                                    <p:animEffect transition="in" filter="fade">
+                                      <p:cBhvr>
+                                        <p:cTn id="11" dur="250"/>
+                                        <p:tgtEl>
+                                          <p:spTgt spid="3">
+                                            <p:txEl>
+                                              <p:pRg st="1" end="1"/>
+                                            </p:txEl>
+                                          </p:spTgt>
+                                        </p:tgtEl>
+                                      </p:cBhvr>
+                                    </p:animEffect>
+                                  </p:childTnLst>
+                                </p:cTn>
+                              </p:par>
+                            </p:childTnLst>
+                          </p:cTn>
+                        </p:par>
+                        <p:par>
+                          <p:cTn id="12" fill="hold">
+                            <p:stCondLst>
+                              <p:cond delay="500"/>
+                            </p:stCondLst>
+                            <p:childTnLst>
+                              <p:par>
+                                <p:cTn id="13" presetID="10" presetClass="entr" presetSubtype="0" fill="hold" grpId="0" nodeType="afterEffect">
+                                  <p:stCondLst>
+                                    <p:cond delay="0"/>
+                                  </p:stCondLst>
+                                  <p:childTnLst>
+                                    <p:set>
+                                      <p:cBhvr>
+                                        <p:cTn id="14" dur="1" fill="hold">
+                                          <p:stCondLst>
+                                            <p:cond delay="0"/>
+                                          </p:stCondLst>
+                                        </p:cTn>
+                                        <p:tgtEl>
+                                          <p:spTgt spid="3">
+                                            <p:txEl>
+                                              <p:pRg st="2" end="2"/>
+                                            </p:txEl>
+                                          </p:spTgt>
+                                        </p:tgtEl>
+                                        <p:attrNameLst>
+                                          <p:attrName>style.visibility</p:attrName>
+                                        </p:attrNameLst>
+                                      </p:cBhvr>
+                                      <p:to>
+                                        <p:strVal val="visible"/>
+                                      </p:to>
+                                    </p:set>
+                                    <p:animEffect transition="in" filter="fade">
+                                      <p:cBhvr>
+                                        <p:cTn id="15" dur="250"/>
+                                        <p:tgtEl>
+                                          <p:spTgt spid="3">
+                                            <p:txEl>
+                                              <p:pRg st="2" end="2"/>
+                                            </p:txEl>
+                                          </p:spTgt>
+                                        </p:tgtEl>
+                                      </p:cBhvr>
+                                    </p:animEffect>
+                                  </p:childTnLst>
+                                </p:cTn>
+                              </p:par>
+                            </p:childTnLst>
+                          </p:cTn>
+                        </p:par>
+                        <p:par>
+                          <p:cTn id="16" fill="hold">
+                            <p:stCondLst>
+                              <p:cond delay="750"/>
+                            </p:stCondLst>
+                            <p:childTnLst>
+                              <p:par>
+                                <p:cTn id="17" presetID="10" presetClass="entr" presetSubtype="0" fill="hold" grpId="0" nodeType="afterEffect">
+                                  <p:stCondLst>
+                                    <p:cond delay="0"/>
+                                  </p:stCondLst>
+                                  <p:childTnLst>
+                                    <p:set>
+                                      <p:cBhvr>
+                                        <p:cTn id="18" dur="1" fill="hold">
+                                          <p:stCondLst>
+                                            <p:cond delay="0"/>
+                                          </p:stCondLst>
+                                        </p:cTn>
+                                        <p:tgtEl>
+                                          <p:spTgt spid="3">
+                                            <p:txEl>
+                                              <p:pRg st="3" end="3"/>
+                                            </p:txEl>
+                                          </p:spTgt>
+                                        </p:tgtEl>
+                                        <p:attrNameLst>
+                                          <p:attrName>style.visibility</p:attrName>
+                                        </p:attrNameLst>
+                                      </p:cBhvr>
+                                      <p:to>
+                                        <p:strVal val="visible"/>
+                                      </p:to>
+                                    </p:set>
+                                    <p:animEffect transition="in" filter="fade">
+                                      <p:cBhvr>
+                                        <p:cTn id="19" dur="250"/>
+                                        <p:tgtEl>
+                                          <p:spTgt spid="3">
+                                            <p:txEl>
+                                              <p:pRg st="3" end="3"/>
+                                            </p:txEl>
+                                          </p:spTgt>
+                                        </p:tgtEl>
+                                      </p:cBhvr>
+                                    </p:animEffect>
+                                  </p:childTnLst>
+                                </p:cTn>
+                              </p:par>
+                            </p:childTnLst>
+                          </p:cTn>
+                        </p:par>
+                      </p:childTnLst>
+                    </p:cTn>
+                  </p:par>
+                </p:childTnLst>
+              </p:cTn>
+              <p:prevCondLst>
+                <p:cond evt="onPrev" delay="0">
+                  <p:tgtEl>
+                    <p:sldTgt/>
+                  </p:tgtEl>
+                </p:cond>
+              </p:prevCondLst>
+              <p:nextCondLst>
+                <p:cond evt="onNext" delay="0">
+                  <p:tgtEl>
+                    <p:sldTgt/>
+                  </p:tgtEl>
+                </p:cond>
+              </p:nextCondLst>
+            </p:seq>
+          </p:childTnLst>
+        </p:cTn>
       </p:par>
     </p:tnLst>
+    <p:bldLst>
+      <p:bldP spid="3" grpId="0" uiExpand="1" build="p"/>
+    </p:bldLst>
   </p:timing>
 </p:sld>
 </file>
@@ -22693,44 +24232,425 @@
           <a:chExt cx="0" cy="0"/>
         </a:xfrm>
       </p:grpSpPr>
+      <p:pic>
+        <p:nvPicPr>
+          <p:cNvPr id="4" name="Picture 3"/>
+          <p:cNvPicPr>
+            <a:picLocks noChangeAspect="1"/>
+          </p:cNvPicPr>
+          <p:nvPr/>
+        </p:nvPicPr>
+        <p:blipFill>
+          <a:blip r:embed="rId2">
+            <a:extLst>
+              <a:ext uri="{28A0092B-C50C-407E-A947-70E740481C1C}">
+                <a14:useLocalDpi xmlns:a14="http://schemas.microsoft.com/office/drawing/2010/main" val="0"/>
+              </a:ext>
+            </a:extLst>
+          </a:blip>
+          <a:stretch>
+            <a:fillRect/>
+          </a:stretch>
+        </p:blipFill>
+        <p:spPr>
+          <a:xfrm>
+            <a:off x="0" y="0"/>
+            <a:ext cx="9144000" cy="6858000"/>
+          </a:xfrm>
+          <a:prstGeom prst="rect">
+            <a:avLst/>
+          </a:prstGeom>
+        </p:spPr>
+      </p:pic>
       <p:sp>
         <p:nvSpPr>
-          <p:cNvPr id="5" name="Text Placeholder 4"/>
+          <p:cNvPr id="2" name="Title 1"/>
           <p:cNvSpPr>
             <a:spLocks noGrp="1"/>
           </p:cNvSpPr>
           <p:nvPr>
-            <p:ph type="body" idx="1"/>
+            <p:ph type="ctrTitle"/>
           </p:nvPr>
         </p:nvSpPr>
         <p:spPr>
           <a:xfrm>
-            <a:off x="4572000" y="4648200"/>
-            <a:ext cx="4191000" cy="1387813"/>
+            <a:off x="3048000" y="2732703"/>
+            <a:ext cx="2895600" cy="1610697"/>
           </a:xfrm>
+          <a:solidFill>
+            <a:srgbClr val="000000">
+              <a:alpha val="69804"/>
+            </a:srgbClr>
+          </a:solidFill>
+          <a:effectLst>
+            <a:softEdge rad="63500"/>
+          </a:effectLst>
         </p:spPr>
+        <p:style>
+          <a:lnRef idx="1">
+            <a:schemeClr val="accent1"/>
+          </a:lnRef>
+          <a:fillRef idx="2">
+            <a:schemeClr val="accent1"/>
+          </a:fillRef>
+          <a:effectRef idx="1">
+            <a:schemeClr val="accent1"/>
+          </a:effectRef>
+          <a:fontRef idx="minor">
+            <a:schemeClr val="dk1"/>
+          </a:fontRef>
+        </p:style>
         <p:txBody>
-          <a:bodyPr>
+          <a:bodyPr anchor="ctr"/>
+          <a:lstStyle/>
+          <a:p>
+            <a:pPr algn="ctr"/>
+            <a:r>
+              <a:rPr lang="en-US" cap="small" dirty="0" smtClean="0">
+                <a:solidFill>
+                  <a:schemeClr val="tx1"/>
+                </a:solidFill>
+              </a:rPr>
+              <a:t>Rx In Action</a:t>
+            </a:r>
+            <a:br>
+              <a:rPr lang="en-US" cap="small" dirty="0" smtClean="0">
+                <a:solidFill>
+                  <a:schemeClr val="tx1"/>
+                </a:solidFill>
+              </a:rPr>
+            </a:br>
+            <a:r>
+              <a:rPr lang="en-US" cap="small" dirty="0" smtClean="0">
+                <a:solidFill>
+                  <a:schemeClr val="tx1"/>
+                </a:solidFill>
+              </a:rPr>
+              <a:t>Reactions?</a:t>
+            </a:r>
+            <a:endParaRPr lang="en-US" cap="small" dirty="0">
+              <a:solidFill>
+                <a:schemeClr val="tx1"/>
+              </a:solidFill>
+            </a:endParaRPr>
+          </a:p>
+        </p:txBody>
+      </p:sp>
+      <p:pic>
+        <p:nvPicPr>
+          <p:cNvPr id="5" name="Picture 2" descr="\\WOOLEYHOMESVR\Photos\MVP_Logo_Kit\MVP Logo Kit\MVP_FullColor_ForScreen.png"/>
+          <p:cNvPicPr>
+            <a:picLocks noChangeAspect="1" noChangeArrowheads="1"/>
+          </p:cNvPicPr>
+          <p:nvPr/>
+        </p:nvPicPr>
+        <p:blipFill>
+          <a:blip r:embed="rId3" cstate="print">
+            <a:extLst>
+              <a:ext uri="{28A0092B-C50C-407E-A947-70E740481C1C}">
+                <a14:useLocalDpi xmlns:a14="http://schemas.microsoft.com/office/drawing/2010/main" val="0"/>
+              </a:ext>
+            </a:extLst>
+          </a:blip>
+          <a:srcRect/>
+          <a:stretch>
+            <a:fillRect/>
+          </a:stretch>
+        </p:blipFill>
+        <p:spPr bwMode="auto">
+          <a:xfrm>
+            <a:off x="7913040" y="12555"/>
+            <a:ext cx="1230960" cy="1931970"/>
+          </a:xfrm>
+          <a:prstGeom prst="rect">
+            <a:avLst/>
+          </a:prstGeom>
+          <a:noFill/>
+          <a:extLst>
+            <a:ext uri="{909E8E84-426E-40DD-AFC4-6F175D3DCCD1}">
+              <a14:hiddenFill xmlns:a14="http://schemas.microsoft.com/office/drawing/2010/main">
+                <a:solidFill>
+                  <a:srgbClr val="FFFFFF"/>
+                </a:solidFill>
+              </a14:hiddenFill>
+            </a:ext>
+          </a:extLst>
+        </p:spPr>
+      </p:pic>
+      <p:pic>
+        <p:nvPicPr>
+          <p:cNvPr id="6" name="Picture 3" descr="\\WOOLEYHOMESVR\Photos\Misc Jims Pictures\LinqInActionCover.jpg"/>
+          <p:cNvPicPr>
+            <a:picLocks noChangeAspect="1" noChangeArrowheads="1"/>
+          </p:cNvPicPr>
+          <p:nvPr/>
+        </p:nvPicPr>
+        <p:blipFill>
+          <a:blip r:embed="rId4">
+            <a:extLst>
+              <a:ext uri="{28A0092B-C50C-407E-A947-70E740481C1C}">
+                <a14:useLocalDpi xmlns:a14="http://schemas.microsoft.com/office/drawing/2010/main" val="0"/>
+              </a:ext>
+            </a:extLst>
+          </a:blip>
+          <a:srcRect/>
+          <a:stretch>
+            <a:fillRect/>
+          </a:stretch>
+        </p:blipFill>
+        <p:spPr bwMode="auto">
+          <a:xfrm>
+            <a:off x="6312840" y="12555"/>
+            <a:ext cx="1600200" cy="2005584"/>
+          </a:xfrm>
+          <a:prstGeom prst="rect">
+            <a:avLst/>
+          </a:prstGeom>
+          <a:noFill/>
+          <a:extLst>
+            <a:ext uri="{909E8E84-426E-40DD-AFC4-6F175D3DCCD1}">
+              <a14:hiddenFill xmlns:a14="http://schemas.microsoft.com/office/drawing/2010/main">
+                <a:solidFill>
+                  <a:srgbClr val="FFFFFF"/>
+                </a:solidFill>
+              </a14:hiddenFill>
+            </a:ext>
+          </a:extLst>
+        </p:spPr>
+      </p:pic>
+      <p:sp>
+        <p:nvSpPr>
+          <p:cNvPr id="7" name="Subtitle 2"/>
+          <p:cNvSpPr txBox="1">
+            <a:spLocks/>
+          </p:cNvSpPr>
+          <p:nvPr/>
+        </p:nvSpPr>
+        <p:spPr>
+          <a:xfrm>
+            <a:off x="10886" y="5489202"/>
+            <a:ext cx="2895600" cy="1368798"/>
+          </a:xfrm>
+          <a:prstGeom prst="rect">
+            <a:avLst/>
+          </a:prstGeom>
+        </p:spPr>
+        <p:style>
+          <a:lnRef idx="0">
+            <a:schemeClr val="dk1"/>
+          </a:lnRef>
+          <a:fillRef idx="3">
+            <a:schemeClr val="dk1"/>
+          </a:fillRef>
+          <a:effectRef idx="3">
+            <a:schemeClr val="dk1"/>
+          </a:effectRef>
+          <a:fontRef idx="minor">
+            <a:schemeClr val="lt1"/>
+          </a:fontRef>
+        </p:style>
+        <p:txBody>
+          <a:bodyPr vert="horz" lIns="91440" tIns="45720" rIns="91440" bIns="45720" rtlCol="0">
             <a:normAutofit/>
           </a:bodyPr>
-          <a:lstStyle/>
+          <a:lstStyle>
+            <a:lvl1pPr marL="0" indent="0" algn="l" defTabSz="914400" rtl="0" eaLnBrk="1" latinLnBrk="0" hangingPunct="1">
+              <a:spcBef>
+                <a:spcPct val="20000"/>
+              </a:spcBef>
+              <a:buClr>
+                <a:schemeClr val="accent1">
+                  <a:lumMod val="60000"/>
+                  <a:lumOff val="40000"/>
+                </a:schemeClr>
+              </a:buClr>
+              <a:buFont typeface="Arial" pitchFamily="34" charset="0"/>
+              <a:buNone/>
+              <a:defRPr sz="2200" kern="1200">
+                <a:solidFill>
+                  <a:srgbClr val="FFFFFF"/>
+                </a:solidFill>
+                <a:latin typeface="+mn-lt"/>
+                <a:ea typeface="+mn-ea"/>
+                <a:cs typeface="+mn-cs"/>
+              </a:defRPr>
+            </a:lvl1pPr>
+            <a:lvl2pPr marL="457200" indent="0" algn="ctr" defTabSz="914400" rtl="0" eaLnBrk="1" latinLnBrk="0" hangingPunct="1">
+              <a:spcBef>
+                <a:spcPct val="20000"/>
+              </a:spcBef>
+              <a:buClr>
+                <a:schemeClr val="accent1">
+                  <a:lumMod val="60000"/>
+                  <a:lumOff val="40000"/>
+                </a:schemeClr>
+              </a:buClr>
+              <a:buFont typeface="Arial" pitchFamily="34" charset="0"/>
+              <a:buNone/>
+              <a:defRPr sz="2000" kern="1200">
+                <a:solidFill>
+                  <a:schemeClr val="tx1">
+                    <a:tint val="75000"/>
+                  </a:schemeClr>
+                </a:solidFill>
+                <a:latin typeface="+mn-lt"/>
+                <a:ea typeface="+mn-ea"/>
+                <a:cs typeface="+mn-cs"/>
+              </a:defRPr>
+            </a:lvl2pPr>
+            <a:lvl3pPr marL="914400" indent="0" algn="ctr" defTabSz="914400" rtl="0" eaLnBrk="1" latinLnBrk="0" hangingPunct="1">
+              <a:spcBef>
+                <a:spcPct val="20000"/>
+              </a:spcBef>
+              <a:buClr>
+                <a:schemeClr val="accent2"/>
+              </a:buClr>
+              <a:buFont typeface="Arial" pitchFamily="34" charset="0"/>
+              <a:buNone/>
+              <a:defRPr sz="2000" kern="1200">
+                <a:solidFill>
+                  <a:schemeClr val="tx1">
+                    <a:tint val="75000"/>
+                  </a:schemeClr>
+                </a:solidFill>
+                <a:latin typeface="+mn-lt"/>
+                <a:ea typeface="+mn-ea"/>
+                <a:cs typeface="+mn-cs"/>
+              </a:defRPr>
+            </a:lvl3pPr>
+            <a:lvl4pPr marL="1371600" indent="0" algn="ctr" defTabSz="914400" rtl="0" eaLnBrk="1" latinLnBrk="0" hangingPunct="1">
+              <a:spcBef>
+                <a:spcPct val="20000"/>
+              </a:spcBef>
+              <a:buClr>
+                <a:schemeClr val="accent3"/>
+              </a:buClr>
+              <a:buFont typeface="Arial" pitchFamily="34" charset="0"/>
+              <a:buNone/>
+              <a:defRPr sz="1800" kern="1200">
+                <a:solidFill>
+                  <a:schemeClr val="tx1">
+                    <a:tint val="75000"/>
+                  </a:schemeClr>
+                </a:solidFill>
+                <a:latin typeface="+mn-lt"/>
+                <a:ea typeface="+mn-ea"/>
+                <a:cs typeface="+mn-cs"/>
+              </a:defRPr>
+            </a:lvl4pPr>
+            <a:lvl5pPr marL="1828800" indent="0" algn="ctr" defTabSz="914400" rtl="0" eaLnBrk="1" latinLnBrk="0" hangingPunct="1">
+              <a:spcBef>
+                <a:spcPct val="20000"/>
+              </a:spcBef>
+              <a:buClr>
+                <a:schemeClr val="accent4"/>
+              </a:buClr>
+              <a:buFont typeface="Arial" pitchFamily="34" charset="0"/>
+              <a:buNone/>
+              <a:defRPr sz="1600" kern="1200" baseline="0">
+                <a:solidFill>
+                  <a:schemeClr val="tx1">
+                    <a:tint val="75000"/>
+                  </a:schemeClr>
+                </a:solidFill>
+                <a:latin typeface="+mn-lt"/>
+                <a:ea typeface="+mn-ea"/>
+                <a:cs typeface="+mn-cs"/>
+              </a:defRPr>
+            </a:lvl5pPr>
+            <a:lvl6pPr marL="2286000" indent="0" algn="ctr" defTabSz="914400" rtl="0" eaLnBrk="1" latinLnBrk="0" hangingPunct="1">
+              <a:spcBef>
+                <a:spcPct val="20000"/>
+              </a:spcBef>
+              <a:buClr>
+                <a:schemeClr val="accent5"/>
+              </a:buClr>
+              <a:buFont typeface="Arial" pitchFamily="34" charset="0"/>
+              <a:buNone/>
+              <a:defRPr sz="1600" kern="1200">
+                <a:solidFill>
+                  <a:schemeClr val="tx1">
+                    <a:tint val="75000"/>
+                  </a:schemeClr>
+                </a:solidFill>
+                <a:latin typeface="+mn-lt"/>
+                <a:ea typeface="+mn-ea"/>
+                <a:cs typeface="+mn-cs"/>
+              </a:defRPr>
+            </a:lvl6pPr>
+            <a:lvl7pPr marL="2743200" indent="0" algn="ctr" defTabSz="914400" rtl="0" eaLnBrk="1" latinLnBrk="0" hangingPunct="1">
+              <a:spcBef>
+                <a:spcPct val="20000"/>
+              </a:spcBef>
+              <a:buClr>
+                <a:schemeClr val="accent6"/>
+              </a:buClr>
+              <a:buFont typeface="Arial" pitchFamily="34" charset="0"/>
+              <a:buNone/>
+              <a:defRPr sz="1600" kern="1200">
+                <a:solidFill>
+                  <a:schemeClr val="tx1">
+                    <a:tint val="75000"/>
+                  </a:schemeClr>
+                </a:solidFill>
+                <a:latin typeface="+mn-lt"/>
+                <a:ea typeface="+mn-ea"/>
+                <a:cs typeface="+mn-cs"/>
+              </a:defRPr>
+            </a:lvl7pPr>
+            <a:lvl8pPr marL="3200400" indent="0" algn="ctr" defTabSz="914400" rtl="0" eaLnBrk="1" latinLnBrk="0" hangingPunct="1">
+              <a:spcBef>
+                <a:spcPct val="20000"/>
+              </a:spcBef>
+              <a:buClr>
+                <a:schemeClr val="accent3"/>
+              </a:buClr>
+              <a:buFont typeface="Arial" pitchFamily="34" charset="0"/>
+              <a:buNone/>
+              <a:defRPr sz="1600" kern="1200">
+                <a:solidFill>
+                  <a:schemeClr val="tx1">
+                    <a:tint val="75000"/>
+                  </a:schemeClr>
+                </a:solidFill>
+                <a:latin typeface="+mn-lt"/>
+                <a:ea typeface="+mn-ea"/>
+                <a:cs typeface="+mn-cs"/>
+              </a:defRPr>
+            </a:lvl8pPr>
+            <a:lvl9pPr marL="3657600" indent="0" algn="ctr" defTabSz="914400" rtl="0" eaLnBrk="1" latinLnBrk="0" hangingPunct="1">
+              <a:spcBef>
+                <a:spcPct val="20000"/>
+              </a:spcBef>
+              <a:buClr>
+                <a:schemeClr val="accent6"/>
+              </a:buClr>
+              <a:buFont typeface="Arial" pitchFamily="34" charset="0"/>
+              <a:buNone/>
+              <a:defRPr sz="1600" kern="1200">
+                <a:solidFill>
+                  <a:schemeClr val="tx1">
+                    <a:tint val="75000"/>
+                  </a:schemeClr>
+                </a:solidFill>
+                <a:latin typeface="+mn-lt"/>
+                <a:ea typeface="+mn-ea"/>
+                <a:cs typeface="+mn-cs"/>
+              </a:defRPr>
+            </a:lvl9pPr>
+          </a:lstStyle>
           <a:p>
             <a:pPr algn="r"/>
             <a:r>
               <a:rPr lang="en-US" dirty="0" smtClean="0"/>
-              <a:t>Jim </a:t>
-            </a:r>
-            <a:r>
-              <a:rPr lang="en-US" dirty="0" err="1" smtClean="0"/>
-              <a:t>Wooley</a:t>
-            </a:r>
-            <a:endParaRPr lang="en-US" dirty="0" smtClean="0"/>
+              <a:t>Jim Wooley</a:t>
+            </a:r>
           </a:p>
           <a:p>
             <a:pPr algn="r"/>
             <a:r>
               <a:rPr lang="en-US" dirty="0" smtClean="0">
-                <a:hlinkClick r:id="rId2"/>
+                <a:hlinkClick r:id="rId5"/>
               </a:rPr>
               <a:t>www.ThinqLinq.com</a:t>
             </a:r>
@@ -22740,7 +24660,7 @@
             <a:pPr algn="r"/>
             <a:r>
               <a:rPr lang="en-US" dirty="0" smtClean="0"/>
-              <a:t>@</a:t>
+              <a:t>Twitter: @</a:t>
             </a:r>
             <a:r>
               <a:rPr lang="en-US" dirty="0" err="1" smtClean="0"/>
@@ -22752,12 +24672,12 @@
       </p:sp>
       <p:sp>
         <p:nvSpPr>
-          <p:cNvPr id="4" name="Title 3"/>
+          <p:cNvPr id="8" name="Subtitle 7"/>
           <p:cNvSpPr>
             <a:spLocks noGrp="1"/>
           </p:cNvSpPr>
           <p:nvPr>
-            <p:ph type="title"/>
+            <p:ph type="subTitle" idx="1"/>
           </p:nvPr>
         </p:nvSpPr>
         <p:spPr/>
@@ -22765,18 +24685,44 @@
           <a:bodyPr/>
           <a:lstStyle/>
           <a:p>
-            <a:r>
-              <a:rPr lang="en-US" dirty="0" smtClean="0"/>
-              <a:t>Questions</a:t>
-            </a:r>
-            <a:endParaRPr lang="en-US" dirty="0"/>
+            <a:endParaRPr lang="en-US"/>
           </a:p>
         </p:txBody>
       </p:sp>
+      <p:pic>
+        <p:nvPicPr>
+          <p:cNvPr id="9" name="Picture 8"/>
+          <p:cNvPicPr>
+            <a:picLocks noChangeAspect="1"/>
+          </p:cNvPicPr>
+          <p:nvPr/>
+        </p:nvPicPr>
+        <p:blipFill>
+          <a:blip r:embed="rId6" cstate="print">
+            <a:extLst>
+              <a:ext uri="{28A0092B-C50C-407E-A947-70E740481C1C}">
+                <a14:useLocalDpi xmlns:a14="http://schemas.microsoft.com/office/drawing/2010/main" val="0"/>
+              </a:ext>
+            </a:extLst>
+          </a:blip>
+          <a:stretch>
+            <a:fillRect/>
+          </a:stretch>
+        </p:blipFill>
+        <p:spPr>
+          <a:xfrm>
+            <a:off x="3124200" y="2823676"/>
+            <a:ext cx="681182" cy="685800"/>
+          </a:xfrm>
+          <a:prstGeom prst="rect">
+            <a:avLst/>
+          </a:prstGeom>
+        </p:spPr>
+      </p:pic>
     </p:spTree>
     <p:extLst>
       <p:ext uri="{BB962C8B-B14F-4D97-AF65-F5344CB8AC3E}">
-        <p14:creationId xmlns:p14="http://schemas.microsoft.com/office/powerpoint/2010/main" val="3699376693"/>
+        <p14:creationId xmlns:p14="http://schemas.microsoft.com/office/powerpoint/2010/main" val="2613547704"/>
       </p:ext>
     </p:extLst>
   </p:cSld>
@@ -22794,7 +24740,7 @@
 </file>
 
 <file path=ppt/slides/slide3.xml><?xml version="1.0" encoding="utf-8"?>
-<p:sld xmlns:a="http://schemas.openxmlformats.org/drawingml/2006/main" xmlns:r="http://schemas.openxmlformats.org/officeDocument/2006/relationships" xmlns:p="http://schemas.openxmlformats.org/presentationml/2006/main">
+<p:sld xmlns:a="http://schemas.openxmlformats.org/drawingml/2006/main" xmlns:r="http://schemas.openxmlformats.org/officeDocument/2006/relationships" xmlns:p="http://schemas.openxmlformats.org/presentationml/2006/main" show="0">
   <p:cSld>
     <p:spTree>
       <p:nvGrpSpPr>
@@ -22865,7 +24811,7 @@
         </p:blipFill>
         <p:spPr>
           <a:xfrm>
-            <a:off x="5038726" y="2514600"/>
+            <a:off x="5029200" y="1705182"/>
             <a:ext cx="2590800" cy="2590800"/>
           </a:xfrm>
         </p:spPr>
@@ -22893,7 +24839,7 @@
         </p:blipFill>
         <p:spPr bwMode="auto">
           <a:xfrm>
-            <a:off x="1371600" y="2438400"/>
+            <a:off x="1362074" y="1628982"/>
             <a:ext cx="2819400" cy="2723284"/>
           </a:xfrm>
           <a:prstGeom prst="rect">
@@ -22942,7 +24888,7 @@
         </p:nvSpPr>
         <p:spPr>
           <a:xfrm>
-            <a:off x="1257300" y="2237942"/>
+            <a:off x="1247774" y="1428524"/>
             <a:ext cx="3048000" cy="3124200"/>
           </a:xfrm>
           <a:prstGeom prst="noSmoking">
@@ -23005,7 +24951,7 @@
         </p:nvSpPr>
         <p:spPr>
           <a:xfrm>
-            <a:off x="4800600" y="2237942"/>
+            <a:off x="4791074" y="1428524"/>
             <a:ext cx="3048000" cy="3124200"/>
           </a:xfrm>
           <a:prstGeom prst="noSmoking">
@@ -23082,36 +25028,18 @@
         </p:blipFill>
         <p:spPr>
           <a:xfrm>
-            <a:off x="2209800" y="1600200"/>
+            <a:off x="2161494" y="3505200"/>
             <a:ext cx="4572000" cy="4781176"/>
           </a:xfrm>
           <a:prstGeom prst="ellipse">
             <a:avLst/>
           </a:prstGeom>
-          <a:ln w="63500" cap="rnd">
-            <a:solidFill>
-              <a:srgbClr val="333333"/>
-            </a:solidFill>
+          <a:ln>
+            <a:noFill/>
           </a:ln>
           <a:effectLst>
-            <a:outerShdw blurRad="381000" dist="292100" dir="5400000" sx="-80000" sy="-18000" rotWithShape="0">
-              <a:srgbClr val="000000">
-                <a:alpha val="22000"/>
-              </a:srgbClr>
-            </a:outerShdw>
+            <a:softEdge rad="112500"/>
           </a:effectLst>
-          <a:scene3d>
-            <a:camera prst="orthographicFront"/>
-            <a:lightRig rig="contrasting" dir="t">
-              <a:rot lat="0" lon="0" rev="3000000"/>
-            </a:lightRig>
-          </a:scene3d>
-          <a:sp3d contourW="7620">
-            <a:bevelT w="95250" h="31750"/>
-            <a:contourClr>
-              <a:srgbClr val="333333"/>
-            </a:contourClr>
-          </a:sp3d>
         </p:spPr>
       </p:pic>
     </p:spTree>
@@ -23124,6 +25052,14 @@
   <p:clrMapOvr>
     <a:masterClrMapping/>
   </p:clrMapOvr>
+  <mc:AlternateContent xmlns:mc="http://schemas.openxmlformats.org/markup-compatibility/2006">
+    <mc:Choice xmlns:p14="http://schemas.microsoft.com/office/powerpoint/2010/main" Requires="p14">
+      <p:transition spd="slow" p14:dur="2000"/>
+    </mc:Choice>
+    <mc:Fallback>
+      <p:transition spd="slow"/>
+    </mc:Fallback>
+  </mc:AlternateContent>
   <p:timing>
     <p:tnLst>
       <p:par>
@@ -23743,11 +25679,7 @@
             </a:pPr>
             <a:r>
               <a:rPr lang="en-US" dirty="0" smtClean="0"/>
-              <a:t>Where </a:t>
-            </a:r>
-            <a:r>
-              <a:rPr lang="en-US" dirty="0" smtClean="0"/>
-              <a:t>Not </a:t>
+              <a:t>Where Not </a:t>
             </a:r>
             <a:r>
               <a:rPr lang="en-US" dirty="0" err="1" smtClean="0"/>

--- a/RxInAction.pptx
+++ b/RxInAction.pptx
@@ -227,7 +227,7 @@
           <a:p>
             <a:fld id="{FC81B089-160E-404A-8C73-8674F1782EA4}" type="datetimeFigureOut">
               <a:rPr lang="en-US" smtClean="0"/>
-              <a:t>8/9/2014</a:t>
+              <a:t>2/1/2015</a:t>
             </a:fld>
             <a:endParaRPr lang="en-US"/>
           </a:p>
@@ -567,7 +567,7 @@
           <a:p>
             <a:fld id="{CF705FED-B5F1-4160-8902-27DBE1B04A6A}" type="datetime1">
               <a:rPr lang="en-US" smtClean="0"/>
-              <a:t>8/9/2014</a:t>
+              <a:t>2/1/2015</a:t>
             </a:fld>
             <a:endParaRPr lang="en-US" dirty="0"/>
           </a:p>
@@ -3495,7 +3495,7 @@
           <a:p>
             <a:fld id="{D2B62928-2648-4210-B25C-2BD7B5FE2C7B}" type="datetimeFigureOut">
               <a:rPr lang="en-US" smtClean="0"/>
-              <a:t>8/9/2014</a:t>
+              <a:t>2/1/2015</a:t>
             </a:fld>
             <a:endParaRPr lang="en-US"/>
           </a:p>
@@ -4008,7 +4008,7 @@
           <a:p>
             <a:fld id="{D2B62928-2648-4210-B25C-2BD7B5FE2C7B}" type="datetimeFigureOut">
               <a:rPr lang="en-US" smtClean="0"/>
-              <a:t>8/9/2014</a:t>
+              <a:t>2/1/2015</a:t>
             </a:fld>
             <a:endParaRPr lang="en-US"/>
           </a:p>
@@ -4183,7 +4183,7 @@
           <a:p>
             <a:fld id="{D2B62928-2648-4210-B25C-2BD7B5FE2C7B}" type="datetimeFigureOut">
               <a:rPr lang="en-US" smtClean="0"/>
-              <a:t>8/9/2014</a:t>
+              <a:t>2/1/2015</a:t>
             </a:fld>
             <a:endParaRPr lang="en-US"/>
           </a:p>
@@ -4573,7 +4573,7 @@
           <a:p>
             <a:fld id="{D2B62928-2648-4210-B25C-2BD7B5FE2C7B}" type="datetimeFigureOut">
               <a:rPr lang="en-US" smtClean="0"/>
-              <a:t>8/9/2014</a:t>
+              <a:t>2/1/2015</a:t>
             </a:fld>
             <a:endParaRPr lang="en-US"/>
           </a:p>
@@ -7697,7 +7697,7 @@
           <a:p>
             <a:fld id="{D2B62928-2648-4210-B25C-2BD7B5FE2C7B}" type="datetimeFigureOut">
               <a:rPr lang="en-US" smtClean="0"/>
-              <a:t>8/9/2014</a:t>
+              <a:t>2/1/2015</a:t>
             </a:fld>
             <a:endParaRPr lang="en-US"/>
           </a:p>
@@ -7980,7 +7980,7 @@
           <a:p>
             <a:fld id="{D2B62928-2648-4210-B25C-2BD7B5FE2C7B}" type="datetimeFigureOut">
               <a:rPr lang="en-US" smtClean="0"/>
-              <a:t>8/9/2014</a:t>
+              <a:t>2/1/2015</a:t>
             </a:fld>
             <a:endParaRPr lang="en-US"/>
           </a:p>
@@ -8397,7 +8397,7 @@
           <a:p>
             <a:fld id="{D2B62928-2648-4210-B25C-2BD7B5FE2C7B}" type="datetimeFigureOut">
               <a:rPr lang="en-US" smtClean="0"/>
-              <a:t>8/9/2014</a:t>
+              <a:t>2/1/2015</a:t>
             </a:fld>
             <a:endParaRPr lang="en-US"/>
           </a:p>
@@ -8510,7 +8510,7 @@
           <a:p>
             <a:fld id="{D2B62928-2648-4210-B25C-2BD7B5FE2C7B}" type="datetimeFigureOut">
               <a:rPr lang="en-US" smtClean="0"/>
-              <a:t>8/9/2014</a:t>
+              <a:t>2/1/2015</a:t>
             </a:fld>
             <a:endParaRPr lang="en-US"/>
           </a:p>
@@ -8600,7 +8600,7 @@
           <a:p>
             <a:fld id="{D2B62928-2648-4210-B25C-2BD7B5FE2C7B}" type="datetimeFigureOut">
               <a:rPr lang="en-US" smtClean="0"/>
-              <a:t>8/9/2014</a:t>
+              <a:t>2/1/2015</a:t>
             </a:fld>
             <a:endParaRPr lang="en-US"/>
           </a:p>
@@ -8775,7 +8775,7 @@
           <a:p>
             <a:fld id="{D2B62928-2648-4210-B25C-2BD7B5FE2C7B}" type="datetimeFigureOut">
               <a:rPr lang="en-US" smtClean="0"/>
-              <a:t>8/9/2014</a:t>
+              <a:t>2/1/2015</a:t>
             </a:fld>
             <a:endParaRPr lang="en-US"/>
           </a:p>
@@ -9261,7 +9261,7 @@
           <a:p>
             <a:fld id="{D2B62928-2648-4210-B25C-2BD7B5FE2C7B}" type="datetimeFigureOut">
               <a:rPr lang="en-US" smtClean="0"/>
-              <a:t>8/9/2014</a:t>
+              <a:t>2/1/2015</a:t>
             </a:fld>
             <a:endParaRPr lang="en-US"/>
           </a:p>
@@ -9813,7 +9813,7 @@
           <a:p>
             <a:fld id="{D2B62928-2648-4210-B25C-2BD7B5FE2C7B}" type="datetimeFigureOut">
               <a:rPr lang="en-US" smtClean="0"/>
-              <a:t>8/9/2014</a:t>
+              <a:t>2/1/2015</a:t>
             </a:fld>
             <a:endParaRPr lang="en-US"/>
           </a:p>
@@ -24740,7 +24740,7 @@
 </file>
 
 <file path=ppt/slides/slide3.xml><?xml version="1.0" encoding="utf-8"?>
-<p:sld xmlns:a="http://schemas.openxmlformats.org/drawingml/2006/main" xmlns:r="http://schemas.openxmlformats.org/officeDocument/2006/relationships" xmlns:p="http://schemas.openxmlformats.org/presentationml/2006/main" show="0">
+<p:sld xmlns:a="http://schemas.openxmlformats.org/drawingml/2006/main" xmlns:r="http://schemas.openxmlformats.org/officeDocument/2006/relationships" xmlns:p="http://schemas.openxmlformats.org/presentationml/2006/main">
   <p:cSld>
     <p:spTree>
       <p:nvGrpSpPr>

--- a/RxInAction.pptx
+++ b/RxInAction.pptx
@@ -5,7 +5,7 @@
     <p:sldMasterId id="2147483672" r:id="rId1"/>
   </p:sldMasterIdLst>
   <p:notesMasterIdLst>
-    <p:notesMasterId r:id="rId22"/>
+    <p:notesMasterId r:id="rId23"/>
   </p:notesMasterIdLst>
   <p:sldIdLst>
     <p:sldId id="286" r:id="rId2"/>
@@ -16,20 +16,21 @@
     <p:sldId id="268" r:id="rId7"/>
     <p:sldId id="275" r:id="rId8"/>
     <p:sldId id="257" r:id="rId9"/>
-    <p:sldId id="279" r:id="rId10"/>
-    <p:sldId id="259" r:id="rId11"/>
-    <p:sldId id="262" r:id="rId12"/>
-    <p:sldId id="260" r:id="rId13"/>
-    <p:sldId id="261" r:id="rId14"/>
-    <p:sldId id="277" r:id="rId15"/>
-    <p:sldId id="276" r:id="rId16"/>
-    <p:sldId id="269" r:id="rId17"/>
-    <p:sldId id="273" r:id="rId18"/>
-    <p:sldId id="278" r:id="rId19"/>
-    <p:sldId id="263" r:id="rId20"/>
-    <p:sldId id="287" r:id="rId21"/>
+    <p:sldId id="277" r:id="rId10"/>
+    <p:sldId id="276" r:id="rId11"/>
+    <p:sldId id="279" r:id="rId12"/>
+    <p:sldId id="259" r:id="rId13"/>
+    <p:sldId id="262" r:id="rId14"/>
+    <p:sldId id="260" r:id="rId15"/>
+    <p:sldId id="261" r:id="rId16"/>
+    <p:sldId id="288" r:id="rId17"/>
+    <p:sldId id="269" r:id="rId18"/>
+    <p:sldId id="273" r:id="rId19"/>
+    <p:sldId id="278" r:id="rId20"/>
+    <p:sldId id="289" r:id="rId21"/>
+    <p:sldId id="287" r:id="rId22"/>
   </p:sldIdLst>
-  <p:sldSz cx="9144000" cy="6858000" type="screen4x3"/>
+  <p:sldSz cx="12192000" cy="6858000"/>
   <p:notesSz cx="6858000" cy="9144000"/>
   <p:defaultTextStyle>
     <a:defPPr>
@@ -129,12 +130,12 @@
   <p:extLst>
     <p:ext uri="{EFAFB233-063F-42B5-8137-9DF3F51BA10A}">
       <p15:sldGuideLst xmlns:p15="http://schemas.microsoft.com/office/powerpoint/2012/main">
-        <p15:guide id="1" orient="horz" pos="2160">
+        <p15:guide id="1" orient="horz" pos="2160" userDrawn="1">
           <p15:clr>
             <a:srgbClr val="A4A3A4"/>
           </p15:clr>
         </p15:guide>
-        <p15:guide id="2" pos="2880">
+        <p15:guide id="2" pos="3840" userDrawn="1">
           <p15:clr>
             <a:srgbClr val="A4A3A4"/>
           </p15:clr>
@@ -227,7 +228,7 @@
           <a:p>
             <a:fld id="{FC81B089-160E-404A-8C73-8674F1782EA4}" type="datetimeFigureOut">
               <a:rPr lang="en-US" smtClean="0"/>
-              <a:t>2/1/2015</a:t>
+              <a:t>9/1/2021</a:t>
             </a:fld>
             <a:endParaRPr lang="en-US"/>
           </a:p>
@@ -245,8 +246,8 @@
         </p:nvSpPr>
         <p:spPr>
           <a:xfrm>
-            <a:off x="1143000" y="685800"/>
-            <a:ext cx="4572000" cy="3429000"/>
+            <a:off x="381000" y="685800"/>
+            <a:ext cx="6096000" cy="3429000"/>
           </a:xfrm>
           <a:prstGeom prst="rect">
             <a:avLst/>
@@ -291,38 +292,37 @@
           <a:p>
             <a:pPr lvl="0"/>
             <a:r>
-              <a:rPr lang="en-US" smtClean="0"/>
+              <a:rPr lang="en-US"/>
               <a:t>Click to edit Master text styles</a:t>
             </a:r>
           </a:p>
           <a:p>
             <a:pPr lvl="1"/>
             <a:r>
-              <a:rPr lang="en-US" smtClean="0"/>
+              <a:rPr lang="en-US"/>
               <a:t>Second level</a:t>
             </a:r>
           </a:p>
           <a:p>
             <a:pPr lvl="2"/>
             <a:r>
-              <a:rPr lang="en-US" smtClean="0"/>
+              <a:rPr lang="en-US"/>
               <a:t>Third level</a:t>
             </a:r>
           </a:p>
           <a:p>
             <a:pPr lvl="3"/>
             <a:r>
-              <a:rPr lang="en-US" smtClean="0"/>
+              <a:rPr lang="en-US"/>
               <a:t>Fourth level</a:t>
             </a:r>
           </a:p>
           <a:p>
             <a:pPr lvl="4"/>
             <a:r>
-              <a:rPr lang="en-US" smtClean="0"/>
+              <a:rPr lang="en-US"/>
               <a:t>Fifth level</a:t>
             </a:r>
-            <a:endParaRPr lang="en-US"/>
           </a:p>
         </p:txBody>
       </p:sp>
@@ -522,10 +522,94 @@
             <p:ph type="sldImg"/>
           </p:nvPr>
         </p:nvSpPr>
+        <p:spPr/>
+      </p:sp>
+      <p:sp>
+        <p:nvSpPr>
+          <p:cNvPr id="3" name="Notes Placeholder 2"/>
+          <p:cNvSpPr>
+            <a:spLocks noGrp="1"/>
+          </p:cNvSpPr>
+          <p:nvPr>
+            <p:ph type="body" idx="1"/>
+          </p:nvPr>
+        </p:nvSpPr>
+        <p:spPr/>
+        <p:txBody>
+          <a:bodyPr/>
+          <a:lstStyle/>
+          <a:p>
+            <a:endParaRPr lang="en-US" dirty="0"/>
+          </a:p>
+        </p:txBody>
+      </p:sp>
+      <p:sp>
+        <p:nvSpPr>
+          <p:cNvPr id="4" name="Slide Number Placeholder 3"/>
+          <p:cNvSpPr>
+            <a:spLocks noGrp="1"/>
+          </p:cNvSpPr>
+          <p:nvPr>
+            <p:ph type="sldNum" sz="quarter" idx="5"/>
+          </p:nvPr>
+        </p:nvSpPr>
+        <p:spPr/>
+        <p:txBody>
+          <a:bodyPr/>
+          <a:lstStyle/>
+          <a:p>
+            <a:fld id="{BC71E54D-52E6-4319-B6B3-5748BCFFFC90}" type="slidenum">
+              <a:rPr lang="en-US" smtClean="0"/>
+              <a:t>3</a:t>
+            </a:fld>
+            <a:endParaRPr lang="en-US"/>
+          </a:p>
+        </p:txBody>
+      </p:sp>
+    </p:spTree>
+    <p:extLst>
+      <p:ext uri="{BB962C8B-B14F-4D97-AF65-F5344CB8AC3E}">
+        <p14:creationId xmlns:p14="http://schemas.microsoft.com/office/powerpoint/2010/main" val="2885989057"/>
+      </p:ext>
+    </p:extLst>
+  </p:cSld>
+  <p:clrMapOvr>
+    <a:masterClrMapping/>
+  </p:clrMapOvr>
+</p:notes>
+</file>
+
+<file path=ppt/notesSlides/notesSlide2.xml><?xml version="1.0" encoding="utf-8"?>
+<p:notes xmlns:a="http://schemas.openxmlformats.org/drawingml/2006/main" xmlns:r="http://schemas.openxmlformats.org/officeDocument/2006/relationships" xmlns:p="http://schemas.openxmlformats.org/presentationml/2006/main">
+  <p:cSld>
+    <p:spTree>
+      <p:nvGrpSpPr>
+        <p:cNvPr id="1" name=""/>
+        <p:cNvGrpSpPr/>
+        <p:nvPr/>
+      </p:nvGrpSpPr>
+      <p:grpSpPr>
+        <a:xfrm>
+          <a:off x="0" y="0"/>
+          <a:ext cx="0" cy="0"/>
+          <a:chOff x="0" y="0"/>
+          <a:chExt cx="0" cy="0"/>
+        </a:xfrm>
+      </p:grpSpPr>
+      <p:sp>
+        <p:nvSpPr>
+          <p:cNvPr id="2" name="Slide Image Placeholder 1"/>
+          <p:cNvSpPr>
+            <a:spLocks noGrp="1" noRot="1" noChangeAspect="1"/>
+          </p:cNvSpPr>
+          <p:nvPr>
+            <p:ph type="sldImg"/>
+          </p:nvPr>
+        </p:nvSpPr>
         <p:spPr>
           <a:xfrm>
-            <a:off x="1143000" y="685800"/>
-            <a:ext cx="4572000" cy="3429000"/>
+            <a:off x="381000" y="685800"/>
+            <a:ext cx="6096000" cy="3429000"/>
           </a:xfrm>
         </p:spPr>
       </p:sp>
@@ -567,7 +651,7 @@
           <a:p>
             <a:fld id="{CF705FED-B5F1-4160-8902-27DBE1B04A6A}" type="datetime1">
               <a:rPr lang="en-US" smtClean="0"/>
-              <a:t>2/1/2015</a:t>
+              <a:t>9/1/2021</a:t>
             </a:fld>
             <a:endParaRPr lang="en-US" dirty="0"/>
           </a:p>
@@ -589,7 +673,7 @@
           <a:lstStyle/>
           <a:p>
             <a:r>
-              <a:rPr lang="en-US" smtClean="0">
+              <a:rPr lang="en-US">
                 <a:solidFill>
                   <a:srgbClr val="000000"/>
                 </a:solidFill>
@@ -600,7 +684,7 @@
           </a:p>
           <a:p>
             <a:r>
-              <a:rPr lang="en-US" smtClean="0">
+              <a:rPr lang="en-US">
                 <a:solidFill>
                   <a:srgbClr val="000000"/>
                 </a:solidFill>
@@ -609,7 +693,7 @@
               <a:t>The information herein is for informational purposes only and represents the current view of Microsoft Corporation as of the date of this presentation. Because Microsoft must respond to changing market conditions, it should not be interpreted to be a commitment on the part of Microsoft, and Microsoft cannot guarantee the accuracy of any information provided after the date of this presentation.</a:t>
             </a:r>
             <a:br>
-              <a:rPr lang="en-US" smtClean="0">
+              <a:rPr lang="en-US">
                 <a:solidFill>
                   <a:srgbClr val="000000"/>
                 </a:solidFill>
@@ -617,7 +701,7 @@
               </a:rPr>
             </a:br>
             <a:r>
-              <a:rPr lang="en-US" smtClean="0">
+              <a:rPr lang="en-US">
                 <a:solidFill>
                   <a:srgbClr val="000000"/>
                 </a:solidFill>
@@ -625,7 +709,7 @@
               </a:rPr>
               <a:t>MICROSOFT MAKES NO WARRANTIES, EXPRESS, IMPLIED OR STATUTORY, AS TO THE INFORMATION IN THIS PRESENTATION.</a:t>
             </a:r>
-            <a:endParaRPr lang="en-US" dirty="0" smtClean="0">
+            <a:endParaRPr lang="en-US" dirty="0">
               <a:solidFill>
                 <a:srgbClr val="000000"/>
               </a:solidFill>
@@ -652,7 +736,7 @@
             <a:fld id="{8B263312-38AA-4E1E-B2B5-0F8F122B24FE}" type="slidenum">
               <a:rPr lang="en-US" smtClean="0"/>
               <a:pPr/>
-              <a:t>15</a:t>
+              <a:t>10</a:t>
             </a:fld>
             <a:endParaRPr lang="en-US" dirty="0"/>
           </a:p>
@@ -674,7 +758,7 @@
           <a:lstStyle/>
           <a:p>
             <a:r>
-              <a:rPr lang="en-US" smtClean="0"/>
+              <a:rPr lang="en-US"/>
               <a:t>MIX 11</a:t>
             </a:r>
             <a:endParaRPr lang="en-US" dirty="0"/>
@@ -684,7 +768,206 @@
     </p:spTree>
     <p:extLst>
       <p:ext uri="{BB962C8B-B14F-4D97-AF65-F5344CB8AC3E}">
-        <p14:creationId xmlns:p14="http://schemas.microsoft.com/office/powerpoint/2010/main" val="1045134806"/>
+        <p14:creationId xmlns:p14="http://schemas.microsoft.com/office/powerpoint/2010/main" val="3619907359"/>
+      </p:ext>
+    </p:extLst>
+  </p:cSld>
+  <p:clrMapOvr>
+    <a:masterClrMapping/>
+  </p:clrMapOvr>
+</p:notes>
+</file>
+
+<file path=ppt/notesSlides/notesSlide3.xml><?xml version="1.0" encoding="utf-8"?>
+<p:notes xmlns:a="http://schemas.openxmlformats.org/drawingml/2006/main" xmlns:r="http://schemas.openxmlformats.org/officeDocument/2006/relationships" xmlns:p="http://schemas.openxmlformats.org/presentationml/2006/main">
+  <p:cSld>
+    <p:spTree>
+      <p:nvGrpSpPr>
+        <p:cNvPr id="1" name=""/>
+        <p:cNvGrpSpPr/>
+        <p:nvPr/>
+      </p:nvGrpSpPr>
+      <p:grpSpPr>
+        <a:xfrm>
+          <a:off x="0" y="0"/>
+          <a:ext cx="0" cy="0"/>
+          <a:chOff x="0" y="0"/>
+          <a:chExt cx="0" cy="0"/>
+        </a:xfrm>
+      </p:grpSpPr>
+      <p:sp>
+        <p:nvSpPr>
+          <p:cNvPr id="2" name="Slide Image Placeholder 1"/>
+          <p:cNvSpPr>
+            <a:spLocks noGrp="1" noRot="1" noChangeAspect="1"/>
+          </p:cNvSpPr>
+          <p:nvPr>
+            <p:ph type="sldImg"/>
+          </p:nvPr>
+        </p:nvSpPr>
+        <p:spPr>
+          <a:xfrm>
+            <a:off x="381000" y="685800"/>
+            <a:ext cx="6096000" cy="3429000"/>
+          </a:xfrm>
+        </p:spPr>
+      </p:sp>
+      <p:sp>
+        <p:nvSpPr>
+          <p:cNvPr id="3" name="Notes Placeholder 2"/>
+          <p:cNvSpPr>
+            <a:spLocks noGrp="1"/>
+          </p:cNvSpPr>
+          <p:nvPr>
+            <p:ph type="body" idx="1"/>
+          </p:nvPr>
+        </p:nvSpPr>
+        <p:spPr/>
+        <p:txBody>
+          <a:bodyPr>
+            <a:normAutofit/>
+          </a:bodyPr>
+          <a:lstStyle/>
+          <a:p>
+            <a:endParaRPr lang="en-US" dirty="0"/>
+          </a:p>
+        </p:txBody>
+      </p:sp>
+      <p:sp>
+        <p:nvSpPr>
+          <p:cNvPr id="8" name="Date Placeholder 7"/>
+          <p:cNvSpPr>
+            <a:spLocks noGrp="1"/>
+          </p:cNvSpPr>
+          <p:nvPr>
+            <p:ph type="dt" idx="10"/>
+          </p:nvPr>
+        </p:nvSpPr>
+        <p:spPr/>
+        <p:txBody>
+          <a:bodyPr/>
+          <a:lstStyle/>
+          <a:p>
+            <a:fld id="{CF705FED-B5F1-4160-8902-27DBE1B04A6A}" type="datetime1">
+              <a:rPr lang="en-US" smtClean="0"/>
+              <a:t>9/1/2021</a:t>
+            </a:fld>
+            <a:endParaRPr lang="en-US" dirty="0"/>
+          </a:p>
+        </p:txBody>
+      </p:sp>
+      <p:sp>
+        <p:nvSpPr>
+          <p:cNvPr id="9" name="Footer Placeholder 8"/>
+          <p:cNvSpPr>
+            <a:spLocks noGrp="1"/>
+          </p:cNvSpPr>
+          <p:nvPr>
+            <p:ph type="ftr" sz="quarter" idx="11"/>
+          </p:nvPr>
+        </p:nvSpPr>
+        <p:spPr/>
+        <p:txBody>
+          <a:bodyPr/>
+          <a:lstStyle/>
+          <a:p>
+            <a:r>
+              <a:rPr lang="en-US">
+                <a:solidFill>
+                  <a:srgbClr val="000000"/>
+                </a:solidFill>
+                <a:latin typeface="Segoe UI" pitchFamily="34" charset="0"/>
+              </a:rPr>
+              <a:t>© 2011 Microsoft Corporation. All rights reserved. Microsoft, Windows, Windows Vista and other product names are or may be registered trademarks and/or trademarks in the U.S. and/or other countries.</a:t>
+            </a:r>
+          </a:p>
+          <a:p>
+            <a:r>
+              <a:rPr lang="en-US">
+                <a:solidFill>
+                  <a:srgbClr val="000000"/>
+                </a:solidFill>
+                <a:latin typeface="Segoe UI" pitchFamily="34" charset="0"/>
+              </a:rPr>
+              <a:t>The information herein is for informational purposes only and represents the current view of Microsoft Corporation as of the date of this presentation. Because Microsoft must respond to changing market conditions, it should not be interpreted to be a commitment on the part of Microsoft, and Microsoft cannot guarantee the accuracy of any information provided after the date of this presentation.</a:t>
+            </a:r>
+            <a:br>
+              <a:rPr lang="en-US">
+                <a:solidFill>
+                  <a:srgbClr val="000000"/>
+                </a:solidFill>
+                <a:latin typeface="Segoe UI" pitchFamily="34" charset="0"/>
+              </a:rPr>
+            </a:br>
+            <a:r>
+              <a:rPr lang="en-US">
+                <a:solidFill>
+                  <a:srgbClr val="000000"/>
+                </a:solidFill>
+                <a:latin typeface="Segoe UI" pitchFamily="34" charset="0"/>
+              </a:rPr>
+              <a:t>MICROSOFT MAKES NO WARRANTIES, EXPRESS, IMPLIED OR STATUTORY, AS TO THE INFORMATION IN THIS PRESENTATION.</a:t>
+            </a:r>
+            <a:endParaRPr lang="en-US" dirty="0">
+              <a:solidFill>
+                <a:srgbClr val="000000"/>
+              </a:solidFill>
+              <a:latin typeface="Segoe UI" pitchFamily="34" charset="0"/>
+            </a:endParaRPr>
+          </a:p>
+        </p:txBody>
+      </p:sp>
+      <p:sp>
+        <p:nvSpPr>
+          <p:cNvPr id="10" name="Slide Number Placeholder 9"/>
+          <p:cNvSpPr>
+            <a:spLocks noGrp="1"/>
+          </p:cNvSpPr>
+          <p:nvPr>
+            <p:ph type="sldNum" sz="quarter" idx="12"/>
+          </p:nvPr>
+        </p:nvSpPr>
+        <p:spPr/>
+        <p:txBody>
+          <a:bodyPr/>
+          <a:lstStyle/>
+          <a:p>
+            <a:fld id="{8B263312-38AA-4E1E-B2B5-0F8F122B24FE}" type="slidenum">
+              <a:rPr lang="en-US" smtClean="0"/>
+              <a:pPr/>
+              <a:t>16</a:t>
+            </a:fld>
+            <a:endParaRPr lang="en-US" dirty="0"/>
+          </a:p>
+        </p:txBody>
+      </p:sp>
+      <p:sp>
+        <p:nvSpPr>
+          <p:cNvPr id="11" name="Header Placeholder 10"/>
+          <p:cNvSpPr>
+            <a:spLocks noGrp="1"/>
+          </p:cNvSpPr>
+          <p:nvPr>
+            <p:ph type="hdr" sz="quarter" idx="13"/>
+          </p:nvPr>
+        </p:nvSpPr>
+        <p:spPr/>
+        <p:txBody>
+          <a:bodyPr/>
+          <a:lstStyle/>
+          <a:p>
+            <a:r>
+              <a:rPr lang="en-US"/>
+              <a:t>MIX 11</a:t>
+            </a:r>
+            <a:endParaRPr lang="en-US" dirty="0"/>
+          </a:p>
+        </p:txBody>
+      </p:sp>
+    </p:spTree>
+    <p:extLst>
+      <p:ext uri="{BB962C8B-B14F-4D97-AF65-F5344CB8AC3E}">
+        <p14:creationId xmlns:p14="http://schemas.microsoft.com/office/powerpoint/2010/main" val="2070822092"/>
       </p:ext>
     </p:extLst>
   </p:cSld>
@@ -720,7 +1003,7 @@
         <p:grpSpPr>
           <a:xfrm>
             <a:off x="0" y="-30477"/>
-            <a:ext cx="9067800" cy="6889273"/>
+            <a:ext cx="12090400" cy="6889273"/>
             <a:chOff x="0" y="-30477"/>
             <a:chExt cx="9067800" cy="6889273"/>
           </a:xfrm>
@@ -3495,7 +3778,7 @@
           <a:p>
             <a:fld id="{D2B62928-2648-4210-B25C-2BD7B5FE2C7B}" type="datetimeFigureOut">
               <a:rPr lang="en-US" smtClean="0"/>
-              <a:t>2/1/2015</a:t>
+              <a:t>9/1/2021</a:t>
             </a:fld>
             <a:endParaRPr lang="en-US"/>
           </a:p>
@@ -3552,7 +3835,7 @@
         <p:spPr>
           <a:xfrm>
             <a:off x="0" y="1905000"/>
-            <a:ext cx="4953000" cy="3124200"/>
+            <a:ext cx="6604000" cy="3124200"/>
           </a:xfrm>
           <a:prstGeom prst="rect">
             <a:avLst/>
@@ -3592,7 +3875,7 @@
           <a:lstStyle/>
           <a:p>
             <a:pPr algn="ctr" rtl="0"/>
-            <a:endParaRPr lang="en-US" kern="1200">
+            <a:endParaRPr lang="en-US" sz="1800" kern="1200">
               <a:solidFill>
                 <a:prstClr val="white"/>
               </a:solidFill>
@@ -3612,7 +3895,7 @@
         <p:grpSpPr>
           <a:xfrm>
             <a:off x="0" y="2057400"/>
-            <a:ext cx="4801394" cy="2820988"/>
+            <a:ext cx="6401859" cy="2820988"/>
             <a:chOff x="0" y="2057400"/>
             <a:chExt cx="4801394" cy="2820988"/>
           </a:xfrm>
@@ -3735,8 +4018,8 @@
         </p:nvSpPr>
         <p:spPr>
           <a:xfrm>
-            <a:off x="228600" y="2130425"/>
-            <a:ext cx="4419600" cy="1600327"/>
+            <a:off x="304800" y="2130426"/>
+            <a:ext cx="5892800" cy="1600327"/>
           </a:xfrm>
         </p:spPr>
         <p:txBody>
@@ -3765,7 +4048,7 @@
           </a:lstStyle>
           <a:p>
             <a:r>
-              <a:rPr lang="en-US" smtClean="0"/>
+              <a:rPr lang="en-US"/>
               <a:t>Click to edit Master title style</a:t>
             </a:r>
             <a:endParaRPr lang="en-US" dirty="0"/>
@@ -3784,8 +4067,8 @@
         </p:nvSpPr>
         <p:spPr>
           <a:xfrm>
-            <a:off x="228600" y="3733800"/>
-            <a:ext cx="4419600" cy="1066800"/>
+            <a:off x="304800" y="3733800"/>
+            <a:ext cx="5892800" cy="1066800"/>
           </a:xfrm>
         </p:spPr>
         <p:txBody>
@@ -3884,7 +4167,7 @@
           </a:lstStyle>
           <a:p>
             <a:r>
-              <a:rPr lang="en-US" smtClean="0"/>
+              <a:rPr lang="en-US"/>
               <a:t>Click to edit Master subtitle style</a:t>
             </a:r>
             <a:endParaRPr lang="en-US" dirty="0"/>
@@ -3932,10 +4215,9 @@
           <a:lstStyle/>
           <a:p>
             <a:r>
-              <a:rPr lang="en-US" smtClean="0"/>
+              <a:rPr lang="en-US"/>
               <a:t>Click to edit Master title style</a:t>
             </a:r>
-            <a:endParaRPr lang="en-US"/>
           </a:p>
         </p:txBody>
       </p:sp>
@@ -3956,38 +4238,37 @@
           <a:p>
             <a:pPr lvl="0"/>
             <a:r>
-              <a:rPr lang="en-US" smtClean="0"/>
+              <a:rPr lang="en-US"/>
               <a:t>Click to edit Master text styles</a:t>
             </a:r>
           </a:p>
           <a:p>
             <a:pPr lvl="1"/>
             <a:r>
-              <a:rPr lang="en-US" smtClean="0"/>
+              <a:rPr lang="en-US"/>
               <a:t>Second level</a:t>
             </a:r>
           </a:p>
           <a:p>
             <a:pPr lvl="2"/>
             <a:r>
-              <a:rPr lang="en-US" smtClean="0"/>
+              <a:rPr lang="en-US"/>
               <a:t>Third level</a:t>
             </a:r>
           </a:p>
           <a:p>
             <a:pPr lvl="3"/>
             <a:r>
-              <a:rPr lang="en-US" smtClean="0"/>
+              <a:rPr lang="en-US"/>
               <a:t>Fourth level</a:t>
             </a:r>
           </a:p>
           <a:p>
             <a:pPr lvl="4"/>
             <a:r>
-              <a:rPr lang="en-US" smtClean="0"/>
+              <a:rPr lang="en-US"/>
               <a:t>Fifth level</a:t>
             </a:r>
-            <a:endParaRPr lang="en-US"/>
           </a:p>
         </p:txBody>
       </p:sp>
@@ -4008,7 +4289,7 @@
           <a:p>
             <a:fld id="{D2B62928-2648-4210-B25C-2BD7B5FE2C7B}" type="datetimeFigureOut">
               <a:rPr lang="en-US" smtClean="0"/>
-              <a:t>2/1/2015</a:t>
+              <a:t>9/1/2021</a:t>
             </a:fld>
             <a:endParaRPr lang="en-US"/>
           </a:p>
@@ -4093,8 +4374,8 @@
         </p:nvSpPr>
         <p:spPr>
           <a:xfrm>
-            <a:off x="6629400" y="274638"/>
-            <a:ext cx="2057400" cy="5851525"/>
+            <a:off x="8839200" y="274639"/>
+            <a:ext cx="2743200" cy="5851525"/>
           </a:xfrm>
         </p:spPr>
         <p:txBody>
@@ -4102,10 +4383,9 @@
           <a:lstStyle/>
           <a:p>
             <a:r>
-              <a:rPr lang="en-US" smtClean="0"/>
+              <a:rPr lang="en-US"/>
               <a:t>Click to edit Master title style</a:t>
             </a:r>
-            <a:endParaRPr lang="en-US"/>
           </a:p>
         </p:txBody>
       </p:sp>
@@ -4121,8 +4401,8 @@
         </p:nvSpPr>
         <p:spPr>
           <a:xfrm>
-            <a:off x="457200" y="274638"/>
-            <a:ext cx="6019800" cy="5851525"/>
+            <a:off x="609600" y="274639"/>
+            <a:ext cx="8026400" cy="5851525"/>
           </a:xfrm>
         </p:spPr>
         <p:txBody>
@@ -4131,38 +4411,37 @@
           <a:p>
             <a:pPr lvl="0"/>
             <a:r>
-              <a:rPr lang="en-US" smtClean="0"/>
+              <a:rPr lang="en-US"/>
               <a:t>Click to edit Master text styles</a:t>
             </a:r>
           </a:p>
           <a:p>
             <a:pPr lvl="1"/>
             <a:r>
-              <a:rPr lang="en-US" smtClean="0"/>
+              <a:rPr lang="en-US"/>
               <a:t>Second level</a:t>
             </a:r>
           </a:p>
           <a:p>
             <a:pPr lvl="2"/>
             <a:r>
-              <a:rPr lang="en-US" smtClean="0"/>
+              <a:rPr lang="en-US"/>
               <a:t>Third level</a:t>
             </a:r>
           </a:p>
           <a:p>
             <a:pPr lvl="3"/>
             <a:r>
-              <a:rPr lang="en-US" smtClean="0"/>
+              <a:rPr lang="en-US"/>
               <a:t>Fourth level</a:t>
             </a:r>
           </a:p>
           <a:p>
             <a:pPr lvl="4"/>
             <a:r>
-              <a:rPr lang="en-US" smtClean="0"/>
+              <a:rPr lang="en-US"/>
               <a:t>Fifth level</a:t>
             </a:r>
-            <a:endParaRPr lang="en-US"/>
           </a:p>
         </p:txBody>
       </p:sp>
@@ -4183,7 +4462,7 @@
           <a:p>
             <a:fld id="{D2B62928-2648-4210-B25C-2BD7B5FE2C7B}" type="datetimeFigureOut">
               <a:rPr lang="en-US" smtClean="0"/>
-              <a:t>2/1/2015</a:t>
+              <a:t>9/1/2021</a:t>
             </a:fld>
             <a:endParaRPr lang="en-US"/>
           </a:p>
@@ -4268,8 +4547,8 @@
         </p:nvSpPr>
         <p:spPr>
           <a:xfrm>
-            <a:off x="389436" y="228601"/>
-            <a:ext cx="8363938" cy="666387"/>
+            <a:off x="519248" y="228602"/>
+            <a:ext cx="11151917" cy="666387"/>
           </a:xfrm>
         </p:spPr>
         <p:txBody>
@@ -4277,7 +4556,7 @@
           <a:lstStyle/>
           <a:p>
             <a:r>
-              <a:rPr lang="en-US" smtClean="0"/>
+              <a:rPr lang="en-US"/>
               <a:t>Click to edit Master title style</a:t>
             </a:r>
             <a:endParaRPr lang="en-US" dirty="0"/>
@@ -4296,8 +4575,8 @@
         </p:nvSpPr>
         <p:spPr>
           <a:xfrm>
-            <a:off x="389436" y="1447800"/>
-            <a:ext cx="8363938" cy="1973561"/>
+            <a:off x="519248" y="1447801"/>
+            <a:ext cx="11151917" cy="1973561"/>
           </a:xfrm>
         </p:spPr>
         <p:txBody>
@@ -4306,35 +4585,35 @@
           <a:p>
             <a:pPr lvl="0"/>
             <a:r>
-              <a:rPr lang="en-US" smtClean="0"/>
+              <a:rPr lang="en-US"/>
               <a:t>Click to edit Master text styles</a:t>
             </a:r>
           </a:p>
           <a:p>
             <a:pPr lvl="1"/>
             <a:r>
-              <a:rPr lang="en-US" smtClean="0"/>
+              <a:rPr lang="en-US"/>
               <a:t>Second level</a:t>
             </a:r>
           </a:p>
           <a:p>
             <a:pPr lvl="2"/>
             <a:r>
-              <a:rPr lang="en-US" smtClean="0"/>
+              <a:rPr lang="en-US"/>
               <a:t>Third level</a:t>
             </a:r>
           </a:p>
           <a:p>
             <a:pPr lvl="3"/>
             <a:r>
-              <a:rPr lang="en-US" smtClean="0"/>
+              <a:rPr lang="en-US"/>
               <a:t>Fourth level</a:t>
             </a:r>
           </a:p>
           <a:p>
             <a:pPr lvl="4"/>
             <a:r>
-              <a:rPr lang="en-US" smtClean="0"/>
+              <a:rPr lang="en-US"/>
               <a:t>Fifth level</a:t>
             </a:r>
             <a:endParaRPr lang="en-US" dirty="0"/>
@@ -4354,13 +4633,6 @@
   <p:transition>
     <p:fade/>
   </p:transition>
-  <p:timing>
-    <p:tnLst>
-      <p:par>
-        <p:cTn id="1" dur="indefinite" restart="never" nodeType="tmRoot"/>
-      </p:par>
-    </p:tnLst>
-  </p:timing>
 </p:sldLayout>
 </file>
 
@@ -4397,10 +4669,9 @@
           <a:lstStyle/>
           <a:p>
             <a:r>
-              <a:rPr lang="en-US" smtClean="0"/>
+              <a:rPr lang="en-US"/>
               <a:t>Click to edit Master title style</a:t>
             </a:r>
-            <a:endParaRPr lang="en-US"/>
           </a:p>
         </p:txBody>
       </p:sp>
@@ -4416,8 +4687,8 @@
         </p:nvSpPr>
         <p:spPr>
           <a:xfrm>
-            <a:off x="1485900" y="1600201"/>
-            <a:ext cx="6172200" cy="249299"/>
+            <a:off x="1981200" y="1600202"/>
+            <a:ext cx="8229600" cy="249299"/>
           </a:xfrm>
           <a:solidFill>
             <a:schemeClr val="accent2"/>
@@ -4441,7 +4712,7 @@
           <a:p>
             <a:pPr lvl="0"/>
             <a:r>
-              <a:rPr lang="en-US" smtClean="0"/>
+              <a:rPr lang="en-US"/>
               <a:t>Click to edit Master text styles</a:t>
             </a:r>
           </a:p>
@@ -4497,7 +4768,7 @@
           <a:lstStyle/>
           <a:p>
             <a:r>
-              <a:rPr lang="en-US" smtClean="0"/>
+              <a:rPr lang="en-US"/>
               <a:t>Click to edit Master title style</a:t>
             </a:r>
             <a:endParaRPr lang="en-US" dirty="0"/>
@@ -4521,38 +4792,37 @@
           <a:p>
             <a:pPr lvl="0"/>
             <a:r>
-              <a:rPr lang="en-US" smtClean="0"/>
+              <a:rPr lang="en-US"/>
               <a:t>Click to edit Master text styles</a:t>
             </a:r>
           </a:p>
           <a:p>
             <a:pPr lvl="1"/>
             <a:r>
-              <a:rPr lang="en-US" smtClean="0"/>
+              <a:rPr lang="en-US"/>
               <a:t>Second level</a:t>
             </a:r>
           </a:p>
           <a:p>
             <a:pPr lvl="2"/>
             <a:r>
-              <a:rPr lang="en-US" smtClean="0"/>
+              <a:rPr lang="en-US"/>
               <a:t>Third level</a:t>
             </a:r>
           </a:p>
           <a:p>
             <a:pPr lvl="3"/>
             <a:r>
-              <a:rPr lang="en-US" smtClean="0"/>
+              <a:rPr lang="en-US"/>
               <a:t>Fourth level</a:t>
             </a:r>
           </a:p>
           <a:p>
             <a:pPr lvl="4"/>
             <a:r>
-              <a:rPr lang="en-US" smtClean="0"/>
+              <a:rPr lang="en-US"/>
               <a:t>Fifth level</a:t>
             </a:r>
-            <a:endParaRPr lang="en-US"/>
           </a:p>
         </p:txBody>
       </p:sp>
@@ -4573,7 +4843,7 @@
           <a:p>
             <a:fld id="{D2B62928-2648-4210-B25C-2BD7B5FE2C7B}" type="datetimeFigureOut">
               <a:rPr lang="en-US" smtClean="0"/>
-              <a:t>2/1/2015</a:t>
+              <a:t>9/1/2021</a:t>
             </a:fld>
             <a:endParaRPr lang="en-US"/>
           </a:p>
@@ -4659,8 +4929,8 @@
         </p:nvGrpSpPr>
         <p:grpSpPr>
           <a:xfrm>
-            <a:off x="1" y="-30478"/>
-            <a:ext cx="9067799" cy="4846320"/>
+            <a:off x="2" y="-30478"/>
+            <a:ext cx="12090399" cy="4846320"/>
             <a:chOff x="1" y="-30477"/>
             <a:chExt cx="9067799" cy="4526277"/>
           </a:xfrm>
@@ -7414,7 +7684,7 @@
         <p:spPr>
           <a:xfrm>
             <a:off x="0" y="4311168"/>
-            <a:ext cx="9144000" cy="1905000"/>
+            <a:ext cx="12192000" cy="1905000"/>
           </a:xfrm>
           <a:prstGeom prst="rect">
             <a:avLst/>
@@ -7454,7 +7724,7 @@
           <a:lstStyle/>
           <a:p>
             <a:pPr algn="ctr" rtl="0"/>
-            <a:endParaRPr lang="en-US" kern="1200">
+            <a:endParaRPr lang="en-US" sz="1800" kern="1200">
               <a:solidFill>
                 <a:prstClr val="white"/>
               </a:solidFill>
@@ -7474,7 +7744,7 @@
         <p:spPr>
           <a:xfrm>
             <a:off x="0" y="4387368"/>
-            <a:ext cx="9144000" cy="1588"/>
+            <a:ext cx="12192000" cy="1588"/>
           </a:xfrm>
           <a:prstGeom prst="line">
             <a:avLst/>
@@ -7509,7 +7779,7 @@
         <p:spPr>
           <a:xfrm>
             <a:off x="0" y="6138380"/>
-            <a:ext cx="9144000" cy="1588"/>
+            <a:ext cx="12192000" cy="1588"/>
           </a:xfrm>
           <a:prstGeom prst="line">
             <a:avLst/>
@@ -7547,8 +7817,8 @@
         </p:nvSpPr>
         <p:spPr>
           <a:xfrm>
-            <a:off x="457200" y="5621364"/>
-            <a:ext cx="8305800" cy="414649"/>
+            <a:off x="609600" y="5621365"/>
+            <a:ext cx="11074400" cy="414649"/>
           </a:xfrm>
         </p:spPr>
         <p:txBody>
@@ -7646,7 +7916,7 @@
           <a:p>
             <a:pPr lvl="0"/>
             <a:r>
-              <a:rPr lang="en-US" smtClean="0"/>
+              <a:rPr lang="en-US"/>
               <a:t>Click to edit Master text styles</a:t>
             </a:r>
           </a:p>
@@ -7664,8 +7934,8 @@
         </p:nvSpPr>
         <p:spPr>
           <a:xfrm>
-            <a:off x="457200" y="4463568"/>
-            <a:ext cx="8305800" cy="1143000"/>
+            <a:off x="609600" y="4463568"/>
+            <a:ext cx="11074400" cy="1143000"/>
           </a:xfrm>
         </p:spPr>
         <p:txBody>
@@ -7673,10 +7943,9 @@
           <a:lstStyle/>
           <a:p>
             <a:r>
-              <a:rPr lang="en-US" smtClean="0"/>
+              <a:rPr lang="en-US"/>
               <a:t>Click to edit Master title style</a:t>
             </a:r>
-            <a:endParaRPr lang="en-US"/>
           </a:p>
         </p:txBody>
       </p:sp>
@@ -7697,7 +7966,7 @@
           <a:p>
             <a:fld id="{D2B62928-2648-4210-B25C-2BD7B5FE2C7B}" type="datetimeFigureOut">
               <a:rPr lang="en-US" smtClean="0"/>
-              <a:t>2/1/2015</a:t>
+              <a:t>9/1/2021</a:t>
             </a:fld>
             <a:endParaRPr lang="en-US"/>
           </a:p>
@@ -7786,10 +8055,9 @@
           <a:lstStyle/>
           <a:p>
             <a:r>
-              <a:rPr lang="en-US" smtClean="0"/>
+              <a:rPr lang="en-US"/>
               <a:t>Click to edit Master title style</a:t>
             </a:r>
-            <a:endParaRPr lang="en-US"/>
           </a:p>
         </p:txBody>
       </p:sp>
@@ -7805,8 +8073,8 @@
         </p:nvSpPr>
         <p:spPr>
           <a:xfrm>
-            <a:off x="457200" y="1600200"/>
-            <a:ext cx="4038600" cy="4525963"/>
+            <a:off x="609600" y="1600201"/>
+            <a:ext cx="5384800" cy="4525963"/>
           </a:xfrm>
         </p:spPr>
         <p:txBody>
@@ -7843,38 +8111,37 @@
           <a:p>
             <a:pPr lvl="0"/>
             <a:r>
-              <a:rPr lang="en-US" smtClean="0"/>
+              <a:rPr lang="en-US"/>
               <a:t>Click to edit Master text styles</a:t>
             </a:r>
           </a:p>
           <a:p>
             <a:pPr lvl="1"/>
             <a:r>
-              <a:rPr lang="en-US" smtClean="0"/>
+              <a:rPr lang="en-US"/>
               <a:t>Second level</a:t>
             </a:r>
           </a:p>
           <a:p>
             <a:pPr lvl="2"/>
             <a:r>
-              <a:rPr lang="en-US" smtClean="0"/>
+              <a:rPr lang="en-US"/>
               <a:t>Third level</a:t>
             </a:r>
           </a:p>
           <a:p>
             <a:pPr lvl="3"/>
             <a:r>
-              <a:rPr lang="en-US" smtClean="0"/>
+              <a:rPr lang="en-US"/>
               <a:t>Fourth level</a:t>
             </a:r>
           </a:p>
           <a:p>
             <a:pPr lvl="4"/>
             <a:r>
-              <a:rPr lang="en-US" smtClean="0"/>
+              <a:rPr lang="en-US"/>
               <a:t>Fifth level</a:t>
             </a:r>
-            <a:endParaRPr lang="en-US"/>
           </a:p>
         </p:txBody>
       </p:sp>
@@ -7890,8 +8157,8 @@
         </p:nvSpPr>
         <p:spPr>
           <a:xfrm>
-            <a:off x="4648200" y="1600200"/>
-            <a:ext cx="4038600" cy="4525963"/>
+            <a:off x="6197600" y="1600201"/>
+            <a:ext cx="5384800" cy="4525963"/>
           </a:xfrm>
         </p:spPr>
         <p:txBody>
@@ -7928,38 +8195,37 @@
           <a:p>
             <a:pPr lvl="0"/>
             <a:r>
-              <a:rPr lang="en-US" smtClean="0"/>
+              <a:rPr lang="en-US"/>
               <a:t>Click to edit Master text styles</a:t>
             </a:r>
           </a:p>
           <a:p>
             <a:pPr lvl="1"/>
             <a:r>
-              <a:rPr lang="en-US" smtClean="0"/>
+              <a:rPr lang="en-US"/>
               <a:t>Second level</a:t>
             </a:r>
           </a:p>
           <a:p>
             <a:pPr lvl="2"/>
             <a:r>
-              <a:rPr lang="en-US" smtClean="0"/>
+              <a:rPr lang="en-US"/>
               <a:t>Third level</a:t>
             </a:r>
           </a:p>
           <a:p>
             <a:pPr lvl="3"/>
             <a:r>
-              <a:rPr lang="en-US" smtClean="0"/>
+              <a:rPr lang="en-US"/>
               <a:t>Fourth level</a:t>
             </a:r>
           </a:p>
           <a:p>
             <a:pPr lvl="4"/>
             <a:r>
-              <a:rPr lang="en-US" smtClean="0"/>
+              <a:rPr lang="en-US"/>
               <a:t>Fifth level</a:t>
             </a:r>
-            <a:endParaRPr lang="en-US"/>
           </a:p>
         </p:txBody>
       </p:sp>
@@ -7980,7 +8246,7 @@
           <a:p>
             <a:fld id="{D2B62928-2648-4210-B25C-2BD7B5FE2C7B}" type="datetimeFigureOut">
               <a:rPr lang="en-US" smtClean="0"/>
-              <a:t>2/1/2015</a:t>
+              <a:t>9/1/2021</a:t>
             </a:fld>
             <a:endParaRPr lang="en-US"/>
           </a:p>
@@ -8073,10 +8339,9 @@
           </a:lstStyle>
           <a:p>
             <a:r>
-              <a:rPr lang="en-US" smtClean="0"/>
+              <a:rPr lang="en-US"/>
               <a:t>Click to edit Master title style</a:t>
             </a:r>
-            <a:endParaRPr lang="en-US"/>
           </a:p>
         </p:txBody>
       </p:sp>
@@ -8092,8 +8357,8 @@
         </p:nvSpPr>
         <p:spPr>
           <a:xfrm>
-            <a:off x="457200" y="1535113"/>
-            <a:ext cx="4040188" cy="639762"/>
+            <a:off x="609600" y="1535113"/>
+            <a:ext cx="5386917" cy="639762"/>
           </a:xfrm>
         </p:spPr>
         <p:txBody>
@@ -8139,7 +8404,7 @@
           <a:p>
             <a:pPr lvl="0"/>
             <a:r>
-              <a:rPr lang="en-US" smtClean="0"/>
+              <a:rPr lang="en-US"/>
               <a:t>Click to edit Master text styles</a:t>
             </a:r>
           </a:p>
@@ -8157,8 +8422,8 @@
         </p:nvSpPr>
         <p:spPr>
           <a:xfrm>
-            <a:off x="457200" y="2174875"/>
-            <a:ext cx="4040188" cy="3951288"/>
+            <a:off x="609600" y="2174875"/>
+            <a:ext cx="5386917" cy="3951288"/>
           </a:xfrm>
         </p:spPr>
         <p:txBody>
@@ -8195,38 +8460,37 @@
           <a:p>
             <a:pPr lvl="0"/>
             <a:r>
-              <a:rPr lang="en-US" smtClean="0"/>
+              <a:rPr lang="en-US"/>
               <a:t>Click to edit Master text styles</a:t>
             </a:r>
           </a:p>
           <a:p>
             <a:pPr lvl="1"/>
             <a:r>
-              <a:rPr lang="en-US" smtClean="0"/>
+              <a:rPr lang="en-US"/>
               <a:t>Second level</a:t>
             </a:r>
           </a:p>
           <a:p>
             <a:pPr lvl="2"/>
             <a:r>
-              <a:rPr lang="en-US" smtClean="0"/>
+              <a:rPr lang="en-US"/>
               <a:t>Third level</a:t>
             </a:r>
           </a:p>
           <a:p>
             <a:pPr lvl="3"/>
             <a:r>
-              <a:rPr lang="en-US" smtClean="0"/>
+              <a:rPr lang="en-US"/>
               <a:t>Fourth level</a:t>
             </a:r>
           </a:p>
           <a:p>
             <a:pPr lvl="4"/>
             <a:r>
-              <a:rPr lang="en-US" smtClean="0"/>
+              <a:rPr lang="en-US"/>
               <a:t>Fifth level</a:t>
             </a:r>
-            <a:endParaRPr lang="en-US"/>
           </a:p>
         </p:txBody>
       </p:sp>
@@ -8242,8 +8506,8 @@
         </p:nvSpPr>
         <p:spPr>
           <a:xfrm>
-            <a:off x="4645025" y="1535113"/>
-            <a:ext cx="4041775" cy="639762"/>
+            <a:off x="6193368" y="1535113"/>
+            <a:ext cx="5389033" cy="639762"/>
           </a:xfrm>
         </p:spPr>
         <p:txBody>
@@ -8289,7 +8553,7 @@
           <a:p>
             <a:pPr lvl="0"/>
             <a:r>
-              <a:rPr lang="en-US" smtClean="0"/>
+              <a:rPr lang="en-US"/>
               <a:t>Click to edit Master text styles</a:t>
             </a:r>
           </a:p>
@@ -8307,8 +8571,8 @@
         </p:nvSpPr>
         <p:spPr>
           <a:xfrm>
-            <a:off x="4645025" y="2174875"/>
-            <a:ext cx="4041775" cy="3951288"/>
+            <a:off x="6193368" y="2174875"/>
+            <a:ext cx="5389033" cy="3951288"/>
           </a:xfrm>
         </p:spPr>
         <p:txBody>
@@ -8345,38 +8609,37 @@
           <a:p>
             <a:pPr lvl="0"/>
             <a:r>
-              <a:rPr lang="en-US" smtClean="0"/>
+              <a:rPr lang="en-US"/>
               <a:t>Click to edit Master text styles</a:t>
             </a:r>
           </a:p>
           <a:p>
             <a:pPr lvl="1"/>
             <a:r>
-              <a:rPr lang="en-US" smtClean="0"/>
+              <a:rPr lang="en-US"/>
               <a:t>Second level</a:t>
             </a:r>
           </a:p>
           <a:p>
             <a:pPr lvl="2"/>
             <a:r>
-              <a:rPr lang="en-US" smtClean="0"/>
+              <a:rPr lang="en-US"/>
               <a:t>Third level</a:t>
             </a:r>
           </a:p>
           <a:p>
             <a:pPr lvl="3"/>
             <a:r>
-              <a:rPr lang="en-US" smtClean="0"/>
+              <a:rPr lang="en-US"/>
               <a:t>Fourth level</a:t>
             </a:r>
           </a:p>
           <a:p>
             <a:pPr lvl="4"/>
             <a:r>
-              <a:rPr lang="en-US" smtClean="0"/>
+              <a:rPr lang="en-US"/>
               <a:t>Fifth level</a:t>
             </a:r>
-            <a:endParaRPr lang="en-US"/>
           </a:p>
         </p:txBody>
       </p:sp>
@@ -8397,7 +8660,7 @@
           <a:p>
             <a:fld id="{D2B62928-2648-4210-B25C-2BD7B5FE2C7B}" type="datetimeFigureOut">
               <a:rPr lang="en-US" smtClean="0"/>
-              <a:t>2/1/2015</a:t>
+              <a:t>9/1/2021</a:t>
             </a:fld>
             <a:endParaRPr lang="en-US"/>
           </a:p>
@@ -8486,10 +8749,9 @@
           <a:lstStyle/>
           <a:p>
             <a:r>
-              <a:rPr lang="en-US" smtClean="0"/>
+              <a:rPr lang="en-US"/>
               <a:t>Click to edit Master title style</a:t>
             </a:r>
-            <a:endParaRPr lang="en-US"/>
           </a:p>
         </p:txBody>
       </p:sp>
@@ -8510,7 +8772,7 @@
           <a:p>
             <a:fld id="{D2B62928-2648-4210-B25C-2BD7B5FE2C7B}" type="datetimeFigureOut">
               <a:rPr lang="en-US" smtClean="0"/>
-              <a:t>2/1/2015</a:t>
+              <a:t>9/1/2021</a:t>
             </a:fld>
             <a:endParaRPr lang="en-US"/>
           </a:p>
@@ -8600,7 +8862,7 @@
           <a:p>
             <a:fld id="{D2B62928-2648-4210-B25C-2BD7B5FE2C7B}" type="datetimeFigureOut">
               <a:rPr lang="en-US" smtClean="0"/>
-              <a:t>2/1/2015</a:t>
+              <a:t>9/1/2021</a:t>
             </a:fld>
             <a:endParaRPr lang="en-US"/>
           </a:p>
@@ -8685,8 +8947,8 @@
         </p:nvSpPr>
         <p:spPr>
           <a:xfrm>
-            <a:off x="3200400" y="273050"/>
-            <a:ext cx="5486400" cy="5853113"/>
+            <a:off x="4267200" y="273051"/>
+            <a:ext cx="7315200" cy="5853113"/>
           </a:xfrm>
         </p:spPr>
         <p:txBody>
@@ -8723,35 +8985,35 @@
           <a:p>
             <a:pPr lvl="0"/>
             <a:r>
-              <a:rPr lang="en-US" smtClean="0"/>
+              <a:rPr lang="en-US"/>
               <a:t>Click to edit Master text styles</a:t>
             </a:r>
           </a:p>
           <a:p>
             <a:pPr lvl="1"/>
             <a:r>
-              <a:rPr lang="en-US" smtClean="0"/>
+              <a:rPr lang="en-US"/>
               <a:t>Second level</a:t>
             </a:r>
           </a:p>
           <a:p>
             <a:pPr lvl="2"/>
             <a:r>
-              <a:rPr lang="en-US" smtClean="0"/>
+              <a:rPr lang="en-US"/>
               <a:t>Third level</a:t>
             </a:r>
           </a:p>
           <a:p>
             <a:pPr lvl="3"/>
             <a:r>
-              <a:rPr lang="en-US" smtClean="0"/>
+              <a:rPr lang="en-US"/>
               <a:t>Fourth level</a:t>
             </a:r>
           </a:p>
           <a:p>
             <a:pPr lvl="4"/>
             <a:r>
-              <a:rPr lang="en-US" smtClean="0"/>
+              <a:rPr lang="en-US"/>
               <a:t>Fifth level</a:t>
             </a:r>
             <a:endParaRPr lang="en-US" dirty="0"/>
@@ -8775,7 +9037,7 @@
           <a:p>
             <a:fld id="{D2B62928-2648-4210-B25C-2BD7B5FE2C7B}" type="datetimeFigureOut">
               <a:rPr lang="en-US" smtClean="0"/>
-              <a:t>2/1/2015</a:t>
+              <a:t>9/1/2021</a:t>
             </a:fld>
             <a:endParaRPr lang="en-US"/>
           </a:p>
@@ -8832,7 +9094,7 @@
         <p:spPr>
           <a:xfrm>
             <a:off x="0" y="1563624"/>
-            <a:ext cx="2761488" cy="3313176"/>
+            <a:ext cx="3681984" cy="3313176"/>
           </a:xfrm>
           <a:prstGeom prst="rect">
             <a:avLst/>
@@ -8872,7 +9134,7 @@
           <a:lstStyle/>
           <a:p>
             <a:pPr algn="ctr" rtl="0"/>
-            <a:endParaRPr lang="en-US" kern="1200">
+            <a:endParaRPr lang="en-US" sz="1800" kern="1200">
               <a:solidFill>
                 <a:prstClr val="white"/>
               </a:solidFill>
@@ -8891,8 +9153,8 @@
         </p:nvCxnSpPr>
         <p:spPr>
           <a:xfrm rot="5400000">
-            <a:off x="1128157" y="3221339"/>
-            <a:ext cx="3017520" cy="794"/>
+            <a:off x="2007129" y="3221207"/>
+            <a:ext cx="3017520" cy="1059"/>
           </a:xfrm>
           <a:prstGeom prst="line">
             <a:avLst/>
@@ -8927,7 +9189,7 @@
         <p:spPr>
           <a:xfrm>
             <a:off x="0" y="1712976"/>
-            <a:ext cx="2651760" cy="1588"/>
+            <a:ext cx="3535680" cy="1588"/>
           </a:xfrm>
           <a:prstGeom prst="line">
             <a:avLst/>
@@ -8962,7 +9224,7 @@
         <p:spPr>
           <a:xfrm>
             <a:off x="0" y="4733544"/>
-            <a:ext cx="2651760" cy="1588"/>
+            <a:ext cx="3535680" cy="1588"/>
           </a:xfrm>
           <a:prstGeom prst="line">
             <a:avLst/>
@@ -9000,8 +9262,8 @@
         </p:nvSpPr>
         <p:spPr>
           <a:xfrm>
-            <a:off x="152400" y="1901952"/>
-            <a:ext cx="2377440" cy="1371600"/>
+            <a:off x="203200" y="1901952"/>
+            <a:ext cx="3169920" cy="1371600"/>
           </a:xfrm>
         </p:spPr>
         <p:txBody>
@@ -9048,7 +9310,7 @@
           </a:lstStyle>
           <a:p>
             <a:r>
-              <a:rPr lang="en-US" smtClean="0"/>
+              <a:rPr lang="en-US"/>
               <a:t>Click to edit Master title style</a:t>
             </a:r>
             <a:endParaRPr lang="en-US" dirty="0"/>
@@ -9067,8 +9329,8 @@
         </p:nvSpPr>
         <p:spPr>
           <a:xfrm>
-            <a:off x="152400" y="3273552"/>
-            <a:ext cx="2377440" cy="1371600"/>
+            <a:off x="203200" y="3273552"/>
+            <a:ext cx="3169920" cy="1371600"/>
           </a:xfrm>
         </p:spPr>
         <p:txBody>
@@ -9120,7 +9382,7 @@
           <a:p>
             <a:pPr lvl="0"/>
             <a:r>
-              <a:rPr lang="en-US" smtClean="0"/>
+              <a:rPr lang="en-US"/>
               <a:t>Click to edit Master text styles</a:t>
             </a:r>
           </a:p>
@@ -9163,8 +9425,8 @@
         </p:nvSpPr>
         <p:spPr>
           <a:xfrm>
-            <a:off x="3200400" y="381000"/>
-            <a:ext cx="5562600" cy="5638800"/>
+            <a:off x="4267200" y="381000"/>
+            <a:ext cx="7416800" cy="5638800"/>
           </a:xfrm>
           <a:solidFill>
             <a:schemeClr val="bg2"/>
@@ -9237,10 +9499,9 @@
           </a:lstStyle>
           <a:p>
             <a:r>
-              <a:rPr lang="en-US" smtClean="0"/>
+              <a:rPr lang="en-US"/>
               <a:t>Click icon to add picture</a:t>
             </a:r>
-            <a:endParaRPr lang="en-US"/>
           </a:p>
         </p:txBody>
       </p:sp>
@@ -9261,7 +9522,7 @@
           <a:p>
             <a:fld id="{D2B62928-2648-4210-B25C-2BD7B5FE2C7B}" type="datetimeFigureOut">
               <a:rPr lang="en-US" smtClean="0"/>
-              <a:t>2/1/2015</a:t>
+              <a:t>9/1/2021</a:t>
             </a:fld>
             <a:endParaRPr lang="en-US"/>
           </a:p>
@@ -9318,7 +9579,7 @@
         <p:spPr>
           <a:xfrm>
             <a:off x="0" y="1563624"/>
-            <a:ext cx="2761488" cy="3313176"/>
+            <a:ext cx="3681984" cy="3313176"/>
           </a:xfrm>
           <a:prstGeom prst="rect">
             <a:avLst/>
@@ -9358,7 +9619,7 @@
           <a:lstStyle/>
           <a:p>
             <a:pPr algn="ctr" rtl="0"/>
-            <a:endParaRPr lang="en-US" kern="1200">
+            <a:endParaRPr lang="en-US" sz="1800" kern="1200">
               <a:solidFill>
                 <a:prstClr val="white"/>
               </a:solidFill>
@@ -9377,8 +9638,8 @@
         </p:nvCxnSpPr>
         <p:spPr>
           <a:xfrm rot="5400000">
-            <a:off x="1128157" y="3221339"/>
-            <a:ext cx="3017520" cy="794"/>
+            <a:off x="2007129" y="3221207"/>
+            <a:ext cx="3017520" cy="1059"/>
           </a:xfrm>
           <a:prstGeom prst="line">
             <a:avLst/>
@@ -9413,7 +9674,7 @@
         <p:spPr>
           <a:xfrm>
             <a:off x="0" y="1712976"/>
-            <a:ext cx="2651760" cy="1588"/>
+            <a:ext cx="3535680" cy="1588"/>
           </a:xfrm>
           <a:prstGeom prst="line">
             <a:avLst/>
@@ -9448,7 +9709,7 @@
         <p:spPr>
           <a:xfrm>
             <a:off x="0" y="4733544"/>
-            <a:ext cx="2651760" cy="1588"/>
+            <a:ext cx="3535680" cy="1588"/>
           </a:xfrm>
           <a:prstGeom prst="line">
             <a:avLst/>
@@ -9486,8 +9747,8 @@
         </p:nvSpPr>
         <p:spPr>
           <a:xfrm>
-            <a:off x="155448" y="1905000"/>
-            <a:ext cx="2377440" cy="1371600"/>
+            <a:off x="207264" y="1905000"/>
+            <a:ext cx="3169920" cy="1371600"/>
           </a:xfrm>
         </p:spPr>
         <p:txBody>
@@ -9524,7 +9785,7 @@
           </a:lstStyle>
           <a:p>
             <a:r>
-              <a:rPr lang="en-US" smtClean="0"/>
+              <a:rPr lang="en-US"/>
               <a:t>Click to edit Master title style</a:t>
             </a:r>
             <a:endParaRPr lang="en-US" dirty="0"/>
@@ -9543,8 +9804,8 @@
         </p:nvSpPr>
         <p:spPr>
           <a:xfrm>
-            <a:off x="152400" y="3276600"/>
-            <a:ext cx="2377440" cy="1371600"/>
+            <a:off x="203200" y="3276600"/>
+            <a:ext cx="3169920" cy="1371600"/>
           </a:xfrm>
         </p:spPr>
         <p:txBody>
@@ -9596,7 +9857,7 @@
           <a:p>
             <a:pPr lvl="0"/>
             <a:r>
-              <a:rPr lang="en-US" smtClean="0"/>
+              <a:rPr lang="en-US"/>
               <a:t>Click to edit Master text styles</a:t>
             </a:r>
           </a:p>
@@ -9640,8 +9901,8 @@
         </p:nvSpPr>
         <p:spPr>
           <a:xfrm>
-            <a:off x="149352" y="137160"/>
-            <a:ext cx="8869680" cy="6583680"/>
+            <a:off x="199136" y="137160"/>
+            <a:ext cx="11826240" cy="6583680"/>
           </a:xfrm>
           <a:prstGeom prst="rect">
             <a:avLst/>
@@ -9674,7 +9935,7 @@
           <a:lstStyle/>
           <a:p>
             <a:pPr algn="ctr" rtl="0"/>
-            <a:endParaRPr lang="en-US" kern="1200">
+            <a:endParaRPr lang="en-US" sz="1800" kern="1200">
               <a:solidFill>
                 <a:prstClr val="white"/>
               </a:solidFill>
@@ -9697,8 +9958,8 @@
         </p:nvSpPr>
         <p:spPr>
           <a:xfrm>
-            <a:off x="457200" y="274638"/>
-            <a:ext cx="8229600" cy="1143000"/>
+            <a:off x="609600" y="274638"/>
+            <a:ext cx="10972800" cy="1143000"/>
           </a:xfrm>
           <a:prstGeom prst="rect">
             <a:avLst/>
@@ -9711,7 +9972,7 @@
           <a:lstStyle/>
           <a:p>
             <a:r>
-              <a:rPr lang="en-US" smtClean="0"/>
+              <a:rPr lang="en-US"/>
               <a:t>Click to edit Master title style</a:t>
             </a:r>
             <a:endParaRPr lang="en-US" dirty="0"/>
@@ -9730,8 +9991,8 @@
         </p:nvSpPr>
         <p:spPr>
           <a:xfrm>
-            <a:off x="457200" y="1600200"/>
-            <a:ext cx="8229600" cy="4525963"/>
+            <a:off x="609600" y="1600201"/>
+            <a:ext cx="10972800" cy="4525963"/>
           </a:xfrm>
           <a:prstGeom prst="rect">
             <a:avLst/>
@@ -9745,35 +10006,35 @@
           <a:p>
             <a:pPr lvl="0"/>
             <a:r>
-              <a:rPr lang="en-US" smtClean="0"/>
+              <a:rPr lang="en-US"/>
               <a:t>Click to edit Master text styles</a:t>
             </a:r>
           </a:p>
           <a:p>
             <a:pPr lvl="1"/>
             <a:r>
-              <a:rPr lang="en-US" smtClean="0"/>
+              <a:rPr lang="en-US"/>
               <a:t>Second level</a:t>
             </a:r>
           </a:p>
           <a:p>
             <a:pPr lvl="2"/>
             <a:r>
-              <a:rPr lang="en-US" smtClean="0"/>
+              <a:rPr lang="en-US"/>
               <a:t>Third level</a:t>
             </a:r>
           </a:p>
           <a:p>
             <a:pPr lvl="3"/>
             <a:r>
-              <a:rPr lang="en-US" smtClean="0"/>
+              <a:rPr lang="en-US"/>
               <a:t>Fourth level</a:t>
             </a:r>
           </a:p>
           <a:p>
             <a:pPr lvl="4"/>
             <a:r>
-              <a:rPr lang="en-US" smtClean="0"/>
+              <a:rPr lang="en-US"/>
               <a:t>Fifth level</a:t>
             </a:r>
             <a:endParaRPr lang="en-US" dirty="0"/>
@@ -9792,8 +10053,8 @@
         </p:nvSpPr>
         <p:spPr>
           <a:xfrm>
-            <a:off x="457200" y="6312408"/>
-            <a:ext cx="2133600" cy="365125"/>
+            <a:off x="609600" y="6312409"/>
+            <a:ext cx="2844800" cy="365125"/>
           </a:xfrm>
           <a:prstGeom prst="rect">
             <a:avLst/>
@@ -9813,7 +10074,7 @@
           <a:p>
             <a:fld id="{D2B62928-2648-4210-B25C-2BD7B5FE2C7B}" type="datetimeFigureOut">
               <a:rPr lang="en-US" smtClean="0"/>
-              <a:t>2/1/2015</a:t>
+              <a:t>9/1/2021</a:t>
             </a:fld>
             <a:endParaRPr lang="en-US"/>
           </a:p>
@@ -9831,8 +10092,8 @@
         </p:nvSpPr>
         <p:spPr>
           <a:xfrm>
-            <a:off x="2831123" y="6312408"/>
-            <a:ext cx="3481754" cy="365125"/>
+            <a:off x="3774831" y="6312409"/>
+            <a:ext cx="4642339" cy="365125"/>
           </a:xfrm>
           <a:prstGeom prst="rect">
             <a:avLst/>
@@ -9866,8 +10127,8 @@
         </p:nvSpPr>
         <p:spPr>
           <a:xfrm>
-            <a:off x="6553200" y="6312408"/>
-            <a:ext cx="2133600" cy="365125"/>
+            <a:off x="8737600" y="6312409"/>
+            <a:ext cx="2844800" cy="365125"/>
           </a:xfrm>
           <a:prstGeom prst="rect">
             <a:avLst/>
@@ -10251,7 +10512,7 @@
         <p:spPr>
           <a:xfrm>
             <a:off x="0" y="0"/>
-            <a:ext cx="9144000" cy="6858000"/>
+            <a:ext cx="12192000" cy="6858000"/>
           </a:xfrm>
           <a:prstGeom prst="rect">
             <a:avLst/>
@@ -10270,8 +10531,8 @@
         </p:nvSpPr>
         <p:spPr>
           <a:xfrm>
-            <a:off x="3048000" y="2732703"/>
-            <a:ext cx="2895600" cy="867747"/>
+            <a:off x="2971800" y="2732704"/>
+            <a:ext cx="6858000" cy="1534497"/>
           </a:xfrm>
           <a:solidFill>
             <a:srgbClr val="000000">
@@ -10297,23 +10558,35 @@
           </a:fontRef>
         </p:style>
         <p:txBody>
-          <a:bodyPr anchor="ctr"/>
+          <a:bodyPr anchor="ctr">
+            <a:normAutofit fontScale="90000"/>
+          </a:bodyPr>
           <a:lstStyle/>
           <a:p>
             <a:pPr algn="ctr"/>
             <a:r>
-              <a:rPr lang="en-US" cap="small" dirty="0" smtClean="0">
+              <a:rPr lang="en-US" cap="small" dirty="0">
                 <a:solidFill>
                   <a:schemeClr val="tx1"/>
                 </a:solidFill>
               </a:rPr>
               <a:t>Rx In Action</a:t>
             </a:r>
-            <a:endParaRPr lang="en-US" cap="small" dirty="0">
-              <a:solidFill>
-                <a:schemeClr val="tx1"/>
-              </a:solidFill>
-            </a:endParaRPr>
+            <a:br>
+              <a:rPr lang="en-US" cap="small" dirty="0">
+                <a:solidFill>
+                  <a:schemeClr val="tx1"/>
+                </a:solidFill>
+              </a:rPr>
+            </a:br>
+            <a:r>
+              <a:rPr lang="en-US" cap="small" dirty="0">
+                <a:solidFill>
+                  <a:schemeClr val="tx1"/>
+                </a:solidFill>
+              </a:rPr>
+              <a:t>https://github.com/jwooley/RxSamples</a:t>
+            </a:r>
           </a:p>
         </p:txBody>
       </p:sp>
@@ -10340,7 +10613,7 @@
         </p:blipFill>
         <p:spPr bwMode="auto">
           <a:xfrm>
-            <a:off x="7913040" y="12555"/>
+            <a:off x="10974292" y="0"/>
             <a:ext cx="1230960" cy="1931970"/>
           </a:xfrm>
           <a:prstGeom prst="rect">
@@ -10381,7 +10654,7 @@
         </p:blipFill>
         <p:spPr bwMode="auto">
           <a:xfrm>
-            <a:off x="6312840" y="12555"/>
+            <a:off x="9360840" y="0"/>
             <a:ext cx="1600200" cy="2005584"/>
           </a:xfrm>
           <a:prstGeom prst="rect">
@@ -10409,7 +10682,7 @@
         </p:nvSpPr>
         <p:spPr>
           <a:xfrm>
-            <a:off x="10886" y="5489202"/>
+            <a:off x="26504" y="5489202"/>
             <a:ext cx="2895600" cy="1368798"/>
           </a:xfrm>
           <a:prstGeom prst="rect">
@@ -10623,50 +10896,31 @@
           <a:p>
             <a:pPr algn="r"/>
             <a:r>
-              <a:rPr lang="en-US" dirty="0" smtClean="0"/>
+              <a:rPr lang="en-US" dirty="0"/>
               <a:t>Jim Wooley</a:t>
             </a:r>
           </a:p>
           <a:p>
             <a:pPr algn="r"/>
             <a:r>
-              <a:rPr lang="en-US" dirty="0" smtClean="0">
+              <a:rPr lang="en-US" dirty="0">
                 <a:hlinkClick r:id="rId5"/>
               </a:rPr>
               <a:t>www.ThinqLinq.com</a:t>
             </a:r>
-            <a:endParaRPr lang="en-US" dirty="0" smtClean="0"/>
+            <a:endParaRPr lang="en-US" dirty="0"/>
           </a:p>
           <a:p>
             <a:pPr algn="r"/>
             <a:r>
-              <a:rPr lang="en-US" dirty="0" smtClean="0"/>
+              <a:rPr lang="en-US" dirty="0"/>
               <a:t>Twitter: @</a:t>
             </a:r>
             <a:r>
-              <a:rPr lang="en-US" dirty="0" err="1" smtClean="0"/>
+              <a:rPr lang="en-US" dirty="0" err="1"/>
               <a:t>JimWooley</a:t>
             </a:r>
             <a:endParaRPr lang="en-US" dirty="0"/>
-          </a:p>
-        </p:txBody>
-      </p:sp>
-      <p:sp>
-        <p:nvSpPr>
-          <p:cNvPr id="8" name="Subtitle 7"/>
-          <p:cNvSpPr>
-            <a:spLocks noGrp="1"/>
-          </p:cNvSpPr>
-          <p:nvPr>
-            <p:ph type="subTitle" idx="1"/>
-          </p:nvPr>
-        </p:nvSpPr>
-        <p:spPr/>
-        <p:txBody>
-          <a:bodyPr/>
-          <a:lstStyle/>
-          <a:p>
-            <a:endParaRPr lang="en-US"/>
           </a:p>
         </p:txBody>
       </p:sp>
@@ -10692,7 +10946,7 @@
         </p:blipFill>
         <p:spPr>
           <a:xfrm>
-            <a:off x="3124200" y="2823676"/>
+            <a:off x="5105400" y="2814151"/>
             <a:ext cx="681182" cy="685800"/>
           </a:xfrm>
           <a:prstGeom prst="rect">
@@ -10710,17 +10964,87 @@
   <p:clrMapOvr>
     <a:masterClrMapping/>
   </p:clrMapOvr>
-  <p:timing>
-    <p:tnLst>
-      <p:par>
-        <p:cTn id="1" dur="indefinite" restart="never" nodeType="tmRoot"/>
-      </p:par>
-    </p:tnLst>
-  </p:timing>
 </p:sld>
 </file>
 
 <file path=ppt/slides/slide10.xml><?xml version="1.0" encoding="utf-8"?>
+<p:sld xmlns:a="http://schemas.openxmlformats.org/drawingml/2006/main" xmlns:r="http://schemas.openxmlformats.org/officeDocument/2006/relationships" xmlns:p="http://schemas.openxmlformats.org/presentationml/2006/main">
+  <p:cSld>
+    <p:spTree>
+      <p:nvGrpSpPr>
+        <p:cNvPr id="1" name=""/>
+        <p:cNvGrpSpPr/>
+        <p:nvPr/>
+      </p:nvGrpSpPr>
+      <p:grpSpPr>
+        <a:xfrm>
+          <a:off x="0" y="0"/>
+          <a:ext cx="0" cy="0"/>
+          <a:chOff x="0" y="0"/>
+          <a:chExt cx="0" cy="0"/>
+        </a:xfrm>
+      </p:grpSpPr>
+      <p:sp>
+        <p:nvSpPr>
+          <p:cNvPr id="4" name="Text Placeholder 3"/>
+          <p:cNvSpPr>
+            <a:spLocks noGrp="1"/>
+          </p:cNvSpPr>
+          <p:nvPr>
+            <p:ph type="body" idx="1"/>
+          </p:nvPr>
+        </p:nvSpPr>
+        <p:spPr/>
+        <p:txBody>
+          <a:bodyPr>
+            <a:normAutofit/>
+          </a:bodyPr>
+          <a:lstStyle/>
+          <a:p>
+            <a:r>
+              <a:rPr lang="en-US"/>
+              <a:t>demo </a:t>
+            </a:r>
+            <a:endParaRPr lang="en-US" dirty="0"/>
+          </a:p>
+        </p:txBody>
+      </p:sp>
+      <p:sp>
+        <p:nvSpPr>
+          <p:cNvPr id="2" name="Title 1"/>
+          <p:cNvSpPr>
+            <a:spLocks noGrp="1"/>
+          </p:cNvSpPr>
+          <p:nvPr>
+            <p:ph type="title"/>
+          </p:nvPr>
+        </p:nvSpPr>
+        <p:spPr/>
+        <p:txBody>
+          <a:bodyPr/>
+          <a:lstStyle/>
+          <a:p>
+            <a:r>
+              <a:rPr lang="en-US" dirty="0"/>
+              <a:t>Composing with Events</a:t>
+            </a:r>
+          </a:p>
+        </p:txBody>
+      </p:sp>
+    </p:spTree>
+    <p:extLst>
+      <p:ext uri="{BB962C8B-B14F-4D97-AF65-F5344CB8AC3E}">
+        <p14:creationId xmlns:p14="http://schemas.microsoft.com/office/powerpoint/2010/main" val="1947064747"/>
+      </p:ext>
+    </p:extLst>
+  </p:cSld>
+  <p:clrMapOvr>
+    <a:masterClrMapping/>
+  </p:clrMapOvr>
+</p:sld>
+</file>
+
+<file path=ppt/slides/slide11.xml><?xml version="1.0" encoding="utf-8"?>
 <p:sld xmlns:a="http://schemas.openxmlformats.org/drawingml/2006/main" xmlns:r="http://schemas.openxmlformats.org/officeDocument/2006/relationships" xmlns:p="http://schemas.openxmlformats.org/presentationml/2006/main">
   <p:cSld>
     <p:spTree>
@@ -10753,10 +11077,125 @@
           <a:lstStyle/>
           <a:p>
             <a:r>
-              <a:rPr lang="en-US" dirty="0" smtClean="0"/>
+              <a:rPr lang="en-US" dirty="0"/>
+              <a:t>Cross the Streams?</a:t>
+            </a:r>
+          </a:p>
+        </p:txBody>
+      </p:sp>
+      <p:pic>
+        <p:nvPicPr>
+          <p:cNvPr id="4" name="Content Placeholder 3"/>
+          <p:cNvPicPr>
+            <a:picLocks noGrp="1" noChangeAspect="1"/>
+          </p:cNvPicPr>
+          <p:nvPr>
+            <p:ph idx="1"/>
+          </p:nvPr>
+        </p:nvPicPr>
+        <p:blipFill>
+          <a:blip r:embed="rId2">
+            <a:extLst>
+              <a:ext uri="{28A0092B-C50C-407E-A947-70E740481C1C}">
+                <a14:useLocalDpi xmlns:a14="http://schemas.microsoft.com/office/drawing/2010/main" val="0"/>
+              </a:ext>
+            </a:extLst>
+          </a:blip>
+          <a:stretch>
+            <a:fillRect/>
+          </a:stretch>
+        </p:blipFill>
+        <p:spPr>
+          <a:xfrm>
+            <a:off x="1889234" y="1828800"/>
+            <a:ext cx="8408276" cy="3810000"/>
+          </a:xfrm>
+        </p:spPr>
+      </p:pic>
+      <p:sp>
+        <p:nvSpPr>
+          <p:cNvPr id="5" name="TextBox 4">
+            <a:extLst>
+              <a:ext uri="{FF2B5EF4-FFF2-40B4-BE49-F238E27FC236}">
+                <a16:creationId xmlns:a16="http://schemas.microsoft.com/office/drawing/2014/main" id="{BBD8DF67-866C-46EB-AEF7-8BDD6C7F5800}"/>
+              </a:ext>
+            </a:extLst>
+          </p:cNvPr>
+          <p:cNvSpPr txBox="1"/>
+          <p:nvPr/>
+        </p:nvSpPr>
+        <p:spPr>
+          <a:xfrm>
+            <a:off x="3733800" y="5867400"/>
+            <a:ext cx="6093724" cy="584775"/>
+          </a:xfrm>
+          <a:prstGeom prst="rect">
+            <a:avLst/>
+          </a:prstGeom>
+          <a:noFill/>
+        </p:spPr>
+        <p:txBody>
+          <a:bodyPr wrap="square">
+            <a:spAutoFit/>
+          </a:bodyPr>
+          <a:lstStyle/>
+          <a:p>
+            <a:r>
+              <a:rPr lang="en-US" sz="3200" dirty="0"/>
+              <a:t>https://rxmarbles.com/</a:t>
+            </a:r>
+          </a:p>
+        </p:txBody>
+      </p:sp>
+    </p:spTree>
+    <p:extLst>
+      <p:ext uri="{BB962C8B-B14F-4D97-AF65-F5344CB8AC3E}">
+        <p14:creationId xmlns:p14="http://schemas.microsoft.com/office/powerpoint/2010/main" val="2142948982"/>
+      </p:ext>
+    </p:extLst>
+  </p:cSld>
+  <p:clrMapOvr>
+    <a:masterClrMapping/>
+  </p:clrMapOvr>
+</p:sld>
+</file>
+
+<file path=ppt/slides/slide12.xml><?xml version="1.0" encoding="utf-8"?>
+<p:sld xmlns:a="http://schemas.openxmlformats.org/drawingml/2006/main" xmlns:r="http://schemas.openxmlformats.org/officeDocument/2006/relationships" xmlns:p="http://schemas.openxmlformats.org/presentationml/2006/main" show="0">
+  <p:cSld>
+    <p:spTree>
+      <p:nvGrpSpPr>
+        <p:cNvPr id="1" name=""/>
+        <p:cNvGrpSpPr/>
+        <p:nvPr/>
+      </p:nvGrpSpPr>
+      <p:grpSpPr>
+        <a:xfrm>
+          <a:off x="0" y="0"/>
+          <a:ext cx="0" cy="0"/>
+          <a:chOff x="0" y="0"/>
+          <a:chExt cx="0" cy="0"/>
+        </a:xfrm>
+      </p:grpSpPr>
+      <p:sp>
+        <p:nvSpPr>
+          <p:cNvPr id="2" name="Title 1"/>
+          <p:cNvSpPr>
+            <a:spLocks noGrp="1"/>
+          </p:cNvSpPr>
+          <p:nvPr>
+            <p:ph type="title"/>
+          </p:nvPr>
+        </p:nvSpPr>
+        <p:spPr/>
+        <p:txBody>
+          <a:bodyPr/>
+          <a:lstStyle/>
+          <a:p>
+            <a:r>
+              <a:rPr lang="en-US" dirty="0"/>
               <a:t>Merge</a:t>
             </a:r>
-            <a:endParaRPr lang="en-US" dirty="0"/>
           </a:p>
         </p:txBody>
       </p:sp>
@@ -10768,7 +11207,7 @@
         </p:nvCxnSpPr>
         <p:spPr>
           <a:xfrm>
-            <a:off x="1066800" y="2133600"/>
+            <a:off x="2590800" y="2133600"/>
             <a:ext cx="7086600" cy="0"/>
           </a:xfrm>
           <a:prstGeom prst="line">
@@ -10798,7 +11237,7 @@
         </p:nvCxnSpPr>
         <p:spPr>
           <a:xfrm>
-            <a:off x="1066800" y="3505200"/>
+            <a:off x="2590800" y="3505200"/>
             <a:ext cx="7086600" cy="0"/>
           </a:xfrm>
           <a:prstGeom prst="line">
@@ -10828,7 +11267,7 @@
         </p:nvCxnSpPr>
         <p:spPr>
           <a:xfrm>
-            <a:off x="1066800" y="5029200"/>
+            <a:off x="2590800" y="5029200"/>
             <a:ext cx="7086600" cy="0"/>
           </a:xfrm>
           <a:prstGeom prst="line">
@@ -10858,7 +11297,7 @@
         </p:nvSpPr>
         <p:spPr>
           <a:xfrm>
-            <a:off x="1371600" y="1981200"/>
+            <a:off x="2895600" y="1981200"/>
             <a:ext cx="228600" cy="304800"/>
           </a:xfrm>
           <a:prstGeom prst="ellipse">
@@ -10896,7 +11335,7 @@
         </p:nvSpPr>
         <p:spPr>
           <a:xfrm>
-            <a:off x="2133600" y="3352800"/>
+            <a:off x="3657600" y="3352800"/>
             <a:ext cx="228600" cy="304800"/>
           </a:xfrm>
           <a:prstGeom prst="ellipse">
@@ -10934,7 +11373,7 @@
         </p:nvSpPr>
         <p:spPr>
           <a:xfrm>
-            <a:off x="2895600" y="3352800"/>
+            <a:off x="4419600" y="3352800"/>
             <a:ext cx="228600" cy="304800"/>
           </a:xfrm>
           <a:prstGeom prst="ellipse">
@@ -10972,7 +11411,7 @@
         </p:nvSpPr>
         <p:spPr>
           <a:xfrm>
-            <a:off x="3657600" y="1981200"/>
+            <a:off x="5181600" y="1981200"/>
             <a:ext cx="228600" cy="304800"/>
           </a:xfrm>
           <a:prstGeom prst="ellipse">
@@ -11010,7 +11449,7 @@
         </p:nvSpPr>
         <p:spPr>
           <a:xfrm>
-            <a:off x="4607859" y="3352800"/>
+            <a:off x="6131859" y="3352800"/>
             <a:ext cx="228600" cy="304800"/>
           </a:xfrm>
           <a:prstGeom prst="ellipse">
@@ -11048,7 +11487,7 @@
         </p:nvSpPr>
         <p:spPr>
           <a:xfrm>
-            <a:off x="5410200" y="3352800"/>
+            <a:off x="6934200" y="3352800"/>
             <a:ext cx="228600" cy="304800"/>
           </a:xfrm>
           <a:prstGeom prst="ellipse">
@@ -11086,7 +11525,7 @@
         </p:nvSpPr>
         <p:spPr>
           <a:xfrm>
-            <a:off x="6172200" y="3366247"/>
+            <a:off x="7696200" y="3366247"/>
             <a:ext cx="228600" cy="304800"/>
           </a:xfrm>
           <a:prstGeom prst="ellipse">
@@ -11124,7 +11563,7 @@
         </p:nvSpPr>
         <p:spPr>
           <a:xfrm>
-            <a:off x="7086600" y="1981200"/>
+            <a:off x="8610600" y="1981200"/>
             <a:ext cx="228600" cy="304800"/>
           </a:xfrm>
           <a:prstGeom prst="ellipse">
@@ -11162,7 +11601,7 @@
         </p:nvSpPr>
         <p:spPr>
           <a:xfrm>
-            <a:off x="1358153" y="4876800"/>
+            <a:off x="2882153" y="4876800"/>
             <a:ext cx="228600" cy="304800"/>
           </a:xfrm>
           <a:prstGeom prst="ellipse">
@@ -11195,82 +11634,6 @@
       <p:sp>
         <p:nvSpPr>
           <p:cNvPr id="17" name="Oval 16"/>
-          <p:cNvSpPr/>
-          <p:nvPr/>
-        </p:nvSpPr>
-        <p:spPr>
-          <a:xfrm>
-            <a:off x="2133600" y="4876800"/>
-            <a:ext cx="228600" cy="304800"/>
-          </a:xfrm>
-          <a:prstGeom prst="ellipse">
-            <a:avLst/>
-          </a:prstGeom>
-        </p:spPr>
-        <p:style>
-          <a:lnRef idx="0">
-            <a:schemeClr val="accent5"/>
-          </a:lnRef>
-          <a:fillRef idx="3">
-            <a:schemeClr val="accent5"/>
-          </a:fillRef>
-          <a:effectRef idx="3">
-            <a:schemeClr val="accent5"/>
-          </a:effectRef>
-          <a:fontRef idx="minor">
-            <a:schemeClr val="lt1"/>
-          </a:fontRef>
-        </p:style>
-        <p:txBody>
-          <a:bodyPr rtlCol="0" anchor="ctr"/>
-          <a:lstStyle/>
-          <a:p>
-            <a:pPr algn="ctr"/>
-            <a:endParaRPr lang="en-US"/>
-          </a:p>
-        </p:txBody>
-      </p:sp>
-      <p:sp>
-        <p:nvSpPr>
-          <p:cNvPr id="18" name="Oval 17"/>
-          <p:cNvSpPr/>
-          <p:nvPr/>
-        </p:nvSpPr>
-        <p:spPr>
-          <a:xfrm>
-            <a:off x="2895600" y="4876800"/>
-            <a:ext cx="228600" cy="304800"/>
-          </a:xfrm>
-          <a:prstGeom prst="ellipse">
-            <a:avLst/>
-          </a:prstGeom>
-        </p:spPr>
-        <p:style>
-          <a:lnRef idx="0">
-            <a:schemeClr val="accent5"/>
-          </a:lnRef>
-          <a:fillRef idx="3">
-            <a:schemeClr val="accent5"/>
-          </a:fillRef>
-          <a:effectRef idx="3">
-            <a:schemeClr val="accent5"/>
-          </a:effectRef>
-          <a:fontRef idx="minor">
-            <a:schemeClr val="lt1"/>
-          </a:fontRef>
-        </p:style>
-        <p:txBody>
-          <a:bodyPr rtlCol="0" anchor="ctr"/>
-          <a:lstStyle/>
-          <a:p>
-            <a:pPr algn="ctr"/>
-            <a:endParaRPr lang="en-US"/>
-          </a:p>
-        </p:txBody>
-      </p:sp>
-      <p:sp>
-        <p:nvSpPr>
-          <p:cNvPr id="19" name="Oval 18"/>
           <p:cNvSpPr/>
           <p:nvPr/>
         </p:nvSpPr>
@@ -11308,13 +11671,13 @@
       </p:sp>
       <p:sp>
         <p:nvSpPr>
-          <p:cNvPr id="20" name="Oval 19"/>
+          <p:cNvPr id="18" name="Oval 17"/>
           <p:cNvSpPr/>
           <p:nvPr/>
         </p:nvSpPr>
         <p:spPr>
           <a:xfrm>
-            <a:off x="4607859" y="4876800"/>
+            <a:off x="4419600" y="4876800"/>
             <a:ext cx="228600" cy="304800"/>
           </a:xfrm>
           <a:prstGeom prst="ellipse">
@@ -11346,13 +11709,13 @@
       </p:sp>
       <p:sp>
         <p:nvSpPr>
-          <p:cNvPr id="21" name="Oval 20"/>
+          <p:cNvPr id="19" name="Oval 18"/>
           <p:cNvSpPr/>
           <p:nvPr/>
         </p:nvSpPr>
         <p:spPr>
           <a:xfrm>
-            <a:off x="5410200" y="4876800"/>
+            <a:off x="5181600" y="4876800"/>
             <a:ext cx="228600" cy="304800"/>
           </a:xfrm>
           <a:prstGeom prst="ellipse">
@@ -11384,13 +11747,13 @@
       </p:sp>
       <p:sp>
         <p:nvSpPr>
-          <p:cNvPr id="22" name="Oval 21"/>
+          <p:cNvPr id="20" name="Oval 19"/>
           <p:cNvSpPr/>
           <p:nvPr/>
         </p:nvSpPr>
         <p:spPr>
           <a:xfrm>
-            <a:off x="6172200" y="4876800"/>
+            <a:off x="6131859" y="4876800"/>
             <a:ext cx="228600" cy="304800"/>
           </a:xfrm>
           <a:prstGeom prst="ellipse">
@@ -11422,13 +11785,13 @@
       </p:sp>
       <p:sp>
         <p:nvSpPr>
-          <p:cNvPr id="23" name="Oval 22"/>
+          <p:cNvPr id="21" name="Oval 20"/>
           <p:cNvSpPr/>
           <p:nvPr/>
         </p:nvSpPr>
         <p:spPr>
           <a:xfrm>
-            <a:off x="7086600" y="4876800"/>
+            <a:off x="6934200" y="4876800"/>
             <a:ext cx="228600" cy="304800"/>
           </a:xfrm>
           <a:prstGeom prst="ellipse">
@@ -11460,13 +11823,89 @@
       </p:sp>
       <p:sp>
         <p:nvSpPr>
+          <p:cNvPr id="22" name="Oval 21"/>
+          <p:cNvSpPr/>
+          <p:nvPr/>
+        </p:nvSpPr>
+        <p:spPr>
+          <a:xfrm>
+            <a:off x="7696200" y="4876800"/>
+            <a:ext cx="228600" cy="304800"/>
+          </a:xfrm>
+          <a:prstGeom prst="ellipse">
+            <a:avLst/>
+          </a:prstGeom>
+        </p:spPr>
+        <p:style>
+          <a:lnRef idx="0">
+            <a:schemeClr val="accent5"/>
+          </a:lnRef>
+          <a:fillRef idx="3">
+            <a:schemeClr val="accent5"/>
+          </a:fillRef>
+          <a:effectRef idx="3">
+            <a:schemeClr val="accent5"/>
+          </a:effectRef>
+          <a:fontRef idx="minor">
+            <a:schemeClr val="lt1"/>
+          </a:fontRef>
+        </p:style>
+        <p:txBody>
+          <a:bodyPr rtlCol="0" anchor="ctr"/>
+          <a:lstStyle/>
+          <a:p>
+            <a:pPr algn="ctr"/>
+            <a:endParaRPr lang="en-US"/>
+          </a:p>
+        </p:txBody>
+      </p:sp>
+      <p:sp>
+        <p:nvSpPr>
+          <p:cNvPr id="23" name="Oval 22"/>
+          <p:cNvSpPr/>
+          <p:nvPr/>
+        </p:nvSpPr>
+        <p:spPr>
+          <a:xfrm>
+            <a:off x="8610600" y="4876800"/>
+            <a:ext cx="228600" cy="304800"/>
+          </a:xfrm>
+          <a:prstGeom prst="ellipse">
+            <a:avLst/>
+          </a:prstGeom>
+        </p:spPr>
+        <p:style>
+          <a:lnRef idx="0">
+            <a:schemeClr val="accent5"/>
+          </a:lnRef>
+          <a:fillRef idx="3">
+            <a:schemeClr val="accent5"/>
+          </a:fillRef>
+          <a:effectRef idx="3">
+            <a:schemeClr val="accent5"/>
+          </a:effectRef>
+          <a:fontRef idx="minor">
+            <a:schemeClr val="lt1"/>
+          </a:fontRef>
+        </p:style>
+        <p:txBody>
+          <a:bodyPr rtlCol="0" anchor="ctr"/>
+          <a:lstStyle/>
+          <a:p>
+            <a:pPr algn="ctr"/>
+            <a:endParaRPr lang="en-US"/>
+          </a:p>
+        </p:txBody>
+      </p:sp>
+      <p:sp>
+        <p:nvSpPr>
           <p:cNvPr id="25" name="Octagon 24"/>
           <p:cNvSpPr/>
           <p:nvPr/>
         </p:nvSpPr>
         <p:spPr>
           <a:xfrm>
-            <a:off x="7696200" y="1981200"/>
+            <a:off x="9220200" y="1981200"/>
             <a:ext cx="228600" cy="304800"/>
           </a:xfrm>
           <a:prstGeom prst="octagon">
@@ -11504,7 +11943,7 @@
         </p:nvSpPr>
         <p:spPr>
           <a:xfrm>
-            <a:off x="6629400" y="3393141"/>
+            <a:off x="8153400" y="3393141"/>
             <a:ext cx="228600" cy="304800"/>
           </a:xfrm>
           <a:prstGeom prst="octagon">
@@ -11542,7 +11981,7 @@
         </p:nvSpPr>
         <p:spPr>
           <a:xfrm>
-            <a:off x="7696200" y="4863353"/>
+            <a:off x="9220200" y="4863353"/>
             <a:ext cx="228600" cy="304800"/>
           </a:xfrm>
           <a:prstGeom prst="octagon">
@@ -11580,7 +12019,7 @@
         </p:nvSpPr>
         <p:spPr>
           <a:xfrm>
-            <a:off x="4836459" y="1905000"/>
+            <a:off x="6360459" y="1905000"/>
             <a:ext cx="609600" cy="457200"/>
           </a:xfrm>
           <a:prstGeom prst="irregularSeal1">
@@ -11618,7 +12057,7 @@
         </p:nvSpPr>
         <p:spPr>
           <a:xfrm>
-            <a:off x="4856630" y="4800600"/>
+            <a:off x="6380630" y="4800600"/>
             <a:ext cx="609600" cy="457200"/>
           </a:xfrm>
           <a:prstGeom prst="irregularSeal1">
@@ -13549,8 +13988,8 @@
 </p:sld>
 </file>
 
-<file path=ppt/slides/slide11.xml><?xml version="1.0" encoding="utf-8"?>
-<p:sld xmlns:a="http://schemas.openxmlformats.org/drawingml/2006/main" xmlns:r="http://schemas.openxmlformats.org/officeDocument/2006/relationships" xmlns:p="http://schemas.openxmlformats.org/presentationml/2006/main">
+<file path=ppt/slides/slide13.xml><?xml version="1.0" encoding="utf-8"?>
+<p:sld xmlns:a="http://schemas.openxmlformats.org/drawingml/2006/main" xmlns:r="http://schemas.openxmlformats.org/officeDocument/2006/relationships" xmlns:p="http://schemas.openxmlformats.org/presentationml/2006/main" show="0">
   <p:cSld>
     <p:spTree>
       <p:nvGrpSpPr>
@@ -13582,10 +14021,9 @@
           <a:lstStyle/>
           <a:p>
             <a:r>
-              <a:rPr lang="en-US" dirty="0" smtClean="0"/>
+              <a:rPr lang="en-US" dirty="0"/>
               <a:t>Zip</a:t>
             </a:r>
-            <a:endParaRPr lang="en-US" dirty="0"/>
           </a:p>
         </p:txBody>
       </p:sp>
@@ -13597,7 +14035,7 @@
         </p:nvCxnSpPr>
         <p:spPr>
           <a:xfrm>
-            <a:off x="1066800" y="2133600"/>
+            <a:off x="2590800" y="2133600"/>
             <a:ext cx="7086600" cy="0"/>
           </a:xfrm>
           <a:prstGeom prst="line">
@@ -13627,7 +14065,7 @@
         </p:nvCxnSpPr>
         <p:spPr>
           <a:xfrm>
-            <a:off x="1066800" y="3505200"/>
+            <a:off x="2590800" y="3505200"/>
             <a:ext cx="7086600" cy="0"/>
           </a:xfrm>
           <a:prstGeom prst="line">
@@ -13657,7 +14095,7 @@
         </p:nvCxnSpPr>
         <p:spPr>
           <a:xfrm>
-            <a:off x="1066800" y="5029200"/>
+            <a:off x="2590800" y="5029200"/>
             <a:ext cx="7086600" cy="0"/>
           </a:xfrm>
           <a:prstGeom prst="line">
@@ -13687,7 +14125,7 @@
         </p:nvSpPr>
         <p:spPr>
           <a:xfrm>
-            <a:off x="1371600" y="1981200"/>
+            <a:off x="2895600" y="1981200"/>
             <a:ext cx="228600" cy="304800"/>
           </a:xfrm>
           <a:prstGeom prst="ellipse">
@@ -13725,7 +14163,7 @@
         </p:nvSpPr>
         <p:spPr>
           <a:xfrm>
-            <a:off x="2133600" y="3352800"/>
+            <a:off x="3657600" y="3352800"/>
             <a:ext cx="228600" cy="304800"/>
           </a:xfrm>
           <a:prstGeom prst="ellipse">
@@ -13766,7 +14204,7 @@
         </p:nvSpPr>
         <p:spPr>
           <a:xfrm>
-            <a:off x="2895600" y="3352800"/>
+            <a:off x="4419600" y="3352800"/>
             <a:ext cx="228600" cy="304800"/>
           </a:xfrm>
           <a:prstGeom prst="ellipse">
@@ -13807,7 +14245,7 @@
         </p:nvSpPr>
         <p:spPr>
           <a:xfrm>
-            <a:off x="3657600" y="1981200"/>
+            <a:off x="5181600" y="1981200"/>
             <a:ext cx="228600" cy="304800"/>
           </a:xfrm>
           <a:prstGeom prst="ellipse">
@@ -13845,7 +14283,7 @@
         </p:nvSpPr>
         <p:spPr>
           <a:xfrm>
-            <a:off x="4607859" y="3352800"/>
+            <a:off x="6131859" y="3352800"/>
             <a:ext cx="228600" cy="304800"/>
           </a:xfrm>
           <a:prstGeom prst="ellipse">
@@ -13886,7 +14324,7 @@
         </p:nvSpPr>
         <p:spPr>
           <a:xfrm>
-            <a:off x="5410200" y="3352800"/>
+            <a:off x="6934200" y="3352800"/>
             <a:ext cx="228600" cy="304800"/>
           </a:xfrm>
           <a:prstGeom prst="ellipse">
@@ -13927,7 +14365,7 @@
         </p:nvSpPr>
         <p:spPr>
           <a:xfrm>
-            <a:off x="6172200" y="3366247"/>
+            <a:off x="7696200" y="3366247"/>
             <a:ext cx="228600" cy="304800"/>
           </a:xfrm>
           <a:prstGeom prst="ellipse">
@@ -13968,7 +14406,7 @@
         </p:nvSpPr>
         <p:spPr>
           <a:xfrm>
-            <a:off x="7086600" y="1981200"/>
+            <a:off x="8610600" y="1981200"/>
             <a:ext cx="228600" cy="304800"/>
           </a:xfrm>
           <a:prstGeom prst="ellipse">
@@ -14001,47 +14439,6 @@
       <p:sp>
         <p:nvSpPr>
           <p:cNvPr id="17" name="Oval 16"/>
-          <p:cNvSpPr/>
-          <p:nvPr/>
-        </p:nvSpPr>
-        <p:spPr>
-          <a:xfrm>
-            <a:off x="2133600" y="4876800"/>
-            <a:ext cx="228600" cy="304800"/>
-          </a:xfrm>
-          <a:prstGeom prst="ellipse">
-            <a:avLst/>
-          </a:prstGeom>
-          <a:solidFill>
-            <a:srgbClr val="00B050"/>
-          </a:solidFill>
-        </p:spPr>
-        <p:style>
-          <a:lnRef idx="0">
-            <a:schemeClr val="accent3"/>
-          </a:lnRef>
-          <a:fillRef idx="3">
-            <a:schemeClr val="accent3"/>
-          </a:fillRef>
-          <a:effectRef idx="3">
-            <a:schemeClr val="accent3"/>
-          </a:effectRef>
-          <a:fontRef idx="minor">
-            <a:schemeClr val="lt1"/>
-          </a:fontRef>
-        </p:style>
-        <p:txBody>
-          <a:bodyPr rtlCol="0" anchor="ctr"/>
-          <a:lstStyle/>
-          <a:p>
-            <a:pPr algn="ctr"/>
-            <a:endParaRPr lang="en-US"/>
-          </a:p>
-        </p:txBody>
-      </p:sp>
-      <p:sp>
-        <p:nvSpPr>
-          <p:cNvPr id="19" name="Oval 18"/>
           <p:cNvSpPr/>
           <p:nvPr/>
         </p:nvSpPr>
@@ -14082,13 +14479,13 @@
       </p:sp>
       <p:sp>
         <p:nvSpPr>
-          <p:cNvPr id="23" name="Oval 22"/>
+          <p:cNvPr id="19" name="Oval 18"/>
           <p:cNvSpPr/>
           <p:nvPr/>
         </p:nvSpPr>
         <p:spPr>
           <a:xfrm>
-            <a:off x="7086600" y="4876800"/>
+            <a:off x="5181600" y="4876800"/>
             <a:ext cx="228600" cy="304800"/>
           </a:xfrm>
           <a:prstGeom prst="ellipse">
@@ -14121,6 +14518,47 @@
           </a:p>
         </p:txBody>
       </p:sp>
+      <p:sp>
+        <p:nvSpPr>
+          <p:cNvPr id="23" name="Oval 22"/>
+          <p:cNvSpPr/>
+          <p:nvPr/>
+        </p:nvSpPr>
+        <p:spPr>
+          <a:xfrm>
+            <a:off x="8610600" y="4876800"/>
+            <a:ext cx="228600" cy="304800"/>
+          </a:xfrm>
+          <a:prstGeom prst="ellipse">
+            <a:avLst/>
+          </a:prstGeom>
+          <a:solidFill>
+            <a:srgbClr val="00B050"/>
+          </a:solidFill>
+        </p:spPr>
+        <p:style>
+          <a:lnRef idx="0">
+            <a:schemeClr val="accent3"/>
+          </a:lnRef>
+          <a:fillRef idx="3">
+            <a:schemeClr val="accent3"/>
+          </a:fillRef>
+          <a:effectRef idx="3">
+            <a:schemeClr val="accent3"/>
+          </a:effectRef>
+          <a:fontRef idx="minor">
+            <a:schemeClr val="lt1"/>
+          </a:fontRef>
+        </p:style>
+        <p:txBody>
+          <a:bodyPr rtlCol="0" anchor="ctr"/>
+          <a:lstStyle/>
+          <a:p>
+            <a:pPr algn="ctr"/>
+            <a:endParaRPr lang="en-US"/>
+          </a:p>
+        </p:txBody>
+      </p:sp>
       <p:cxnSp>
         <p:nvCxnSpPr>
           <p:cNvPr id="4" name="Straight Connector 3"/>
@@ -14129,7 +14567,7 @@
         </p:nvCxnSpPr>
         <p:spPr>
           <a:xfrm>
-            <a:off x="1600200" y="2438400"/>
+            <a:off x="3124200" y="2438400"/>
             <a:ext cx="533400" cy="762000"/>
           </a:xfrm>
           <a:prstGeom prst="line">
@@ -14162,7 +14600,7 @@
         </p:nvCxnSpPr>
         <p:spPr>
           <a:xfrm flipH="1">
-            <a:off x="3124200" y="2438400"/>
+            <a:off x="4648200" y="2438400"/>
             <a:ext cx="533400" cy="815788"/>
           </a:xfrm>
           <a:prstGeom prst="line">
@@ -14195,7 +14633,7 @@
         </p:nvCxnSpPr>
         <p:spPr>
           <a:xfrm flipH="1">
-            <a:off x="4876800" y="2286000"/>
+            <a:off x="6400800" y="2286001"/>
             <a:ext cx="2057400" cy="1008529"/>
           </a:xfrm>
           <a:prstGeom prst="line">
@@ -14228,7 +14666,7 @@
         </p:nvCxnSpPr>
         <p:spPr>
           <a:xfrm>
-            <a:off x="2259106" y="3810000"/>
+            <a:off x="3783106" y="3810000"/>
             <a:ext cx="0" cy="990600"/>
           </a:xfrm>
           <a:prstGeom prst="line">
@@ -14261,7 +14699,7 @@
         </p:nvCxnSpPr>
         <p:spPr>
           <a:xfrm>
-            <a:off x="3771900" y="2438400"/>
+            <a:off x="5295901" y="2438400"/>
             <a:ext cx="31377" cy="2362200"/>
           </a:xfrm>
           <a:prstGeom prst="line">
@@ -14294,7 +14732,7 @@
         </p:nvCxnSpPr>
         <p:spPr>
           <a:xfrm>
-            <a:off x="7169523" y="2438400"/>
+            <a:off x="8693524" y="2438400"/>
             <a:ext cx="31377" cy="2362200"/>
           </a:xfrm>
           <a:prstGeom prst="line">
@@ -15826,8 +16264,8 @@
 </p:sld>
 </file>
 
-<file path=ppt/slides/slide12.xml><?xml version="1.0" encoding="utf-8"?>
-<p:sld xmlns:a="http://schemas.openxmlformats.org/drawingml/2006/main" xmlns:r="http://schemas.openxmlformats.org/officeDocument/2006/relationships" xmlns:p="http://schemas.openxmlformats.org/presentationml/2006/main">
+<file path=ppt/slides/slide14.xml><?xml version="1.0" encoding="utf-8"?>
+<p:sld xmlns:a="http://schemas.openxmlformats.org/drawingml/2006/main" xmlns:r="http://schemas.openxmlformats.org/officeDocument/2006/relationships" xmlns:p="http://schemas.openxmlformats.org/presentationml/2006/main" show="0">
   <p:cSld>
     <p:spTree>
       <p:nvGrpSpPr>
@@ -15859,10 +16297,9 @@
           <a:lstStyle/>
           <a:p>
             <a:r>
-              <a:rPr lang="en-US" dirty="0" smtClean="0"/>
+              <a:rPr lang="en-US" dirty="0"/>
               <a:t>Repeat</a:t>
             </a:r>
-            <a:endParaRPr lang="en-US" dirty="0"/>
           </a:p>
         </p:txBody>
       </p:sp>
@@ -15874,7 +16311,7 @@
         </p:nvCxnSpPr>
         <p:spPr>
           <a:xfrm>
-            <a:off x="1066800" y="2133600"/>
+            <a:off x="2590801" y="2133600"/>
             <a:ext cx="2075329" cy="0"/>
           </a:xfrm>
           <a:prstGeom prst="line">
@@ -15904,7 +16341,7 @@
         </p:nvCxnSpPr>
         <p:spPr>
           <a:xfrm>
-            <a:off x="3142129" y="3254189"/>
+            <a:off x="4666130" y="3254189"/>
             <a:ext cx="2382371" cy="0"/>
           </a:xfrm>
           <a:prstGeom prst="line">
@@ -15934,7 +16371,7 @@
         </p:nvCxnSpPr>
         <p:spPr>
           <a:xfrm>
-            <a:off x="1066800" y="5029200"/>
+            <a:off x="2590800" y="5029200"/>
             <a:ext cx="7086600" cy="0"/>
           </a:xfrm>
           <a:prstGeom prst="line">
@@ -15964,7 +16401,7 @@
         </p:nvSpPr>
         <p:spPr>
           <a:xfrm>
-            <a:off x="1371600" y="1981200"/>
+            <a:off x="2895600" y="1981200"/>
             <a:ext cx="228600" cy="304800"/>
           </a:xfrm>
           <a:prstGeom prst="ellipse">
@@ -16002,7 +16439,7 @@
         </p:nvSpPr>
         <p:spPr>
           <a:xfrm>
-            <a:off x="2133600" y="2003612"/>
+            <a:off x="3657600" y="2003612"/>
             <a:ext cx="228600" cy="304800"/>
           </a:xfrm>
           <a:prstGeom prst="ellipse">
@@ -16040,7 +16477,7 @@
         </p:nvSpPr>
         <p:spPr>
           <a:xfrm>
-            <a:off x="3657600" y="3101789"/>
+            <a:off x="5181600" y="3101789"/>
             <a:ext cx="228600" cy="304800"/>
           </a:xfrm>
           <a:prstGeom prst="ellipse">
@@ -16078,7 +16515,7 @@
         </p:nvSpPr>
         <p:spPr>
           <a:xfrm>
-            <a:off x="4607859" y="3101789"/>
+            <a:off x="6131859" y="3101789"/>
             <a:ext cx="228600" cy="304800"/>
           </a:xfrm>
           <a:prstGeom prst="ellipse">
@@ -16116,7 +16553,7 @@
         </p:nvSpPr>
         <p:spPr>
           <a:xfrm>
-            <a:off x="6172200" y="4114800"/>
+            <a:off x="7696200" y="4114800"/>
             <a:ext cx="228600" cy="304800"/>
           </a:xfrm>
           <a:prstGeom prst="ellipse">
@@ -16154,7 +16591,7 @@
         </p:nvSpPr>
         <p:spPr>
           <a:xfrm>
-            <a:off x="7066429" y="4114800"/>
+            <a:off x="8590429" y="4114800"/>
             <a:ext cx="228600" cy="304800"/>
           </a:xfrm>
           <a:prstGeom prst="ellipse">
@@ -16192,7 +16629,7 @@
         </p:nvSpPr>
         <p:spPr>
           <a:xfrm>
-            <a:off x="1358153" y="4876800"/>
+            <a:off x="2882153" y="4876800"/>
             <a:ext cx="228600" cy="304800"/>
           </a:xfrm>
           <a:prstGeom prst="ellipse">
@@ -16225,44 +16662,6 @@
       <p:sp>
         <p:nvSpPr>
           <p:cNvPr id="16" name="Oval 15"/>
-          <p:cNvSpPr/>
-          <p:nvPr/>
-        </p:nvSpPr>
-        <p:spPr>
-          <a:xfrm>
-            <a:off x="2133600" y="4876800"/>
-            <a:ext cx="228600" cy="304800"/>
-          </a:xfrm>
-          <a:prstGeom prst="ellipse">
-            <a:avLst/>
-          </a:prstGeom>
-        </p:spPr>
-        <p:style>
-          <a:lnRef idx="0">
-            <a:schemeClr val="accent5"/>
-          </a:lnRef>
-          <a:fillRef idx="3">
-            <a:schemeClr val="accent5"/>
-          </a:fillRef>
-          <a:effectRef idx="3">
-            <a:schemeClr val="accent5"/>
-          </a:effectRef>
-          <a:fontRef idx="minor">
-            <a:schemeClr val="lt1"/>
-          </a:fontRef>
-        </p:style>
-        <p:txBody>
-          <a:bodyPr rtlCol="0" anchor="ctr"/>
-          <a:lstStyle/>
-          <a:p>
-            <a:pPr algn="ctr"/>
-            <a:endParaRPr lang="en-US"/>
-          </a:p>
-        </p:txBody>
-      </p:sp>
-      <p:sp>
-        <p:nvSpPr>
-          <p:cNvPr id="18" name="Oval 17"/>
           <p:cNvSpPr/>
           <p:nvPr/>
         </p:nvSpPr>
@@ -16300,13 +16699,13 @@
       </p:sp>
       <p:sp>
         <p:nvSpPr>
-          <p:cNvPr id="19" name="Oval 18"/>
+          <p:cNvPr id="18" name="Oval 17"/>
           <p:cNvSpPr/>
           <p:nvPr/>
         </p:nvSpPr>
         <p:spPr>
           <a:xfrm>
-            <a:off x="4607859" y="4876800"/>
+            <a:off x="5181600" y="4876800"/>
             <a:ext cx="228600" cy="304800"/>
           </a:xfrm>
           <a:prstGeom prst="ellipse">
@@ -16338,13 +16737,13 @@
       </p:sp>
       <p:sp>
         <p:nvSpPr>
-          <p:cNvPr id="21" name="Oval 20"/>
+          <p:cNvPr id="19" name="Oval 18"/>
           <p:cNvSpPr/>
           <p:nvPr/>
         </p:nvSpPr>
         <p:spPr>
           <a:xfrm>
-            <a:off x="6172200" y="4876800"/>
+            <a:off x="6131859" y="4876800"/>
             <a:ext cx="228600" cy="304800"/>
           </a:xfrm>
           <a:prstGeom prst="ellipse">
@@ -16376,13 +16775,13 @@
       </p:sp>
       <p:sp>
         <p:nvSpPr>
-          <p:cNvPr id="22" name="Oval 21"/>
+          <p:cNvPr id="21" name="Oval 20"/>
           <p:cNvSpPr/>
           <p:nvPr/>
         </p:nvSpPr>
         <p:spPr>
           <a:xfrm>
-            <a:off x="7086600" y="4876800"/>
+            <a:off x="7696200" y="4876800"/>
             <a:ext cx="228600" cy="304800"/>
           </a:xfrm>
           <a:prstGeom prst="ellipse">
@@ -16414,13 +16813,51 @@
       </p:sp>
       <p:sp>
         <p:nvSpPr>
+          <p:cNvPr id="22" name="Oval 21"/>
+          <p:cNvSpPr/>
+          <p:nvPr/>
+        </p:nvSpPr>
+        <p:spPr>
+          <a:xfrm>
+            <a:off x="8610600" y="4876800"/>
+            <a:ext cx="228600" cy="304800"/>
+          </a:xfrm>
+          <a:prstGeom prst="ellipse">
+            <a:avLst/>
+          </a:prstGeom>
+        </p:spPr>
+        <p:style>
+          <a:lnRef idx="0">
+            <a:schemeClr val="accent5"/>
+          </a:lnRef>
+          <a:fillRef idx="3">
+            <a:schemeClr val="accent5"/>
+          </a:fillRef>
+          <a:effectRef idx="3">
+            <a:schemeClr val="accent5"/>
+          </a:effectRef>
+          <a:fontRef idx="minor">
+            <a:schemeClr val="lt1"/>
+          </a:fontRef>
+        </p:style>
+        <p:txBody>
+          <a:bodyPr rtlCol="0" anchor="ctr"/>
+          <a:lstStyle/>
+          <a:p>
+            <a:pPr algn="ctr"/>
+            <a:endParaRPr lang="en-US"/>
+          </a:p>
+        </p:txBody>
+      </p:sp>
+      <p:sp>
+        <p:nvSpPr>
           <p:cNvPr id="23" name="Octagon 22"/>
           <p:cNvSpPr/>
           <p:nvPr/>
         </p:nvSpPr>
         <p:spPr>
           <a:xfrm>
-            <a:off x="5394512" y="3101789"/>
+            <a:off x="6918512" y="3101789"/>
             <a:ext cx="228600" cy="304800"/>
           </a:xfrm>
           <a:prstGeom prst="octagon">
@@ -16458,7 +16895,7 @@
         </p:nvSpPr>
         <p:spPr>
           <a:xfrm>
-            <a:off x="2875429" y="1963270"/>
+            <a:off x="4399429" y="1963270"/>
             <a:ext cx="228600" cy="304800"/>
           </a:xfrm>
           <a:prstGeom prst="octagon">
@@ -16496,7 +16933,7 @@
         </p:nvSpPr>
         <p:spPr>
           <a:xfrm>
-            <a:off x="7696200" y="4863353"/>
+            <a:off x="9220200" y="4863353"/>
             <a:ext cx="228600" cy="304800"/>
           </a:xfrm>
           <a:prstGeom prst="octagon">
@@ -16534,7 +16971,7 @@
         </p:nvSpPr>
         <p:spPr>
           <a:xfrm>
-            <a:off x="4827494" y="3043518"/>
+            <a:off x="6351494" y="3043518"/>
             <a:ext cx="609600" cy="457200"/>
           </a:xfrm>
           <a:prstGeom prst="irregularSeal1">
@@ -16572,7 +17009,7 @@
         </p:nvSpPr>
         <p:spPr>
           <a:xfrm>
-            <a:off x="4856630" y="4800600"/>
+            <a:off x="6380630" y="4800600"/>
             <a:ext cx="609600" cy="457200"/>
           </a:xfrm>
           <a:prstGeom prst="irregularSeal1">
@@ -16610,7 +17047,7 @@
         </p:nvSpPr>
         <p:spPr>
           <a:xfrm>
-            <a:off x="7700682" y="4114800"/>
+            <a:off x="9224682" y="4114800"/>
             <a:ext cx="228600" cy="304800"/>
           </a:xfrm>
           <a:prstGeom prst="octagon">
@@ -16648,7 +17085,7 @@
         </p:nvCxnSpPr>
         <p:spPr>
           <a:xfrm>
-            <a:off x="5508812" y="4267200"/>
+            <a:off x="7032812" y="4267200"/>
             <a:ext cx="2420470" cy="0"/>
           </a:xfrm>
           <a:prstGeom prst="line">
@@ -16680,7 +17117,7 @@
         </p:nvCxnSpPr>
         <p:spPr>
           <a:xfrm>
-            <a:off x="3104029" y="2201115"/>
+            <a:off x="4628029" y="2201116"/>
             <a:ext cx="0" cy="1071003"/>
           </a:xfrm>
           <a:prstGeom prst="line">
@@ -16713,7 +17150,7 @@
         </p:nvCxnSpPr>
         <p:spPr>
           <a:xfrm>
-            <a:off x="5524500" y="3196197"/>
+            <a:off x="7048500" y="3196198"/>
             <a:ext cx="0" cy="1071003"/>
           </a:xfrm>
           <a:prstGeom prst="line">
@@ -18626,8 +19063,8 @@
 </p:sld>
 </file>
 
-<file path=ppt/slides/slide13.xml><?xml version="1.0" encoding="utf-8"?>
-<p:sld xmlns:a="http://schemas.openxmlformats.org/drawingml/2006/main" xmlns:r="http://schemas.openxmlformats.org/officeDocument/2006/relationships" xmlns:p="http://schemas.openxmlformats.org/presentationml/2006/main">
+<file path=ppt/slides/slide15.xml><?xml version="1.0" encoding="utf-8"?>
+<p:sld xmlns:a="http://schemas.openxmlformats.org/drawingml/2006/main" xmlns:r="http://schemas.openxmlformats.org/officeDocument/2006/relationships" xmlns:p="http://schemas.openxmlformats.org/presentationml/2006/main" show="0">
   <p:cSld>
     <p:spTree>
       <p:nvGrpSpPr>
@@ -18656,23 +19093,22 @@
         <p:spPr/>
         <p:txBody>
           <a:bodyPr>
-            <a:normAutofit fontScale="90000"/>
+            <a:normAutofit/>
           </a:bodyPr>
           <a:lstStyle/>
           <a:p>
             <a:r>
-              <a:rPr lang="en-US" dirty="0" smtClean="0"/>
+              <a:rPr lang="en-US" dirty="0"/>
               <a:t>IO&lt;T&gt; </a:t>
             </a:r>
             <a:r>
-              <a:rPr lang="en-US" dirty="0" err="1" smtClean="0"/>
+              <a:rPr lang="en-US" dirty="0" err="1"/>
               <a:t>TakeUntil</a:t>
             </a:r>
             <a:r>
-              <a:rPr lang="en-US" dirty="0" smtClean="0"/>
+              <a:rPr lang="en-US" dirty="0"/>
               <a:t>(IO&lt;T&gt; source, IO&lt;U&gt; until)</a:t>
             </a:r>
-            <a:endParaRPr lang="en-US" dirty="0"/>
           </a:p>
         </p:txBody>
       </p:sp>
@@ -18684,7 +19120,7 @@
         </p:nvCxnSpPr>
         <p:spPr>
           <a:xfrm>
-            <a:off x="1066800" y="2133600"/>
+            <a:off x="2590800" y="2133600"/>
             <a:ext cx="7086600" cy="0"/>
           </a:xfrm>
           <a:prstGeom prst="line">
@@ -18714,7 +19150,7 @@
         </p:nvCxnSpPr>
         <p:spPr>
           <a:xfrm>
-            <a:off x="1066800" y="3505200"/>
+            <a:off x="2590800" y="3505200"/>
             <a:ext cx="7086600" cy="0"/>
           </a:xfrm>
           <a:prstGeom prst="line">
@@ -18744,7 +19180,7 @@
         </p:nvCxnSpPr>
         <p:spPr>
           <a:xfrm>
-            <a:off x="1066800" y="5029200"/>
+            <a:off x="2590800" y="5029200"/>
             <a:ext cx="7086600" cy="0"/>
           </a:xfrm>
           <a:prstGeom prst="line">
@@ -18774,7 +19210,7 @@
         </p:nvSpPr>
         <p:spPr>
           <a:xfrm>
-            <a:off x="1371600" y="1981200"/>
+            <a:off x="2895600" y="1981200"/>
             <a:ext cx="228600" cy="304800"/>
           </a:xfrm>
           <a:prstGeom prst="ellipse">
@@ -18812,7 +19248,7 @@
         </p:nvSpPr>
         <p:spPr>
           <a:xfrm>
-            <a:off x="2133600" y="1990165"/>
+            <a:off x="3657600" y="1990165"/>
             <a:ext cx="228600" cy="304800"/>
           </a:xfrm>
           <a:prstGeom prst="ellipse">
@@ -18850,7 +19286,7 @@
         </p:nvSpPr>
         <p:spPr>
           <a:xfrm>
-            <a:off x="2895600" y="1976718"/>
+            <a:off x="4419600" y="1976718"/>
             <a:ext cx="228600" cy="304800"/>
           </a:xfrm>
           <a:prstGeom prst="ellipse">
@@ -18888,7 +19324,7 @@
         </p:nvSpPr>
         <p:spPr>
           <a:xfrm>
-            <a:off x="3657600" y="1981200"/>
+            <a:off x="5181600" y="1981200"/>
             <a:ext cx="228600" cy="304800"/>
           </a:xfrm>
           <a:prstGeom prst="ellipse">
@@ -18926,7 +19362,7 @@
         </p:nvSpPr>
         <p:spPr>
           <a:xfrm>
-            <a:off x="4607859" y="3352800"/>
+            <a:off x="6131859" y="3352800"/>
             <a:ext cx="228600" cy="304800"/>
           </a:xfrm>
           <a:prstGeom prst="ellipse">
@@ -18964,7 +19400,7 @@
         </p:nvSpPr>
         <p:spPr>
           <a:xfrm>
-            <a:off x="5410200" y="3352800"/>
+            <a:off x="6934200" y="3352800"/>
             <a:ext cx="228600" cy="304800"/>
           </a:xfrm>
           <a:prstGeom prst="ellipse">
@@ -19002,7 +19438,7 @@
         </p:nvSpPr>
         <p:spPr>
           <a:xfrm>
-            <a:off x="6172200" y="3366247"/>
+            <a:off x="7696200" y="3366247"/>
             <a:ext cx="228600" cy="304800"/>
           </a:xfrm>
           <a:prstGeom prst="ellipse">
@@ -19040,7 +19476,7 @@
         </p:nvSpPr>
         <p:spPr>
           <a:xfrm>
-            <a:off x="7086600" y="1981200"/>
+            <a:off x="8610600" y="1981200"/>
             <a:ext cx="228600" cy="304800"/>
           </a:xfrm>
           <a:prstGeom prst="ellipse">
@@ -19078,7 +19514,7 @@
         </p:nvSpPr>
         <p:spPr>
           <a:xfrm>
-            <a:off x="1358153" y="4876800"/>
+            <a:off x="2882153" y="4876800"/>
             <a:ext cx="228600" cy="304800"/>
           </a:xfrm>
           <a:prstGeom prst="ellipse">
@@ -19111,82 +19547,6 @@
       <p:sp>
         <p:nvSpPr>
           <p:cNvPr id="17" name="Oval 16"/>
-          <p:cNvSpPr/>
-          <p:nvPr/>
-        </p:nvSpPr>
-        <p:spPr>
-          <a:xfrm>
-            <a:off x="2133600" y="4876800"/>
-            <a:ext cx="228600" cy="304800"/>
-          </a:xfrm>
-          <a:prstGeom prst="ellipse">
-            <a:avLst/>
-          </a:prstGeom>
-        </p:spPr>
-        <p:style>
-          <a:lnRef idx="0">
-            <a:schemeClr val="accent5"/>
-          </a:lnRef>
-          <a:fillRef idx="3">
-            <a:schemeClr val="accent5"/>
-          </a:fillRef>
-          <a:effectRef idx="3">
-            <a:schemeClr val="accent5"/>
-          </a:effectRef>
-          <a:fontRef idx="minor">
-            <a:schemeClr val="lt1"/>
-          </a:fontRef>
-        </p:style>
-        <p:txBody>
-          <a:bodyPr rtlCol="0" anchor="ctr"/>
-          <a:lstStyle/>
-          <a:p>
-            <a:pPr algn="ctr"/>
-            <a:endParaRPr lang="en-US"/>
-          </a:p>
-        </p:txBody>
-      </p:sp>
-      <p:sp>
-        <p:nvSpPr>
-          <p:cNvPr id="18" name="Oval 17"/>
-          <p:cNvSpPr/>
-          <p:nvPr/>
-        </p:nvSpPr>
-        <p:spPr>
-          <a:xfrm>
-            <a:off x="2895600" y="4876800"/>
-            <a:ext cx="228600" cy="304800"/>
-          </a:xfrm>
-          <a:prstGeom prst="ellipse">
-            <a:avLst/>
-          </a:prstGeom>
-        </p:spPr>
-        <p:style>
-          <a:lnRef idx="0">
-            <a:schemeClr val="accent5"/>
-          </a:lnRef>
-          <a:fillRef idx="3">
-            <a:schemeClr val="accent5"/>
-          </a:fillRef>
-          <a:effectRef idx="3">
-            <a:schemeClr val="accent5"/>
-          </a:effectRef>
-          <a:fontRef idx="minor">
-            <a:schemeClr val="lt1"/>
-          </a:fontRef>
-        </p:style>
-        <p:txBody>
-          <a:bodyPr rtlCol="0" anchor="ctr"/>
-          <a:lstStyle/>
-          <a:p>
-            <a:pPr algn="ctr"/>
-            <a:endParaRPr lang="en-US"/>
-          </a:p>
-        </p:txBody>
-      </p:sp>
-      <p:sp>
-        <p:nvSpPr>
-          <p:cNvPr id="19" name="Oval 18"/>
           <p:cNvSpPr/>
           <p:nvPr/>
         </p:nvSpPr>
@@ -19224,13 +19584,89 @@
       </p:sp>
       <p:sp>
         <p:nvSpPr>
+          <p:cNvPr id="18" name="Oval 17"/>
+          <p:cNvSpPr/>
+          <p:nvPr/>
+        </p:nvSpPr>
+        <p:spPr>
+          <a:xfrm>
+            <a:off x="4419600" y="4876800"/>
+            <a:ext cx="228600" cy="304800"/>
+          </a:xfrm>
+          <a:prstGeom prst="ellipse">
+            <a:avLst/>
+          </a:prstGeom>
+        </p:spPr>
+        <p:style>
+          <a:lnRef idx="0">
+            <a:schemeClr val="accent5"/>
+          </a:lnRef>
+          <a:fillRef idx="3">
+            <a:schemeClr val="accent5"/>
+          </a:fillRef>
+          <a:effectRef idx="3">
+            <a:schemeClr val="accent5"/>
+          </a:effectRef>
+          <a:fontRef idx="minor">
+            <a:schemeClr val="lt1"/>
+          </a:fontRef>
+        </p:style>
+        <p:txBody>
+          <a:bodyPr rtlCol="0" anchor="ctr"/>
+          <a:lstStyle/>
+          <a:p>
+            <a:pPr algn="ctr"/>
+            <a:endParaRPr lang="en-US"/>
+          </a:p>
+        </p:txBody>
+      </p:sp>
+      <p:sp>
+        <p:nvSpPr>
+          <p:cNvPr id="19" name="Oval 18"/>
+          <p:cNvSpPr/>
+          <p:nvPr/>
+        </p:nvSpPr>
+        <p:spPr>
+          <a:xfrm>
+            <a:off x="5181600" y="4876800"/>
+            <a:ext cx="228600" cy="304800"/>
+          </a:xfrm>
+          <a:prstGeom prst="ellipse">
+            <a:avLst/>
+          </a:prstGeom>
+        </p:spPr>
+        <p:style>
+          <a:lnRef idx="0">
+            <a:schemeClr val="accent5"/>
+          </a:lnRef>
+          <a:fillRef idx="3">
+            <a:schemeClr val="accent5"/>
+          </a:fillRef>
+          <a:effectRef idx="3">
+            <a:schemeClr val="accent5"/>
+          </a:effectRef>
+          <a:fontRef idx="minor">
+            <a:schemeClr val="lt1"/>
+          </a:fontRef>
+        </p:style>
+        <p:txBody>
+          <a:bodyPr rtlCol="0" anchor="ctr"/>
+          <a:lstStyle/>
+          <a:p>
+            <a:pPr algn="ctr"/>
+            <a:endParaRPr lang="en-US"/>
+          </a:p>
+        </p:txBody>
+      </p:sp>
+      <p:sp>
+        <p:nvSpPr>
           <p:cNvPr id="25" name="Octagon 24"/>
           <p:cNvSpPr/>
           <p:nvPr/>
         </p:nvSpPr>
         <p:spPr>
           <a:xfrm>
-            <a:off x="7696200" y="1981200"/>
+            <a:off x="9220200" y="1981200"/>
             <a:ext cx="228600" cy="304800"/>
           </a:xfrm>
           <a:prstGeom prst="octagon">
@@ -19268,7 +19704,7 @@
         </p:nvSpPr>
         <p:spPr>
           <a:xfrm>
-            <a:off x="6629400" y="3393141"/>
+            <a:off x="8153400" y="3393141"/>
             <a:ext cx="228600" cy="304800"/>
           </a:xfrm>
           <a:prstGeom prst="octagon">
@@ -19306,7 +19742,7 @@
         </p:nvSpPr>
         <p:spPr>
           <a:xfrm>
-            <a:off x="4612342" y="4876800"/>
+            <a:off x="6136342" y="4876800"/>
             <a:ext cx="228600" cy="304800"/>
           </a:xfrm>
           <a:prstGeom prst="octagon">
@@ -19344,7 +19780,7 @@
         </p:nvSpPr>
         <p:spPr>
           <a:xfrm>
-            <a:off x="4421842" y="3729318"/>
+            <a:off x="5945842" y="3729318"/>
             <a:ext cx="609600" cy="457200"/>
           </a:xfrm>
           <a:prstGeom prst="irregularSeal1">
@@ -19382,7 +19818,7 @@
         </p:nvSpPr>
         <p:spPr>
           <a:xfrm>
-            <a:off x="4417359" y="5334000"/>
+            <a:off x="5941359" y="5334000"/>
             <a:ext cx="609600" cy="457200"/>
           </a:xfrm>
           <a:prstGeom prst="irregularSeal1">
@@ -19420,8 +19856,8 @@
         </p:nvSpPr>
         <p:spPr>
           <a:xfrm>
-            <a:off x="143149" y="1898285"/>
-            <a:ext cx="923651" cy="461665"/>
+            <a:off x="1667150" y="1898286"/>
+            <a:ext cx="1034257" cy="461665"/>
           </a:xfrm>
           <a:prstGeom prst="rect">
             <a:avLst/>
@@ -19435,10 +19871,9 @@
           <a:lstStyle/>
           <a:p>
             <a:r>
-              <a:rPr lang="en-US" sz="2400" dirty="0" smtClean="0"/>
+              <a:rPr lang="en-US" sz="2400" dirty="0"/>
               <a:t>IO&lt;T&gt;</a:t>
             </a:r>
-            <a:endParaRPr lang="en-US" sz="2400" dirty="0"/>
           </a:p>
         </p:txBody>
       </p:sp>
@@ -19450,8 +19885,8 @@
         </p:nvSpPr>
         <p:spPr>
           <a:xfrm>
-            <a:off x="143149" y="3274367"/>
-            <a:ext cx="970137" cy="461665"/>
+            <a:off x="1667149" y="3274368"/>
+            <a:ext cx="1085554" cy="461665"/>
           </a:xfrm>
           <a:prstGeom prst="rect">
             <a:avLst/>
@@ -19465,10 +19900,9 @@
           <a:lstStyle/>
           <a:p>
             <a:r>
-              <a:rPr lang="en-US" sz="2400" dirty="0" smtClean="0"/>
+              <a:rPr lang="en-US" sz="2400" dirty="0"/>
               <a:t>IO&lt;U&gt;</a:t>
             </a:r>
-            <a:endParaRPr lang="en-US" sz="2400" dirty="0"/>
           </a:p>
         </p:txBody>
       </p:sp>
@@ -19480,8 +19914,8 @@
         </p:nvSpPr>
         <p:spPr>
           <a:xfrm>
-            <a:off x="143148" y="4798367"/>
-            <a:ext cx="923651" cy="461665"/>
+            <a:off x="1667149" y="4798368"/>
+            <a:ext cx="1034257" cy="461665"/>
           </a:xfrm>
           <a:prstGeom prst="rect">
             <a:avLst/>
@@ -19495,10 +19929,9 @@
           <a:lstStyle/>
           <a:p>
             <a:r>
-              <a:rPr lang="en-US" sz="2400" dirty="0" smtClean="0"/>
+              <a:rPr lang="en-US" sz="2400" dirty="0"/>
               <a:t>IO&lt;T&gt;</a:t>
             </a:r>
-            <a:endParaRPr lang="en-US" sz="2400" dirty="0"/>
           </a:p>
         </p:txBody>
       </p:sp>
@@ -21009,123 +21442,7 @@
 </p:sld>
 </file>
 
-<file path=ppt/slides/slide14.xml><?xml version="1.0" encoding="utf-8"?>
-<p:sld xmlns:a="http://schemas.openxmlformats.org/drawingml/2006/main" xmlns:r="http://schemas.openxmlformats.org/officeDocument/2006/relationships" xmlns:p="http://schemas.openxmlformats.org/presentationml/2006/main">
-  <p:cSld>
-    <p:spTree>
-      <p:nvGrpSpPr>
-        <p:cNvPr id="1" name=""/>
-        <p:cNvGrpSpPr/>
-        <p:nvPr/>
-      </p:nvGrpSpPr>
-      <p:grpSpPr>
-        <a:xfrm>
-          <a:off x="0" y="0"/>
-          <a:ext cx="0" cy="0"/>
-          <a:chOff x="0" y="0"/>
-          <a:chExt cx="0" cy="0"/>
-        </a:xfrm>
-      </p:grpSpPr>
-      <p:sp>
-        <p:nvSpPr>
-          <p:cNvPr id="2" name="Title 1"/>
-          <p:cNvSpPr>
-            <a:spLocks noGrp="1"/>
-          </p:cNvSpPr>
-          <p:nvPr>
-            <p:ph type="title"/>
-          </p:nvPr>
-        </p:nvSpPr>
-        <p:spPr/>
-        <p:txBody>
-          <a:bodyPr/>
-          <a:lstStyle/>
-          <a:p>
-            <a:r>
-              <a:rPr lang="en-US" dirty="0" smtClean="0"/>
-              <a:t>Observable Events</a:t>
-            </a:r>
-            <a:endParaRPr lang="en-US" dirty="0"/>
-          </a:p>
-        </p:txBody>
-      </p:sp>
-      <p:sp>
-        <p:nvSpPr>
-          <p:cNvPr id="3" name="Content Placeholder 2"/>
-          <p:cNvSpPr>
-            <a:spLocks noGrp="1"/>
-          </p:cNvSpPr>
-          <p:nvPr>
-            <p:ph idx="1"/>
-          </p:nvPr>
-        </p:nvSpPr>
-        <p:spPr>
-          <a:xfrm>
-            <a:off x="389436" y="1447800"/>
-            <a:ext cx="8363938" cy="2068259"/>
-          </a:xfrm>
-        </p:spPr>
-        <p:txBody>
-          <a:bodyPr>
-            <a:noAutofit/>
-          </a:bodyPr>
-          <a:lstStyle/>
-          <a:p>
-            <a:r>
-              <a:rPr lang="en-US" sz="3600" dirty="0" smtClean="0"/>
-              <a:t>First Class Objects</a:t>
-            </a:r>
-          </a:p>
-          <a:p>
-            <a:r>
-              <a:rPr lang="en-US" sz="3600" dirty="0" smtClean="0"/>
-              <a:t>Disposable</a:t>
-            </a:r>
-          </a:p>
-          <a:p>
-            <a:r>
-              <a:rPr lang="en-US" sz="3600" dirty="0" smtClean="0"/>
-              <a:t>Supports DI/IOC</a:t>
-            </a:r>
-          </a:p>
-          <a:p>
-            <a:r>
-              <a:rPr lang="en-US" sz="3600" dirty="0" err="1" smtClean="0"/>
-              <a:t>Mockable</a:t>
-            </a:r>
-            <a:endParaRPr lang="en-US" sz="3600" dirty="0"/>
-          </a:p>
-        </p:txBody>
-      </p:sp>
-    </p:spTree>
-    <p:extLst>
-      <p:ext uri="{BB962C8B-B14F-4D97-AF65-F5344CB8AC3E}">
-        <p14:creationId xmlns:p14="http://schemas.microsoft.com/office/powerpoint/2010/main" val="91682408"/>
-      </p:ext>
-    </p:extLst>
-  </p:cSld>
-  <p:clrMapOvr>
-    <a:masterClrMapping/>
-  </p:clrMapOvr>
-  <mc:AlternateContent xmlns:mc="http://schemas.openxmlformats.org/markup-compatibility/2006" xmlns:p14="http://schemas.microsoft.com/office/powerpoint/2010/main">
-    <mc:Choice Requires="p14">
-      <p:transition spd="slow" p14:dur="2000"/>
-    </mc:Choice>
-    <mc:Fallback xmlns="">
-      <p:transition spd="slow"/>
-    </mc:Fallback>
-  </mc:AlternateContent>
-  <p:timing>
-    <p:tnLst>
-      <p:par>
-        <p:cTn id="1" dur="indefinite" restart="never" nodeType="tmRoot"/>
-      </p:par>
-    </p:tnLst>
-  </p:timing>
-</p:sld>
-</file>
-
-<file path=ppt/slides/slide15.xml><?xml version="1.0" encoding="utf-8"?>
+<file path=ppt/slides/slide16.xml><?xml version="1.0" encoding="utf-8"?>
 <p:sld xmlns:a="http://schemas.openxmlformats.org/drawingml/2006/main" xmlns:r="http://schemas.openxmlformats.org/officeDocument/2006/relationships" xmlns:p="http://schemas.openxmlformats.org/presentationml/2006/main">
   <p:cSld>
     <p:spTree>
@@ -21160,7 +21477,7 @@
           <a:lstStyle/>
           <a:p>
             <a:r>
-              <a:rPr lang="en-US" smtClean="0"/>
+              <a:rPr lang="en-US"/>
               <a:t>demo </a:t>
             </a:r>
             <a:endParaRPr lang="en-US" dirty="0"/>
@@ -21183,42 +21500,197 @@
           <a:lstStyle/>
           <a:p>
             <a:r>
-              <a:rPr lang="en-US" dirty="0" smtClean="0"/>
-              <a:t>Composing with Events</a:t>
+              <a:rPr lang="en-US" dirty="0"/>
+              <a:t>Putting it all together</a:t>
             </a:r>
-            <a:endParaRPr lang="en-US" dirty="0"/>
           </a:p>
         </p:txBody>
       </p:sp>
     </p:spTree>
     <p:extLst>
       <p:ext uri="{BB962C8B-B14F-4D97-AF65-F5344CB8AC3E}">
-        <p14:creationId xmlns:p14="http://schemas.microsoft.com/office/powerpoint/2010/main" val="3660652543"/>
+        <p14:creationId xmlns:p14="http://schemas.microsoft.com/office/powerpoint/2010/main" val="33279833"/>
       </p:ext>
     </p:extLst>
   </p:cSld>
   <p:clrMapOvr>
     <a:masterClrMapping/>
   </p:clrMapOvr>
-  <mc:AlternateContent xmlns:mc="http://schemas.openxmlformats.org/markup-compatibility/2006" xmlns:p14="http://schemas.microsoft.com/office/powerpoint/2010/main">
-    <mc:Choice Requires="p14">
-      <p:transition spd="slow" p14:dur="2000"/>
-    </mc:Choice>
-    <mc:Fallback xmlns="">
-      <p:transition spd="slow"/>
-    </mc:Fallback>
-  </mc:AlternateContent>
-  <p:timing>
-    <p:tnLst>
-      <p:par>
-        <p:cTn id="1" dur="indefinite" restart="never" nodeType="tmRoot"/>
-      </p:par>
-    </p:tnLst>
-  </p:timing>
 </p:sld>
 </file>
 
-<file path=ppt/slides/slide16.xml><?xml version="1.0" encoding="utf-8"?>
+<file path=ppt/slides/slide17.xml><?xml version="1.0" encoding="utf-8"?>
+<p:sld xmlns:a="http://schemas.openxmlformats.org/drawingml/2006/main" xmlns:r="http://schemas.openxmlformats.org/officeDocument/2006/relationships" xmlns:p="http://schemas.openxmlformats.org/presentationml/2006/main" show="0">
+  <p:cSld>
+    <p:spTree>
+      <p:nvGrpSpPr>
+        <p:cNvPr id="1" name=""/>
+        <p:cNvGrpSpPr/>
+        <p:nvPr/>
+      </p:nvGrpSpPr>
+      <p:grpSpPr>
+        <a:xfrm>
+          <a:off x="0" y="0"/>
+          <a:ext cx="0" cy="0"/>
+          <a:chOff x="0" y="0"/>
+          <a:chExt cx="0" cy="0"/>
+        </a:xfrm>
+      </p:grpSpPr>
+      <p:sp>
+        <p:nvSpPr>
+          <p:cNvPr id="2" name="Title 1"/>
+          <p:cNvSpPr>
+            <a:spLocks noGrp="1"/>
+          </p:cNvSpPr>
+          <p:nvPr>
+            <p:ph type="title"/>
+          </p:nvPr>
+        </p:nvSpPr>
+        <p:spPr/>
+        <p:txBody>
+          <a:bodyPr/>
+          <a:lstStyle/>
+          <a:p>
+            <a:r>
+              <a:rPr lang="en-US" dirty="0"/>
+              <a:t>Additional LINQ operators</a:t>
+            </a:r>
+          </a:p>
+        </p:txBody>
+      </p:sp>
+      <p:sp>
+        <p:nvSpPr>
+          <p:cNvPr id="3" name="Content Placeholder 2"/>
+          <p:cNvSpPr>
+            <a:spLocks noGrp="1"/>
+          </p:cNvSpPr>
+          <p:nvPr>
+            <p:ph idx="1"/>
+          </p:nvPr>
+        </p:nvSpPr>
+        <p:spPr/>
+        <p:txBody>
+          <a:bodyPr numCol="2">
+            <a:normAutofit/>
+          </a:bodyPr>
+          <a:lstStyle/>
+          <a:p>
+            <a:r>
+              <a:rPr lang="en-US" dirty="0" err="1"/>
+              <a:t>Amb</a:t>
+            </a:r>
+            <a:endParaRPr lang="en-US" dirty="0"/>
+          </a:p>
+          <a:p>
+            <a:r>
+              <a:rPr lang="en-US" dirty="0"/>
+              <a:t>Asynchronous</a:t>
+            </a:r>
+          </a:p>
+          <a:p>
+            <a:r>
+              <a:rPr lang="en-US" dirty="0" err="1"/>
+              <a:t>BufferWithCount</a:t>
+            </a:r>
+            <a:endParaRPr lang="en-US" dirty="0"/>
+          </a:p>
+          <a:p>
+            <a:r>
+              <a:rPr lang="en-US" dirty="0"/>
+              <a:t>Catch</a:t>
+            </a:r>
+          </a:p>
+          <a:p>
+            <a:r>
+              <a:rPr lang="en-US" dirty="0" err="1"/>
+              <a:t>Concat</a:t>
+            </a:r>
+            <a:endParaRPr lang="en-US" dirty="0"/>
+          </a:p>
+          <a:p>
+            <a:r>
+              <a:rPr lang="en-US" dirty="0"/>
+              <a:t>Defer</a:t>
+            </a:r>
+          </a:p>
+          <a:p>
+            <a:r>
+              <a:rPr lang="en-US" dirty="0"/>
+              <a:t>Delay</a:t>
+            </a:r>
+          </a:p>
+          <a:p>
+            <a:r>
+              <a:rPr lang="en-US" dirty="0"/>
+              <a:t>Do</a:t>
+            </a:r>
+          </a:p>
+          <a:p>
+            <a:r>
+              <a:rPr lang="en-US" dirty="0"/>
+              <a:t>Generate</a:t>
+            </a:r>
+          </a:p>
+          <a:p>
+            <a:r>
+              <a:rPr lang="en-US" dirty="0"/>
+              <a:t>Merge</a:t>
+            </a:r>
+          </a:p>
+          <a:p>
+            <a:r>
+              <a:rPr lang="en-US" dirty="0" err="1"/>
+              <a:t>OnErrorResumeNext</a:t>
+            </a:r>
+            <a:endParaRPr lang="en-US" dirty="0"/>
+          </a:p>
+          <a:p>
+            <a:r>
+              <a:rPr lang="en-US" dirty="0"/>
+              <a:t>Repeat</a:t>
+            </a:r>
+          </a:p>
+          <a:p>
+            <a:r>
+              <a:rPr lang="en-US" dirty="0"/>
+              <a:t>Retry</a:t>
+            </a:r>
+          </a:p>
+          <a:p>
+            <a:r>
+              <a:rPr lang="en-US" dirty="0"/>
+              <a:t>Run</a:t>
+            </a:r>
+          </a:p>
+          <a:p>
+            <a:r>
+              <a:rPr lang="en-US" dirty="0" err="1"/>
+              <a:t>StartWith</a:t>
+            </a:r>
+            <a:endParaRPr lang="en-US" dirty="0"/>
+          </a:p>
+          <a:p>
+            <a:r>
+              <a:rPr lang="en-US" dirty="0"/>
+              <a:t>Timeout</a:t>
+            </a:r>
+          </a:p>
+        </p:txBody>
+      </p:sp>
+    </p:spTree>
+    <p:extLst>
+      <p:ext uri="{BB962C8B-B14F-4D97-AF65-F5344CB8AC3E}">
+        <p14:creationId xmlns:p14="http://schemas.microsoft.com/office/powerpoint/2010/main" val="4238870740"/>
+      </p:ext>
+    </p:extLst>
+  </p:cSld>
+  <p:clrMapOvr>
+    <a:masterClrMapping/>
+  </p:clrMapOvr>
+</p:sld>
+</file>
+
+<file path=ppt/slides/slide18.xml><?xml version="1.0" encoding="utf-8"?>
 <p:sld xmlns:a="http://schemas.openxmlformats.org/drawingml/2006/main" xmlns:r="http://schemas.openxmlformats.org/officeDocument/2006/relationships" xmlns:p="http://schemas.openxmlformats.org/presentationml/2006/main">
   <p:cSld>
     <p:spTree>
@@ -21251,190 +21723,9 @@
           <a:lstStyle/>
           <a:p>
             <a:r>
-              <a:rPr lang="en-US" dirty="0" smtClean="0"/>
-              <a:t>Additional LINQ operators</a:t>
-            </a:r>
-            <a:endParaRPr lang="en-US" dirty="0"/>
-          </a:p>
-        </p:txBody>
-      </p:sp>
-      <p:sp>
-        <p:nvSpPr>
-          <p:cNvPr id="3" name="Content Placeholder 2"/>
-          <p:cNvSpPr>
-            <a:spLocks noGrp="1"/>
-          </p:cNvSpPr>
-          <p:nvPr>
-            <p:ph idx="1"/>
-          </p:nvPr>
-        </p:nvSpPr>
-        <p:spPr/>
-        <p:txBody>
-          <a:bodyPr numCol="2">
-            <a:normAutofit/>
-          </a:bodyPr>
-          <a:lstStyle/>
-          <a:p>
-            <a:r>
-              <a:rPr lang="en-US" dirty="0" err="1" smtClean="0"/>
-              <a:t>Amb</a:t>
-            </a:r>
-            <a:endParaRPr lang="en-US" dirty="0" smtClean="0"/>
-          </a:p>
-          <a:p>
-            <a:r>
-              <a:rPr lang="en-US" dirty="0" smtClean="0"/>
-              <a:t>Asynchronous</a:t>
-            </a:r>
-          </a:p>
-          <a:p>
-            <a:r>
-              <a:rPr lang="en-US" dirty="0" err="1" smtClean="0"/>
-              <a:t>BufferWithCount</a:t>
-            </a:r>
-            <a:endParaRPr lang="en-US" dirty="0" smtClean="0"/>
-          </a:p>
-          <a:p>
-            <a:r>
-              <a:rPr lang="en-US" dirty="0" smtClean="0"/>
-              <a:t>Catch</a:t>
-            </a:r>
-          </a:p>
-          <a:p>
-            <a:r>
-              <a:rPr lang="en-US" dirty="0" err="1" smtClean="0"/>
-              <a:t>Concat</a:t>
-            </a:r>
-            <a:endParaRPr lang="en-US" dirty="0" smtClean="0"/>
-          </a:p>
-          <a:p>
-            <a:r>
-              <a:rPr lang="en-US" dirty="0" smtClean="0"/>
-              <a:t>Defer</a:t>
-            </a:r>
-          </a:p>
-          <a:p>
-            <a:r>
-              <a:rPr lang="en-US" dirty="0" smtClean="0"/>
-              <a:t>Delay</a:t>
-            </a:r>
-          </a:p>
-          <a:p>
-            <a:r>
-              <a:rPr lang="en-US" dirty="0" smtClean="0"/>
-              <a:t>Do</a:t>
-            </a:r>
-          </a:p>
-          <a:p>
-            <a:r>
-              <a:rPr lang="en-US" dirty="0" smtClean="0"/>
-              <a:t>Generate</a:t>
-            </a:r>
-          </a:p>
-          <a:p>
-            <a:r>
-              <a:rPr lang="en-US" dirty="0" smtClean="0"/>
-              <a:t>Merge</a:t>
-            </a:r>
-          </a:p>
-          <a:p>
-            <a:r>
-              <a:rPr lang="en-US" dirty="0" err="1" smtClean="0"/>
-              <a:t>OnErrorResumeNext</a:t>
-            </a:r>
-            <a:endParaRPr lang="en-US" dirty="0" smtClean="0"/>
-          </a:p>
-          <a:p>
-            <a:r>
-              <a:rPr lang="en-US" dirty="0" smtClean="0"/>
-              <a:t>Repeat</a:t>
-            </a:r>
-          </a:p>
-          <a:p>
-            <a:r>
-              <a:rPr lang="en-US" dirty="0" smtClean="0"/>
-              <a:t>Retry</a:t>
-            </a:r>
-          </a:p>
-          <a:p>
-            <a:r>
-              <a:rPr lang="en-US" dirty="0" smtClean="0"/>
-              <a:t>Run</a:t>
-            </a:r>
-          </a:p>
-          <a:p>
-            <a:r>
-              <a:rPr lang="en-US" dirty="0" err="1" smtClean="0"/>
-              <a:t>StartWith</a:t>
-            </a:r>
-            <a:endParaRPr lang="en-US" dirty="0" smtClean="0"/>
-          </a:p>
-          <a:p>
-            <a:r>
-              <a:rPr lang="en-US" dirty="0" smtClean="0"/>
-              <a:t>Timeout</a:t>
-            </a:r>
-            <a:endParaRPr lang="en-US" dirty="0"/>
-          </a:p>
-        </p:txBody>
-      </p:sp>
-    </p:spTree>
-    <p:extLst>
-      <p:ext uri="{BB962C8B-B14F-4D97-AF65-F5344CB8AC3E}">
-        <p14:creationId xmlns:p14="http://schemas.microsoft.com/office/powerpoint/2010/main" val="4238870740"/>
-      </p:ext>
-    </p:extLst>
-  </p:cSld>
-  <p:clrMapOvr>
-    <a:masterClrMapping/>
-  </p:clrMapOvr>
-  <p:timing>
-    <p:tnLst>
-      <p:par>
-        <p:cTn id="1" dur="indefinite" restart="never" nodeType="tmRoot"/>
-      </p:par>
-    </p:tnLst>
-  </p:timing>
-</p:sld>
-</file>
-
-<file path=ppt/slides/slide17.xml><?xml version="1.0" encoding="utf-8"?>
-<p:sld xmlns:a="http://schemas.openxmlformats.org/drawingml/2006/main" xmlns:r="http://schemas.openxmlformats.org/officeDocument/2006/relationships" xmlns:p="http://schemas.openxmlformats.org/presentationml/2006/main">
-  <p:cSld>
-    <p:spTree>
-      <p:nvGrpSpPr>
-        <p:cNvPr id="1" name=""/>
-        <p:cNvGrpSpPr/>
-        <p:nvPr/>
-      </p:nvGrpSpPr>
-      <p:grpSpPr>
-        <a:xfrm>
-          <a:off x="0" y="0"/>
-          <a:ext cx="0" cy="0"/>
-          <a:chOff x="0" y="0"/>
-          <a:chExt cx="0" cy="0"/>
-        </a:xfrm>
-      </p:grpSpPr>
-      <p:sp>
-        <p:nvSpPr>
-          <p:cNvPr id="2" name="Title 1"/>
-          <p:cNvSpPr>
-            <a:spLocks noGrp="1"/>
-          </p:cNvSpPr>
-          <p:nvPr>
-            <p:ph type="title"/>
-          </p:nvPr>
-        </p:nvSpPr>
-        <p:spPr/>
-        <p:txBody>
-          <a:bodyPr/>
-          <a:lstStyle/>
-          <a:p>
-            <a:r>
-              <a:rPr lang="en-US" dirty="0" smtClean="0"/>
+              <a:rPr lang="en-US" dirty="0"/>
               <a:t>Flavors of Rx</a:t>
             </a:r>
-            <a:endParaRPr lang="en-US" dirty="0"/>
           </a:p>
         </p:txBody>
       </p:sp>
@@ -21461,7 +21752,7 @@
         </p:blipFill>
         <p:spPr bwMode="auto">
           <a:xfrm>
-            <a:off x="3136391" y="2577935"/>
+            <a:off x="4660392" y="2577935"/>
             <a:ext cx="1572035" cy="2095502"/>
           </a:xfrm>
           <a:prstGeom prst="rect">
@@ -21501,7 +21792,7 @@
         </p:blipFill>
         <p:spPr>
           <a:xfrm>
-            <a:off x="856282" y="1660475"/>
+            <a:off x="2380282" y="1660475"/>
             <a:ext cx="2343760" cy="1015206"/>
           </a:xfrm>
           <a:prstGeom prst="rect">
@@ -21532,7 +21823,7 @@
         </p:blipFill>
         <p:spPr bwMode="auto">
           <a:xfrm>
-            <a:off x="457200" y="4114182"/>
+            <a:off x="1981201" y="4114182"/>
             <a:ext cx="928929" cy="1238250"/>
           </a:xfrm>
           <a:prstGeom prst="rect">
@@ -21573,7 +21864,7 @@
         </p:blipFill>
         <p:spPr bwMode="auto">
           <a:xfrm>
-            <a:off x="3557685" y="723900"/>
+            <a:off x="5081686" y="723900"/>
             <a:ext cx="1713563" cy="800100"/>
           </a:xfrm>
           <a:prstGeom prst="rect">
@@ -21599,7 +21890,7 @@
         </p:nvSpPr>
         <p:spPr>
           <a:xfrm>
-            <a:off x="6525781" y="5580781"/>
+            <a:off x="8049781" y="5580781"/>
             <a:ext cx="1545616" cy="923330"/>
           </a:xfrm>
           <a:prstGeom prst="rect">
@@ -21629,7 +21920,7 @@
           <a:p>
             <a:pPr algn="ctr"/>
             <a:r>
-              <a:rPr lang="en-US" sz="5400" b="1" cap="none" spc="0" dirty="0" err="1" smtClean="0">
+              <a:rPr lang="en-US" sz="5400" b="1" dirty="0" err="1">
                 <a:ln w="11430"/>
                 <a:gradFill>
                   <a:gsLst>
@@ -21666,7 +21957,7 @@
               </a:rPr>
               <a:t>RxJs</a:t>
             </a:r>
-            <a:endParaRPr lang="en-US" sz="5400" b="1" cap="none" spc="0" dirty="0">
+            <a:endParaRPr lang="en-US" sz="5400" b="1" dirty="0">
               <a:ln w="11430"/>
               <a:gradFill>
                 <a:gsLst>
@@ -21712,8 +22003,8 @@
         </p:nvSpPr>
         <p:spPr>
           <a:xfrm>
-            <a:off x="6073734" y="471719"/>
-            <a:ext cx="2449710" cy="923330"/>
+            <a:off x="7677886" y="471719"/>
+            <a:ext cx="2289409" cy="923330"/>
           </a:xfrm>
           <a:prstGeom prst="rect">
             <a:avLst/>
@@ -21728,7 +22019,7 @@
           <a:p>
             <a:pPr algn="ctr"/>
             <a:r>
-              <a:rPr lang="en-US" sz="5400" b="0" cap="none" spc="0" dirty="0" smtClean="0">
+              <a:rPr lang="en-US" sz="5400" dirty="0">
                 <a:ln w="0"/>
                 <a:solidFill>
                   <a:schemeClr val="accent1"/>
@@ -21741,9 +22032,25 @@
                   </a:outerShdw>
                 </a:effectLst>
               </a:rPr>
-              <a:t>Rx-C++</a:t>
+              <a:t>Rx-</a:t>
             </a:r>
-            <a:endParaRPr lang="en-US" sz="5400" b="0" cap="none" spc="0" dirty="0">
+            <a:r>
+              <a:rPr lang="en-US" sz="5400" dirty="0" err="1">
+                <a:ln w="0"/>
+                <a:solidFill>
+                  <a:schemeClr val="accent1"/>
+                </a:solidFill>
+                <a:effectLst>
+                  <a:outerShdw blurRad="38100" dist="25400" dir="5400000" algn="ctr" rotWithShape="0">
+                    <a:srgbClr val="6E747A">
+                      <a:alpha val="43000"/>
+                    </a:srgbClr>
+                  </a:outerShdw>
+                </a:effectLst>
+              </a:rPr>
+              <a:t>Cpp</a:t>
+            </a:r>
+            <a:endParaRPr lang="en-US" sz="5400" dirty="0">
               <a:ln w="0"/>
               <a:solidFill>
                 <a:schemeClr val="accent1"/>
@@ -21767,7 +22074,7 @@
         </p:nvSpPr>
         <p:spPr>
           <a:xfrm>
-            <a:off x="6820961" y="2441200"/>
+            <a:off x="8344962" y="2441200"/>
             <a:ext cx="1906291" cy="923330"/>
           </a:xfrm>
           <a:prstGeom prst="rect">
@@ -21783,7 +22090,7 @@
           <a:p>
             <a:pPr algn="ctr"/>
             <a:r>
-              <a:rPr lang="en-US" sz="5400" b="1" dirty="0" err="1" smtClean="0">
+              <a:rPr lang="en-US" sz="5400" b="1" dirty="0" err="1">
                 <a:ln w="12700">
                   <a:solidFill>
                     <a:schemeClr val="accent1"/>
@@ -21844,7 +22151,7 @@
         </p:nvSpPr>
         <p:spPr>
           <a:xfrm>
-            <a:off x="607548" y="2952254"/>
+            <a:off x="2131549" y="2952254"/>
             <a:ext cx="1869423" cy="923330"/>
           </a:xfrm>
           <a:prstGeom prst="rect">
@@ -21860,7 +22167,7 @@
           <a:p>
             <a:pPr algn="ctr"/>
             <a:r>
-              <a:rPr lang="en-US" sz="5400" b="1" cap="none" spc="0" dirty="0" err="1" smtClean="0">
+              <a:rPr lang="en-US" sz="5400" b="1" dirty="0" err="1">
                 <a:ln w="9525">
                   <a:solidFill>
                     <a:schemeClr val="bg1"/>
@@ -21881,7 +22188,7 @@
               </a:rPr>
               <a:t>Rx.Py</a:t>
             </a:r>
-            <a:endParaRPr lang="en-US" sz="5400" b="1" cap="none" spc="0" dirty="0">
+            <a:endParaRPr lang="en-US" sz="5400" b="1" dirty="0">
               <a:ln w="9525">
                 <a:solidFill>
                   <a:schemeClr val="bg1"/>
@@ -21911,7 +22218,7 @@
         </p:nvSpPr>
         <p:spPr>
           <a:xfrm>
-            <a:off x="1103589" y="5650507"/>
+            <a:off x="2627589" y="5650507"/>
             <a:ext cx="2341988" cy="923330"/>
           </a:xfrm>
           <a:prstGeom prst="rect">
@@ -21939,21 +22246,19 @@
           <a:p>
             <a:pPr algn="ctr"/>
             <a:r>
-              <a:rPr lang="en-US" sz="5400" b="1" cap="none" spc="0" dirty="0" err="1" smtClean="0">
+              <a:rPr lang="en-US" sz="5400" b="1" dirty="0" err="1">
                 <a:ln/>
                 <a:solidFill>
                   <a:schemeClr val="accent3"/>
                 </a:solidFill>
-                <a:effectLst/>
               </a:rPr>
               <a:t>RxJava</a:t>
             </a:r>
-            <a:endParaRPr lang="en-US" sz="5400" b="1" cap="none" spc="0" dirty="0">
+            <a:endParaRPr lang="en-US" sz="5400" b="1" dirty="0">
               <a:ln/>
               <a:solidFill>
                 <a:schemeClr val="accent3"/>
               </a:solidFill>
-              <a:effectLst/>
             </a:endParaRPr>
           </a:p>
         </p:txBody>
@@ -21966,7 +22271,7 @@
         </p:nvSpPr>
         <p:spPr>
           <a:xfrm>
-            <a:off x="3540083" y="4884132"/>
+            <a:off x="5064084" y="4884133"/>
             <a:ext cx="5334001" cy="646331"/>
           </a:xfrm>
           <a:prstGeom prst="rect">
@@ -21982,7 +22287,7 @@
           <a:p>
             <a:pPr algn="ctr"/>
             <a:r>
-              <a:rPr lang="en-US" sz="3600" b="1" cap="none" spc="0" dirty="0" smtClean="0">
+              <a:rPr lang="en-US" sz="3600" b="1" dirty="0">
                 <a:ln w="12700" cmpd="sng">
                   <a:solidFill>
                     <a:schemeClr val="accent4"/>
@@ -22009,12 +22314,11 @@
                   </a:gsLst>
                   <a:lin ang="5400000"/>
                 </a:gradFill>
-                <a:effectLst/>
               </a:rPr>
               <a:t>Reactive </a:t>
             </a:r>
             <a:r>
-              <a:rPr lang="en-US" sz="3600" b="1" cap="none" spc="0" dirty="0" err="1" smtClean="0">
+              <a:rPr lang="en-US" sz="3600" b="1" dirty="0" err="1">
                 <a:ln w="12700" cmpd="sng">
                   <a:solidFill>
                     <a:schemeClr val="accent4"/>
@@ -22041,12 +22345,11 @@
                   </a:gsLst>
                   <a:lin ang="5400000"/>
                 </a:gradFill>
-                <a:effectLst/>
               </a:rPr>
               <a:t>Scala</a:t>
             </a:r>
             <a:r>
-              <a:rPr lang="en-US" sz="3600" b="1" cap="none" spc="0" dirty="0" smtClean="0">
+              <a:rPr lang="en-US" sz="3600" b="1" dirty="0">
                 <a:ln w="12700" cmpd="sng">
                   <a:solidFill>
                     <a:schemeClr val="accent4"/>
@@ -22073,12 +22376,11 @@
                   </a:gsLst>
                   <a:lin ang="5400000"/>
                 </a:gradFill>
-                <a:effectLst/>
               </a:rPr>
               <a:t>/</a:t>
             </a:r>
             <a:r>
-              <a:rPr lang="en-US" sz="3600" b="1" cap="none" spc="0" dirty="0" err="1" smtClean="0">
+              <a:rPr lang="en-US" sz="3600" b="1" dirty="0" err="1">
                 <a:ln w="12700" cmpd="sng">
                   <a:solidFill>
                     <a:schemeClr val="accent4"/>
@@ -22105,11 +22407,10 @@
                   </a:gsLst>
                   <a:lin ang="5400000"/>
                 </a:gradFill>
-                <a:effectLst/>
               </a:rPr>
               <a:t>MongoDB</a:t>
             </a:r>
-            <a:endParaRPr lang="en-US" sz="3600" b="1" cap="none" spc="0" dirty="0">
+            <a:endParaRPr lang="en-US" sz="3600" b="1" dirty="0">
               <a:ln w="12700" cmpd="sng">
                 <a:solidFill>
                   <a:schemeClr val="accent4"/>
@@ -22136,7 +22437,6 @@
                 </a:gsLst>
                 <a:lin ang="5400000"/>
               </a:gradFill>
-              <a:effectLst/>
             </a:endParaRPr>
           </a:p>
         </p:txBody>
@@ -22149,7 +22449,7 @@
         </p:nvSpPr>
         <p:spPr>
           <a:xfrm>
-            <a:off x="4781780" y="3608834"/>
+            <a:off x="6305781" y="3608834"/>
             <a:ext cx="4078361" cy="923330"/>
           </a:xfrm>
           <a:prstGeom prst="rect">
@@ -22165,7 +22465,7 @@
           <a:p>
             <a:pPr algn="ctr"/>
             <a:r>
-              <a:rPr lang="en-US" sz="5400" b="1" cap="none" spc="50" dirty="0" smtClean="0">
+              <a:rPr lang="en-US" sz="5400" b="1" spc="50" dirty="0">
                 <a:ln w="9525" cmpd="sng">
                   <a:solidFill>
                     <a:schemeClr val="accent1"/>
@@ -22187,26 +22487,6 @@
               </a:rPr>
               <a:t>Haskell - FRP</a:t>
             </a:r>
-            <a:endParaRPr lang="en-US" sz="5400" b="1" cap="none" spc="50" dirty="0">
-              <a:ln w="9525" cmpd="sng">
-                <a:solidFill>
-                  <a:schemeClr val="accent1"/>
-                </a:solidFill>
-                <a:prstDash val="solid"/>
-              </a:ln>
-              <a:solidFill>
-                <a:srgbClr val="70AD47">
-                  <a:tint val="1000"/>
-                </a:srgbClr>
-              </a:solidFill>
-              <a:effectLst>
-                <a:glow rad="38100">
-                  <a:schemeClr val="accent1">
-                    <a:alpha val="40000"/>
-                  </a:schemeClr>
-                </a:glow>
-              </a:effectLst>
-            </a:endParaRPr>
           </a:p>
         </p:txBody>
       </p:sp>
@@ -22234,7 +22514,7 @@
         </p:blipFill>
         <p:spPr>
           <a:xfrm>
-            <a:off x="4864306" y="1227854"/>
+            <a:off x="6388306" y="1227854"/>
             <a:ext cx="2136676" cy="2136676"/>
           </a:xfrm>
           <a:prstGeom prst="rect">
@@ -22250,7 +22530,7 @@
         </p:nvSpPr>
         <p:spPr>
           <a:xfrm>
-            <a:off x="4041377" y="5650507"/>
+            <a:off x="5565377" y="5650507"/>
             <a:ext cx="2056974" cy="923330"/>
           </a:xfrm>
           <a:prstGeom prst="rect">
@@ -22266,7 +22546,7 @@
           <a:p>
             <a:pPr algn="ctr"/>
             <a:r>
-              <a:rPr lang="en-US" sz="5400" b="1" dirty="0" err="1" smtClean="0">
+              <a:rPr lang="en-US" sz="5400" b="1" dirty="0" err="1">
                 <a:ln w="12700">
                   <a:solidFill>
                     <a:schemeClr val="tx2">
@@ -22335,7 +22615,7 @@
         </p:nvSpPr>
         <p:spPr>
           <a:xfrm>
-            <a:off x="1447978" y="4456308"/>
+            <a:off x="2971979" y="4456308"/>
             <a:ext cx="2253117" cy="923330"/>
           </a:xfrm>
           <a:prstGeom prst="rect">
@@ -22363,12 +22643,11 @@
           <a:p>
             <a:pPr algn="ctr"/>
             <a:r>
-              <a:rPr lang="en-US" sz="5400" b="1" cap="none" spc="0" dirty="0" smtClean="0">
+              <a:rPr lang="en-US" sz="5400" b="1" dirty="0">
                 <a:ln/>
                 <a:solidFill>
                   <a:schemeClr val="accent3"/>
                 </a:solidFill>
-                <a:effectLst/>
               </a:rPr>
               <a:t>Rx-Perl</a:t>
             </a:r>
@@ -22383,7 +22662,7 @@
         </p:nvSpPr>
         <p:spPr>
           <a:xfrm>
-            <a:off x="7391977" y="1389614"/>
+            <a:off x="8915977" y="1389614"/>
             <a:ext cx="979756" cy="923330"/>
           </a:xfrm>
           <a:prstGeom prst="rect">
@@ -22408,22 +22687,14 @@
           <a:p>
             <a:pPr algn="ctr"/>
             <a:r>
-              <a:rPr lang="en-US" sz="5400" b="1" cap="none" spc="0" dirty="0" smtClean="0">
+              <a:rPr lang="en-US" sz="5400" b="1" dirty="0">
                 <a:ln/>
                 <a:solidFill>
                   <a:schemeClr val="accent4"/>
                 </a:solidFill>
-                <a:effectLst/>
               </a:rPr>
               <a:t>F#</a:t>
             </a:r>
-            <a:endParaRPr lang="en-US" sz="5400" b="1" cap="none" spc="0" dirty="0">
-              <a:ln/>
-              <a:solidFill>
-                <a:schemeClr val="accent4"/>
-              </a:solidFill>
-              <a:effectLst/>
-            </a:endParaRPr>
           </a:p>
         </p:txBody>
       </p:sp>
@@ -22437,14 +22708,6 @@
   <p:clrMapOvr>
     <a:masterClrMapping/>
   </p:clrMapOvr>
-  <mc:AlternateContent xmlns:mc="http://schemas.openxmlformats.org/markup-compatibility/2006" xmlns:p14="http://schemas.microsoft.com/office/powerpoint/2010/main">
-    <mc:Choice Requires="p14">
-      <p:transition spd="slow" p14:dur="2000"/>
-    </mc:Choice>
-    <mc:Fallback xmlns="">
-      <p:transition spd="slow"/>
-    </mc:Fallback>
-  </mc:AlternateContent>
   <p:timing>
     <p:tnLst>
       <p:par>
@@ -23115,7 +23378,7 @@
 </p:sld>
 </file>
 
-<file path=ppt/slides/slide18.xml><?xml version="1.0" encoding="utf-8"?>
+<file path=ppt/slides/slide19.xml><?xml version="1.0" encoding="utf-8"?>
 <p:sld xmlns:a="http://schemas.openxmlformats.org/drawingml/2006/main" xmlns:r="http://schemas.openxmlformats.org/officeDocument/2006/relationships" xmlns:p="http://schemas.openxmlformats.org/presentationml/2006/main">
   <p:cSld>
     <p:spTree>
@@ -23144,7 +23407,7 @@
         </p:nvSpPr>
         <p:spPr>
           <a:xfrm>
-            <a:off x="457200" y="274638"/>
+            <a:off x="1981200" y="274639"/>
             <a:ext cx="8229600" cy="639763"/>
           </a:xfrm>
         </p:spPr>
@@ -23155,10 +23418,9 @@
           <a:lstStyle/>
           <a:p>
             <a:r>
-              <a:rPr lang="en-US" dirty="0" smtClean="0"/>
+              <a:rPr lang="en-US" dirty="0"/>
               <a:t>Common Uses</a:t>
             </a:r>
-            <a:endParaRPr lang="en-US" dirty="0"/>
           </a:p>
         </p:txBody>
       </p:sp>
@@ -23185,7 +23447,7 @@
         </p:blipFill>
         <p:spPr bwMode="auto">
           <a:xfrm>
-            <a:off x="3843181" y="2963008"/>
+            <a:off x="5367182" y="2963009"/>
             <a:ext cx="1886441" cy="2514601"/>
           </a:xfrm>
           <a:prstGeom prst="rect">
@@ -23226,7 +23488,7 @@
         </p:blipFill>
         <p:spPr bwMode="auto">
           <a:xfrm>
-            <a:off x="848342" y="1600201"/>
+            <a:off x="2372342" y="1600201"/>
             <a:ext cx="1657782" cy="1657350"/>
           </a:xfrm>
           <a:prstGeom prst="rect">
@@ -23267,7 +23529,7 @@
         </p:blipFill>
         <p:spPr bwMode="auto">
           <a:xfrm>
-            <a:off x="611744" y="4078288"/>
+            <a:off x="2135744" y="4078289"/>
             <a:ext cx="2130980" cy="2130425"/>
           </a:xfrm>
           <a:prstGeom prst="rect">
@@ -23308,7 +23570,7 @@
         </p:blipFill>
         <p:spPr bwMode="auto">
           <a:xfrm>
-            <a:off x="6687101" y="4038346"/>
+            <a:off x="8211102" y="4038346"/>
             <a:ext cx="1596273" cy="2170366"/>
           </a:xfrm>
           <a:prstGeom prst="rect">
@@ -23349,7 +23611,7 @@
         </p:blipFill>
         <p:spPr bwMode="auto">
           <a:xfrm>
-            <a:off x="6972925" y="1611924"/>
+            <a:off x="8496926" y="1611924"/>
             <a:ext cx="1934079" cy="1716048"/>
           </a:xfrm>
           <a:prstGeom prst="rect">
@@ -23390,7 +23652,7 @@
         </p:blipFill>
         <p:spPr bwMode="auto">
           <a:xfrm>
-            <a:off x="2971383" y="914401"/>
+            <a:off x="4495384" y="914402"/>
             <a:ext cx="1743597" cy="1700247"/>
           </a:xfrm>
           <a:prstGeom prst="rect">
@@ -23431,7 +23693,7 @@
         </p:blipFill>
         <p:spPr bwMode="auto">
           <a:xfrm>
-            <a:off x="5486638" y="914401"/>
+            <a:off x="7010638" y="914402"/>
             <a:ext cx="992006" cy="1605687"/>
           </a:xfrm>
           <a:prstGeom prst="rect">
@@ -23459,325 +23721,6 @@
   <p:clrMapOvr>
     <a:masterClrMapping/>
   </p:clrMapOvr>
-  <mc:AlternateContent xmlns:mc="http://schemas.openxmlformats.org/markup-compatibility/2006" xmlns:p14="http://schemas.microsoft.com/office/powerpoint/2010/main">
-    <mc:Choice Requires="p14">
-      <p:transition spd="slow" p14:dur="2000"/>
-    </mc:Choice>
-    <mc:Fallback xmlns="">
-      <p:transition spd="slow"/>
-    </mc:Fallback>
-  </mc:AlternateContent>
-  <p:timing>
-    <p:tnLst>
-      <p:par>
-        <p:cTn id="1" dur="indefinite" restart="never" nodeType="tmRoot"/>
-      </p:par>
-    </p:tnLst>
-  </p:timing>
-</p:sld>
-</file>
-
-<file path=ppt/slides/slide19.xml><?xml version="1.0" encoding="utf-8"?>
-<p:sld xmlns:a="http://schemas.openxmlformats.org/drawingml/2006/main" xmlns:r="http://schemas.openxmlformats.org/officeDocument/2006/relationships" xmlns:p="http://schemas.openxmlformats.org/presentationml/2006/main">
-  <p:cSld>
-    <p:spTree>
-      <p:nvGrpSpPr>
-        <p:cNvPr id="1" name=""/>
-        <p:cNvGrpSpPr/>
-        <p:nvPr/>
-      </p:nvGrpSpPr>
-      <p:grpSpPr>
-        <a:xfrm>
-          <a:off x="0" y="0"/>
-          <a:ext cx="0" cy="0"/>
-          <a:chOff x="0" y="0"/>
-          <a:chExt cx="0" cy="0"/>
-        </a:xfrm>
-      </p:grpSpPr>
-      <p:sp>
-        <p:nvSpPr>
-          <p:cNvPr id="2" name="Title 1"/>
-          <p:cNvSpPr>
-            <a:spLocks noGrp="1"/>
-          </p:cNvSpPr>
-          <p:nvPr>
-            <p:ph type="title"/>
-          </p:nvPr>
-        </p:nvSpPr>
-        <p:spPr/>
-        <p:txBody>
-          <a:bodyPr/>
-          <a:lstStyle/>
-          <a:p>
-            <a:r>
-              <a:rPr lang="en-US" dirty="0" smtClean="0"/>
-              <a:t>Resources</a:t>
-            </a:r>
-            <a:endParaRPr lang="en-US" dirty="0"/>
-          </a:p>
-        </p:txBody>
-      </p:sp>
-      <p:sp>
-        <p:nvSpPr>
-          <p:cNvPr id="3" name="Content Placeholder 2"/>
-          <p:cNvSpPr>
-            <a:spLocks noGrp="1"/>
-          </p:cNvSpPr>
-          <p:nvPr>
-            <p:ph idx="1"/>
-          </p:nvPr>
-        </p:nvSpPr>
-        <p:spPr/>
-        <p:txBody>
-          <a:bodyPr>
-            <a:normAutofit lnSpcReduction="10000"/>
-          </a:bodyPr>
-          <a:lstStyle/>
-          <a:p>
-            <a:r>
-              <a:rPr lang="en-US" dirty="0" smtClean="0"/>
-              <a:t>Twitter: @</a:t>
-            </a:r>
-            <a:r>
-              <a:rPr lang="en-US" dirty="0" err="1" smtClean="0"/>
-              <a:t>ReactiveX</a:t>
-            </a:r>
-            <a:r>
-              <a:rPr lang="en-US" dirty="0" smtClean="0"/>
-              <a:t> #</a:t>
-            </a:r>
-            <a:r>
-              <a:rPr lang="en-US" dirty="0" err="1" smtClean="0"/>
-              <a:t>RxNet</a:t>
-            </a:r>
-            <a:r>
-              <a:rPr lang="en-US" dirty="0" smtClean="0"/>
-              <a:t> #</a:t>
-            </a:r>
-            <a:r>
-              <a:rPr lang="en-US" dirty="0" err="1" smtClean="0"/>
-              <a:t>RxJs</a:t>
-            </a:r>
-            <a:r>
-              <a:rPr lang="en-US" dirty="0" smtClean="0"/>
-              <a:t> #RxJava</a:t>
-            </a:r>
-          </a:p>
-          <a:p>
-            <a:r>
-              <a:rPr lang="en-US" dirty="0" smtClean="0"/>
-              <a:t>Rx </a:t>
-            </a:r>
-            <a:r>
-              <a:rPr lang="en-US" dirty="0"/>
-              <a:t>Data Developer Center: </a:t>
-            </a:r>
-            <a:br>
-              <a:rPr lang="en-US" dirty="0"/>
-            </a:br>
-            <a:r>
-              <a:rPr lang="en-US" dirty="0">
-                <a:hlinkClick r:id="rId2"/>
-              </a:rPr>
-              <a:t>http://msdn.microsoft.com/data/gg577609</a:t>
-            </a:r>
-            <a:r>
-              <a:rPr lang="en-US" dirty="0"/>
-              <a:t> </a:t>
-            </a:r>
-            <a:endParaRPr lang="en-US" dirty="0" smtClean="0"/>
-          </a:p>
-          <a:p>
-            <a:r>
-              <a:rPr lang="en-US" dirty="0"/>
-              <a:t>Source: </a:t>
-            </a:r>
-            <a:r>
-              <a:rPr lang="en-US" dirty="0">
-                <a:hlinkClick r:id="rId3"/>
-              </a:rPr>
-              <a:t>https://</a:t>
-            </a:r>
-            <a:r>
-              <a:rPr lang="en-US" dirty="0" smtClean="0">
-                <a:hlinkClick r:id="rId3"/>
-              </a:rPr>
-              <a:t>github.com/Reactive-Extensions</a:t>
-            </a:r>
-            <a:r>
-              <a:rPr lang="en-US" dirty="0"/>
-              <a:t/>
-            </a:r>
-            <a:br>
-              <a:rPr lang="en-US" dirty="0"/>
-            </a:br>
-            <a:r>
-              <a:rPr lang="en-US" dirty="0" smtClean="0"/>
-              <a:t>	    </a:t>
-            </a:r>
-            <a:r>
-              <a:rPr lang="en-US" dirty="0" smtClean="0">
-                <a:hlinkClick r:id="rId4"/>
-              </a:rPr>
-              <a:t>https</a:t>
-            </a:r>
-            <a:r>
-              <a:rPr lang="en-US" dirty="0">
-                <a:hlinkClick r:id="rId4"/>
-              </a:rPr>
-              <a:t>://rx.codeplex.com</a:t>
-            </a:r>
-            <a:r>
-              <a:rPr lang="en-US" dirty="0" smtClean="0">
-                <a:hlinkClick r:id="rId4"/>
-              </a:rPr>
-              <a:t>/</a:t>
-            </a:r>
-            <a:r>
-              <a:rPr lang="en-US" dirty="0" smtClean="0"/>
-              <a:t> </a:t>
-            </a:r>
-            <a:endParaRPr lang="en-US" dirty="0"/>
-          </a:p>
-          <a:p>
-            <a:r>
-              <a:rPr lang="en-US" dirty="0"/>
-              <a:t>Reactive Extensions Team Blog: </a:t>
-            </a:r>
-            <a:r>
-              <a:rPr lang="en-US" dirty="0" smtClean="0">
-                <a:hlinkClick r:id="rId5"/>
-              </a:rPr>
-              <a:t>http</a:t>
-            </a:r>
-            <a:r>
-              <a:rPr lang="en-US" dirty="0">
-                <a:hlinkClick r:id="rId5"/>
-              </a:rPr>
-              <a:t>://</a:t>
-            </a:r>
-            <a:r>
-              <a:rPr lang="en-US" dirty="0" smtClean="0">
-                <a:hlinkClick r:id="rId5"/>
-              </a:rPr>
-              <a:t>blogs.msdn.com/rxteam</a:t>
-            </a:r>
-            <a:endParaRPr lang="en-US" dirty="0" smtClean="0"/>
-          </a:p>
-          <a:p>
-            <a:r>
-              <a:rPr lang="en-US" dirty="0"/>
-              <a:t>Rx Forum</a:t>
-            </a:r>
-            <a:br>
-              <a:rPr lang="en-US" dirty="0"/>
-            </a:br>
-            <a:r>
-              <a:rPr lang="en-US" dirty="0">
-                <a:hlinkClick r:id="rId6"/>
-              </a:rPr>
-              <a:t>http://social.msdn.microsoft.com/Forums/en-US/rx/threads</a:t>
-            </a:r>
-            <a:r>
-              <a:rPr lang="en-US" dirty="0"/>
-              <a:t> </a:t>
-            </a:r>
-          </a:p>
-          <a:p>
-            <a:r>
-              <a:rPr lang="en-US" dirty="0" smtClean="0"/>
-              <a:t>Channel9</a:t>
-            </a:r>
-            <a:r>
-              <a:rPr lang="en-US" dirty="0"/>
-              <a:t>: </a:t>
-            </a:r>
-            <a:r>
-              <a:rPr lang="en-US" dirty="0" smtClean="0">
-                <a:hlinkClick r:id="rId7"/>
-              </a:rPr>
-              <a:t>http</a:t>
-            </a:r>
-            <a:r>
-              <a:rPr lang="en-US" dirty="0">
-                <a:hlinkClick r:id="rId7"/>
-              </a:rPr>
-              <a:t>://channel9.msdn.com/Tags/Rx</a:t>
-            </a:r>
-            <a:r>
-              <a:rPr lang="en-US" dirty="0"/>
-              <a:t> </a:t>
-            </a:r>
-            <a:endParaRPr lang="en-US" dirty="0" smtClean="0"/>
-          </a:p>
-          <a:p>
-            <a:r>
-              <a:rPr lang="en-US" dirty="0"/>
-              <a:t>Paper.li: </a:t>
-            </a:r>
-            <a:r>
-              <a:rPr lang="en-US" dirty="0">
-                <a:hlinkClick r:id="rId8"/>
-              </a:rPr>
-              <a:t>http://</a:t>
-            </a:r>
-            <a:r>
-              <a:rPr lang="en-US" dirty="0" smtClean="0">
-                <a:hlinkClick r:id="rId8"/>
-              </a:rPr>
-              <a:t>paper.li/jimwooley/1365169132</a:t>
-            </a:r>
-            <a:endParaRPr lang="en-US" dirty="0" smtClean="0"/>
-          </a:p>
-          <a:p>
-            <a:r>
-              <a:rPr lang="en-US" sz="2000" dirty="0" smtClean="0"/>
-              <a:t>Free </a:t>
-            </a:r>
-            <a:r>
-              <a:rPr lang="en-US" sz="2000" dirty="0" err="1" smtClean="0"/>
-              <a:t>Ebook</a:t>
-            </a:r>
-            <a:r>
-              <a:rPr lang="en-US" sz="2000" dirty="0" smtClean="0"/>
-              <a:t>: </a:t>
-            </a:r>
-            <a:r>
-              <a:rPr lang="en-US" dirty="0">
-                <a:hlinkClick r:id="rId9"/>
-              </a:rPr>
-              <a:t>http://www.introtorx.com/</a:t>
-            </a:r>
-            <a:endParaRPr lang="en-US" dirty="0"/>
-          </a:p>
-          <a:p>
-            <a:endParaRPr lang="en-US" dirty="0"/>
-          </a:p>
-          <a:p>
-            <a:endParaRPr lang="en-US" dirty="0" smtClean="0"/>
-          </a:p>
-          <a:p>
-            <a:endParaRPr lang="en-US" dirty="0" smtClean="0"/>
-          </a:p>
-        </p:txBody>
-      </p:sp>
-    </p:spTree>
-    <p:extLst>
-      <p:ext uri="{BB962C8B-B14F-4D97-AF65-F5344CB8AC3E}">
-        <p14:creationId xmlns:p14="http://schemas.microsoft.com/office/powerpoint/2010/main" val="2537536581"/>
-      </p:ext>
-    </p:extLst>
-  </p:cSld>
-  <p:clrMapOvr>
-    <a:masterClrMapping/>
-  </p:clrMapOvr>
-  <p:timing>
-    <p:tnLst>
-      <p:par>
-        <p:cTn id="1" dur="indefinite" restart="never" nodeType="tmRoot"/>
-      </p:par>
-    </p:tnLst>
-  </p:timing>
 </p:sld>
 </file>
 
@@ -23810,7 +23753,7 @@
         </p:nvSpPr>
         <p:spPr>
           <a:xfrm>
-            <a:off x="389436" y="228600"/>
+            <a:off x="1913436" y="228600"/>
             <a:ext cx="8363938" cy="609398"/>
           </a:xfrm>
         </p:spPr>
@@ -23821,10 +23764,9 @@
           <a:lstStyle/>
           <a:p>
             <a:r>
-              <a:rPr lang="en-US" dirty="0" smtClean="0"/>
+              <a:rPr lang="en-US" dirty="0"/>
               <a:t>Reactive Extensions</a:t>
             </a:r>
-            <a:endParaRPr lang="en-US" dirty="0"/>
           </a:p>
         </p:txBody>
       </p:sp>
@@ -23840,7 +23782,7 @@
         </p:nvSpPr>
         <p:spPr>
           <a:xfrm>
-            <a:off x="389436" y="1447800"/>
+            <a:off x="1913436" y="1447801"/>
             <a:ext cx="8363938" cy="3877985"/>
           </a:xfrm>
         </p:spPr>
@@ -23855,24 +23797,15 @@
             </a:pPr>
             <a:r>
               <a:rPr lang="en-US" sz="4800" i="1" dirty="0"/>
-              <a:t>“</a:t>
+              <a:t>“Rx is a library for </a:t>
             </a:r>
-            <a:r>
-              <a:rPr lang="en-US" sz="4800" i="1" dirty="0" smtClean="0"/>
-              <a:t>Rx </a:t>
-            </a:r>
-            <a:r>
-              <a:rPr lang="en-US" sz="4800" i="1" dirty="0"/>
-              <a:t>is a library for </a:t>
-            </a:r>
-            <a:endParaRPr lang="en-US" sz="4800" i="1" dirty="0" smtClean="0"/>
           </a:p>
           <a:p>
             <a:pPr marL="0" indent="0" algn="ctr">
               <a:buNone/>
             </a:pPr>
             <a:r>
-              <a:rPr lang="en-US" sz="4800" i="1" dirty="0" smtClean="0">
+              <a:rPr lang="en-US" sz="4800" i="1" dirty="0">
                 <a:solidFill>
                   <a:schemeClr val="accent2"/>
                 </a:solidFill>
@@ -23880,7 +23813,7 @@
               <a:t>composing</a:t>
             </a:r>
             <a:r>
-              <a:rPr lang="en-US" sz="4800" i="1" dirty="0" smtClean="0"/>
+              <a:rPr lang="en-US" sz="4800" i="1" dirty="0"/>
               <a:t> </a:t>
             </a:r>
             <a:r>
@@ -23893,11 +23826,7 @@
             </a:r>
             <a:r>
               <a:rPr lang="en-US" sz="4800" i="1" dirty="0"/>
-              <a:t> </a:t>
-            </a:r>
-            <a:r>
-              <a:rPr lang="en-US" sz="4800" i="1" dirty="0" smtClean="0"/>
-              <a:t>and</a:t>
+              <a:t> and</a:t>
             </a:r>
           </a:p>
           <a:p>
@@ -23905,7 +23834,7 @@
               <a:buNone/>
             </a:pPr>
             <a:r>
-              <a:rPr lang="en-US" sz="4800" i="1" dirty="0" smtClean="0"/>
+              <a:rPr lang="en-US" sz="4800" i="1" dirty="0"/>
               <a:t> </a:t>
             </a:r>
             <a:r>
@@ -23920,27 +23849,18 @@
               <a:rPr lang="en-US" sz="4800" i="1" dirty="0"/>
               <a:t>-based programs using </a:t>
             </a:r>
-            <a:endParaRPr lang="en-US" sz="4800" i="1" dirty="0" smtClean="0"/>
           </a:p>
           <a:p>
             <a:pPr marL="0" indent="0" algn="ctr">
               <a:buNone/>
             </a:pPr>
-            <a:r>
-              <a:rPr lang="en-US" sz="4800" i="1" dirty="0" smtClean="0">
-                <a:solidFill>
-                  <a:schemeClr val="accent2"/>
-                </a:solidFill>
-              </a:rPr>
-              <a:t>observable </a:t>
-            </a:r>
             <a:r>
               <a:rPr lang="en-US" sz="4800" i="1" dirty="0">
                 <a:solidFill>
                   <a:schemeClr val="accent2"/>
                 </a:solidFill>
               </a:rPr>
-              <a:t>collections</a:t>
+              <a:t>observable collections</a:t>
             </a:r>
             <a:r>
               <a:rPr lang="en-US" sz="4800" i="1" dirty="0"/>
@@ -24232,6 +24152,172 @@
           <a:chExt cx="0" cy="0"/>
         </a:xfrm>
       </p:grpSpPr>
+      <p:sp>
+        <p:nvSpPr>
+          <p:cNvPr id="2" name="Title 1"/>
+          <p:cNvSpPr>
+            <a:spLocks noGrp="1"/>
+          </p:cNvSpPr>
+          <p:nvPr>
+            <p:ph type="title"/>
+          </p:nvPr>
+        </p:nvSpPr>
+        <p:spPr/>
+        <p:txBody>
+          <a:bodyPr/>
+          <a:lstStyle/>
+          <a:p>
+            <a:r>
+              <a:rPr lang="en-US" dirty="0"/>
+              <a:t>Resources</a:t>
+            </a:r>
+          </a:p>
+        </p:txBody>
+      </p:sp>
+      <p:sp>
+        <p:nvSpPr>
+          <p:cNvPr id="3" name="Content Placeholder 2"/>
+          <p:cNvSpPr>
+            <a:spLocks noGrp="1"/>
+          </p:cNvSpPr>
+          <p:nvPr>
+            <p:ph idx="1"/>
+          </p:nvPr>
+        </p:nvSpPr>
+        <p:spPr/>
+        <p:txBody>
+          <a:bodyPr>
+            <a:normAutofit/>
+          </a:bodyPr>
+          <a:lstStyle/>
+          <a:p>
+            <a:r>
+              <a:rPr lang="en-US" dirty="0">
+                <a:hlinkClick r:id="rId2"/>
+              </a:rPr>
+              <a:t>http://reactivex.io/</a:t>
+            </a:r>
+            <a:r>
+              <a:rPr lang="en-US" dirty="0"/>
+              <a:t> </a:t>
+            </a:r>
+          </a:p>
+          <a:p>
+            <a:r>
+              <a:rPr lang="en-US" dirty="0"/>
+              <a:t>Source: </a:t>
+            </a:r>
+            <a:r>
+              <a:rPr lang="en-US" dirty="0">
+                <a:hlinkClick r:id="rId3"/>
+              </a:rPr>
+              <a:t>https://github.com/dotnet/reactive</a:t>
+            </a:r>
+            <a:endParaRPr lang="en-US" dirty="0"/>
+          </a:p>
+          <a:p>
+            <a:r>
+              <a:rPr lang="en-US" dirty="0"/>
+              <a:t>Paper.li: </a:t>
+            </a:r>
+            <a:r>
+              <a:rPr lang="en-US" dirty="0">
+                <a:hlinkClick r:id="rId4"/>
+              </a:rPr>
+              <a:t>http://paper.li/jimwooley/1365169132</a:t>
+            </a:r>
+            <a:endParaRPr lang="en-US" dirty="0"/>
+          </a:p>
+          <a:p>
+            <a:r>
+              <a:rPr lang="en-US" sz="2000" dirty="0"/>
+              <a:t>Free </a:t>
+            </a:r>
+            <a:r>
+              <a:rPr lang="en-US" sz="2000" dirty="0" err="1"/>
+              <a:t>Ebook</a:t>
+            </a:r>
+            <a:r>
+              <a:rPr lang="en-US" sz="2000" dirty="0"/>
+              <a:t>: </a:t>
+            </a:r>
+            <a:r>
+              <a:rPr lang="en-US" dirty="0">
+                <a:hlinkClick r:id="rId5"/>
+              </a:rPr>
+              <a:t>http://www.introtorx.com/</a:t>
+            </a:r>
+            <a:endParaRPr lang="en-US" dirty="0"/>
+          </a:p>
+          <a:p>
+            <a:r>
+              <a:rPr lang="en-US" dirty="0"/>
+              <a:t>RXJS: </a:t>
+            </a:r>
+            <a:r>
+              <a:rPr lang="en-US" dirty="0">
+                <a:hlinkClick r:id="rId6"/>
+              </a:rPr>
+              <a:t>https://github.com/ReactiveX/rxjs</a:t>
+            </a:r>
+            <a:r>
+              <a:rPr lang="en-US" dirty="0"/>
+              <a:t> </a:t>
+            </a:r>
+          </a:p>
+          <a:p>
+            <a:r>
+              <a:rPr lang="en-US" dirty="0">
+                <a:hlinkClick r:id="rId7"/>
+              </a:rPr>
+              <a:t>https://reaqtive.net/</a:t>
+            </a:r>
+            <a:r>
+              <a:rPr lang="en-US" dirty="0"/>
+              <a:t> </a:t>
+            </a:r>
+          </a:p>
+          <a:p>
+            <a:endParaRPr lang="en-US" dirty="0"/>
+          </a:p>
+          <a:p>
+            <a:endParaRPr lang="en-US" dirty="0"/>
+          </a:p>
+          <a:p>
+            <a:endParaRPr lang="en-US" dirty="0"/>
+          </a:p>
+        </p:txBody>
+      </p:sp>
+    </p:spTree>
+    <p:extLst>
+      <p:ext uri="{BB962C8B-B14F-4D97-AF65-F5344CB8AC3E}">
+        <p14:creationId xmlns:p14="http://schemas.microsoft.com/office/powerpoint/2010/main" val="1607521422"/>
+      </p:ext>
+    </p:extLst>
+  </p:cSld>
+  <p:clrMapOvr>
+    <a:masterClrMapping/>
+  </p:clrMapOvr>
+</p:sld>
+</file>
+
+<file path=ppt/slides/slide21.xml><?xml version="1.0" encoding="utf-8"?>
+<p:sld xmlns:a="http://schemas.openxmlformats.org/drawingml/2006/main" xmlns:r="http://schemas.openxmlformats.org/officeDocument/2006/relationships" xmlns:p="http://schemas.openxmlformats.org/presentationml/2006/main">
+  <p:cSld>
+    <p:spTree>
+      <p:nvGrpSpPr>
+        <p:cNvPr id="1" name=""/>
+        <p:cNvGrpSpPr/>
+        <p:nvPr/>
+      </p:nvGrpSpPr>
+      <p:grpSpPr>
+        <a:xfrm>
+          <a:off x="0" y="0"/>
+          <a:ext cx="0" cy="0"/>
+          <a:chOff x="0" y="0"/>
+          <a:chExt cx="0" cy="0"/>
+        </a:xfrm>
+      </p:grpSpPr>
       <p:pic>
         <p:nvPicPr>
           <p:cNvPr id="4" name="Picture 3"/>
@@ -24254,7 +24340,7 @@
         </p:blipFill>
         <p:spPr>
           <a:xfrm>
-            <a:off x="0" y="0"/>
+            <a:off x="1524000" y="0"/>
             <a:ext cx="9144000" cy="6858000"/>
           </a:xfrm>
           <a:prstGeom prst="rect">
@@ -24274,8 +24360,8 @@
         </p:nvSpPr>
         <p:spPr>
           <a:xfrm>
-            <a:off x="3048000" y="2732703"/>
-            <a:ext cx="2895600" cy="1610697"/>
+            <a:off x="2209800" y="2927479"/>
+            <a:ext cx="7391400" cy="1610697"/>
           </a:xfrm>
           <a:solidFill>
             <a:srgbClr val="000000">
@@ -24301,12 +24387,14 @@
           </a:fontRef>
         </p:style>
         <p:txBody>
-          <a:bodyPr anchor="ctr"/>
+          <a:bodyPr anchor="ctr">
+            <a:normAutofit fontScale="90000"/>
+          </a:bodyPr>
           <a:lstStyle/>
           <a:p>
             <a:pPr algn="ctr"/>
             <a:r>
-              <a:rPr lang="en-US" cap="small" dirty="0" smtClean="0">
+              <a:rPr lang="en-US" cap="small" dirty="0">
                 <a:solidFill>
                   <a:schemeClr val="tx1"/>
                 </a:solidFill>
@@ -24314,25 +24402,35 @@
               <a:t>Rx In Action</a:t>
             </a:r>
             <a:br>
-              <a:rPr lang="en-US" cap="small" dirty="0" smtClean="0">
+              <a:rPr lang="en-US" cap="small" dirty="0">
                 <a:solidFill>
                   <a:schemeClr val="tx1"/>
                 </a:solidFill>
               </a:rPr>
             </a:br>
             <a:r>
-              <a:rPr lang="en-US" cap="small" dirty="0" smtClean="0">
+              <a:rPr lang="en-US" cap="small" dirty="0">
                 <a:solidFill>
                   <a:schemeClr val="tx1"/>
                 </a:solidFill>
               </a:rPr>
               <a:t>Reactions?</a:t>
             </a:r>
-            <a:endParaRPr lang="en-US" cap="small" dirty="0">
-              <a:solidFill>
-                <a:schemeClr val="tx1"/>
-              </a:solidFill>
-            </a:endParaRPr>
+            <a:br>
+              <a:rPr lang="en-US" cap="small" dirty="0">
+                <a:solidFill>
+                  <a:schemeClr val="tx1"/>
+                </a:solidFill>
+              </a:rPr>
+            </a:br>
+            <a:r>
+              <a:rPr lang="en-US" cap="small" dirty="0">
+                <a:solidFill>
+                  <a:schemeClr val="tx1"/>
+                </a:solidFill>
+              </a:rPr>
+              <a:t>https://github.com/jwooley/RxSamples</a:t>
+            </a:r>
           </a:p>
         </p:txBody>
       </p:sp>
@@ -24359,7 +24457,7 @@
         </p:blipFill>
         <p:spPr bwMode="auto">
           <a:xfrm>
-            <a:off x="7913040" y="12555"/>
+            <a:off x="9437040" y="12555"/>
             <a:ext cx="1230960" cy="1931970"/>
           </a:xfrm>
           <a:prstGeom prst="rect">
@@ -24400,7 +24498,7 @@
         </p:blipFill>
         <p:spPr bwMode="auto">
           <a:xfrm>
-            <a:off x="6312840" y="12555"/>
+            <a:off x="7836840" y="12555"/>
             <a:ext cx="1600200" cy="2005584"/>
           </a:xfrm>
           <a:prstGeom prst="rect">
@@ -24428,7 +24526,7 @@
         </p:nvSpPr>
         <p:spPr>
           <a:xfrm>
-            <a:off x="10886" y="5489202"/>
+            <a:off x="1534886" y="5489202"/>
             <a:ext cx="2895600" cy="1368798"/>
           </a:xfrm>
           <a:prstGeom prst="rect">
@@ -24642,50 +24740,31 @@
           <a:p>
             <a:pPr algn="r"/>
             <a:r>
-              <a:rPr lang="en-US" dirty="0" smtClean="0"/>
+              <a:rPr lang="en-US" dirty="0"/>
               <a:t>Jim Wooley</a:t>
             </a:r>
           </a:p>
           <a:p>
             <a:pPr algn="r"/>
             <a:r>
-              <a:rPr lang="en-US" dirty="0" smtClean="0">
+              <a:rPr lang="en-US" dirty="0">
                 <a:hlinkClick r:id="rId5"/>
               </a:rPr>
               <a:t>www.ThinqLinq.com</a:t>
             </a:r>
-            <a:endParaRPr lang="en-US" dirty="0" smtClean="0"/>
+            <a:endParaRPr lang="en-US" dirty="0"/>
           </a:p>
           <a:p>
             <a:pPr algn="r"/>
             <a:r>
-              <a:rPr lang="en-US" dirty="0" smtClean="0"/>
+              <a:rPr lang="en-US" dirty="0"/>
               <a:t>Twitter: @</a:t>
             </a:r>
             <a:r>
-              <a:rPr lang="en-US" dirty="0" err="1" smtClean="0"/>
+              <a:rPr lang="en-US" dirty="0" err="1"/>
               <a:t>JimWooley</a:t>
             </a:r>
             <a:endParaRPr lang="en-US" dirty="0"/>
-          </a:p>
-        </p:txBody>
-      </p:sp>
-      <p:sp>
-        <p:nvSpPr>
-          <p:cNvPr id="8" name="Subtitle 7"/>
-          <p:cNvSpPr>
-            <a:spLocks noGrp="1"/>
-          </p:cNvSpPr>
-          <p:nvPr>
-            <p:ph type="subTitle" idx="1"/>
-          </p:nvPr>
-        </p:nvSpPr>
-        <p:spPr/>
-        <p:txBody>
-          <a:bodyPr/>
-          <a:lstStyle/>
-          <a:p>
-            <a:endParaRPr lang="en-US"/>
           </a:p>
         </p:txBody>
       </p:sp>
@@ -24711,7 +24790,7 @@
         </p:blipFill>
         <p:spPr>
           <a:xfrm>
-            <a:off x="3124200" y="2823676"/>
+            <a:off x="4648200" y="2823676"/>
             <a:ext cx="681182" cy="685800"/>
           </a:xfrm>
           <a:prstGeom prst="rect">
@@ -24729,13 +24808,6 @@
   <p:clrMapOvr>
     <a:masterClrMapping/>
   </p:clrMapOvr>
-  <p:timing>
-    <p:tnLst>
-      <p:par>
-        <p:cTn id="1" dur="indefinite" restart="never" nodeType="tmRoot"/>
-      </p:par>
-    </p:tnLst>
-  </p:timing>
 </p:sld>
 </file>
 
@@ -24772,18 +24844,17 @@
           <a:lstStyle/>
           <a:p>
             <a:r>
-              <a:rPr lang="en-US" dirty="0" smtClean="0"/>
+              <a:rPr lang="en-US" dirty="0"/>
               <a:t>Pull </a:t>
             </a:r>
             <a:r>
-              <a:rPr lang="en-US" dirty="0" err="1" smtClean="0"/>
+              <a:rPr lang="en-US" dirty="0" err="1"/>
               <a:t>vs</a:t>
             </a:r>
             <a:r>
-              <a:rPr lang="en-US" dirty="0" smtClean="0"/>
+              <a:rPr lang="en-US" dirty="0"/>
               <a:t> Push – Audience Participation</a:t>
             </a:r>
-            <a:endParaRPr lang="en-US" dirty="0"/>
           </a:p>
         </p:txBody>
       </p:sp>
@@ -24798,7 +24869,7 @@
           </p:nvPr>
         </p:nvPicPr>
         <p:blipFill>
-          <a:blip r:embed="rId2">
+          <a:blip r:embed="rId3">
             <a:extLst>
               <a:ext uri="{28A0092B-C50C-407E-A947-70E740481C1C}">
                 <a14:useLocalDpi xmlns:a14="http://schemas.microsoft.com/office/drawing/2010/main" val="0"/>
@@ -24811,7 +24882,7 @@
         </p:blipFill>
         <p:spPr>
           <a:xfrm>
-            <a:off x="5029200" y="1705182"/>
+            <a:off x="6553200" y="1705182"/>
             <a:ext cx="2590800" cy="2590800"/>
           </a:xfrm>
         </p:spPr>
@@ -24825,7 +24896,7 @@
           <p:nvPr/>
         </p:nvPicPr>
         <p:blipFill>
-          <a:blip r:embed="rId3">
+          <a:blip r:embed="rId4">
             <a:extLst>
               <a:ext uri="{28A0092B-C50C-407E-A947-70E740481C1C}">
                 <a14:useLocalDpi xmlns:a14="http://schemas.microsoft.com/office/drawing/2010/main" val="0"/>
@@ -24839,7 +24910,7 @@
         </p:blipFill>
         <p:spPr bwMode="auto">
           <a:xfrm>
-            <a:off x="1362074" y="1628982"/>
+            <a:off x="2886074" y="1628982"/>
             <a:ext cx="2819400" cy="2723284"/>
           </a:xfrm>
           <a:prstGeom prst="rect">
@@ -24888,7 +24959,7 @@
         </p:nvSpPr>
         <p:spPr>
           <a:xfrm>
-            <a:off x="1247774" y="1428524"/>
+            <a:off x="2771774" y="1428524"/>
             <a:ext cx="3048000" cy="3124200"/>
           </a:xfrm>
           <a:prstGeom prst="noSmoking">
@@ -24951,7 +25022,7 @@
         </p:nvSpPr>
         <p:spPr>
           <a:xfrm>
-            <a:off x="4791074" y="1428524"/>
+            <a:off x="6315074" y="1428524"/>
             <a:ext cx="3048000" cy="3124200"/>
           </a:xfrm>
           <a:prstGeom prst="noSmoking">
@@ -25015,7 +25086,7 @@
           <p:nvPr/>
         </p:nvPicPr>
         <p:blipFill>
-          <a:blip r:embed="rId4">
+          <a:blip r:embed="rId5">
             <a:extLst>
               <a:ext uri="{28A0092B-C50C-407E-A947-70E740481C1C}">
                 <a14:useLocalDpi xmlns:a14="http://schemas.microsoft.com/office/drawing/2010/main" val="0"/>
@@ -25028,7 +25099,7 @@
         </p:blipFill>
         <p:spPr>
           <a:xfrm>
-            <a:off x="2161494" y="3505200"/>
+            <a:off x="3685494" y="3505200"/>
             <a:ext cx="4572000" cy="4781176"/>
           </a:xfrm>
           <a:prstGeom prst="ellipse">
@@ -25052,14 +25123,6 @@
   <p:clrMapOvr>
     <a:masterClrMapping/>
   </p:clrMapOvr>
-  <mc:AlternateContent xmlns:mc="http://schemas.openxmlformats.org/markup-compatibility/2006">
-    <mc:Choice xmlns:p14="http://schemas.microsoft.com/office/powerpoint/2010/main" Requires="p14">
-      <p:transition spd="slow" p14:dur="2000"/>
-    </mc:Choice>
-    <mc:Fallback>
-      <p:transition spd="slow"/>
-    </mc:Fallback>
-  </mc:AlternateContent>
   <p:timing>
     <p:tnLst>
       <p:par>
@@ -25625,18 +25688,17 @@
           <a:lstStyle/>
           <a:p>
             <a:r>
-              <a:rPr lang="en-US" dirty="0" smtClean="0"/>
+              <a:rPr lang="en-US" dirty="0"/>
               <a:t>Pull </a:t>
             </a:r>
             <a:r>
-              <a:rPr lang="en-US" dirty="0" err="1" smtClean="0"/>
+              <a:rPr lang="en-US" dirty="0" err="1"/>
               <a:t>vs</a:t>
             </a:r>
             <a:r>
-              <a:rPr lang="en-US" dirty="0" smtClean="0"/>
+              <a:rPr lang="en-US" dirty="0"/>
               <a:t> Push</a:t>
             </a:r>
-            <a:endParaRPr lang="en-US" dirty="0"/>
           </a:p>
         </p:txBody>
       </p:sp>
@@ -25652,7 +25714,7 @@
         </p:nvSpPr>
         <p:spPr>
           <a:xfrm>
-            <a:off x="533400" y="2438400"/>
+            <a:off x="2057400" y="2438401"/>
             <a:ext cx="8153400" cy="3687763"/>
           </a:xfrm>
         </p:spPr>
@@ -25664,25 +25726,25 @@
               <a:buNone/>
             </a:pPr>
             <a:r>
-              <a:rPr lang="en-US" dirty="0" smtClean="0"/>
+              <a:rPr lang="en-US" dirty="0"/>
               <a:t>From candy in </a:t>
             </a:r>
             <a:r>
-              <a:rPr lang="en-US" dirty="0" err="1" smtClean="0"/>
+              <a:rPr lang="en-US" dirty="0" err="1"/>
               <a:t>bagOfCandies</a:t>
             </a:r>
-            <a:endParaRPr lang="en-US" dirty="0" smtClean="0"/>
+            <a:endParaRPr lang="en-US" dirty="0"/>
           </a:p>
           <a:p>
             <a:pPr marL="0" indent="0">
               <a:buNone/>
             </a:pPr>
             <a:r>
-              <a:rPr lang="en-US" dirty="0" smtClean="0"/>
+              <a:rPr lang="en-US" dirty="0"/>
               <a:t>Where Not </a:t>
             </a:r>
             <a:r>
-              <a:rPr lang="en-US" dirty="0" err="1" smtClean="0"/>
+              <a:rPr lang="en-US" dirty="0" err="1"/>
               <a:t>candy.HasNuts</a:t>
             </a:r>
             <a:endParaRPr lang="en-US" dirty="0"/>
@@ -25692,41 +25754,41 @@
               <a:buNone/>
             </a:pPr>
             <a:r>
-              <a:rPr lang="en-US" dirty="0" smtClean="0"/>
+              <a:rPr lang="en-US" dirty="0"/>
               <a:t>Group candy By Key = </a:t>
             </a:r>
             <a:r>
-              <a:rPr lang="en-US" dirty="0" err="1" smtClean="0"/>
+              <a:rPr lang="en-US" dirty="0" err="1"/>
               <a:t>candy.Name</a:t>
             </a:r>
             <a:r>
-              <a:rPr lang="en-US" dirty="0" smtClean="0"/>
+              <a:rPr lang="en-US" dirty="0"/>
               <a:t> into </a:t>
             </a:r>
             <a:r>
-              <a:rPr lang="en-US" dirty="0" err="1" smtClean="0"/>
+              <a:rPr lang="en-US" dirty="0" err="1"/>
               <a:t>GroupedCandies</a:t>
             </a:r>
-            <a:endParaRPr lang="en-US" dirty="0" smtClean="0"/>
+            <a:endParaRPr lang="en-US" dirty="0"/>
           </a:p>
           <a:p>
             <a:pPr marL="0" indent="0">
               <a:buNone/>
             </a:pPr>
             <a:r>
-              <a:rPr lang="en-US" dirty="0" smtClean="0"/>
+              <a:rPr lang="en-US" dirty="0"/>
               <a:t>Select new {Key, </a:t>
             </a:r>
             <a:r>
-              <a:rPr lang="en-US" dirty="0" err="1" smtClean="0"/>
+              <a:rPr lang="en-US" dirty="0" err="1"/>
               <a:t>CandyCount</a:t>
             </a:r>
             <a:r>
-              <a:rPr lang="en-US" dirty="0" smtClean="0"/>
+              <a:rPr lang="en-US" dirty="0"/>
               <a:t> = </a:t>
             </a:r>
             <a:r>
-              <a:rPr lang="en-US" dirty="0" err="1" smtClean="0"/>
+              <a:rPr lang="en-US" dirty="0" err="1"/>
               <a:t>GroupedCandies.Count</a:t>
             </a:r>
             <a:r>
@@ -25746,13 +25808,6 @@
   <p:clrMapOvr>
     <a:masterClrMapping/>
   </p:clrMapOvr>
-  <p:timing>
-    <p:tnLst>
-      <p:par>
-        <p:cTn id="1" dur="indefinite" restart="never" nodeType="tmRoot"/>
-      </p:par>
-    </p:tnLst>
-  </p:timing>
 </p:sld>
 </file>
 
@@ -25789,15 +25844,15 @@
           <a:lstStyle/>
           <a:p>
             <a:r>
-              <a:rPr lang="en-US" dirty="0" err="1" smtClean="0"/>
+              <a:rPr lang="en-US" dirty="0" err="1"/>
               <a:t>IEnumerator</a:t>
             </a:r>
             <a:r>
-              <a:rPr lang="en-US" dirty="0" smtClean="0"/>
+              <a:rPr lang="en-US" dirty="0"/>
               <a:t> vs. </a:t>
             </a:r>
             <a:r>
-              <a:rPr lang="en-US" dirty="0" err="1" smtClean="0"/>
+              <a:rPr lang="en-US" dirty="0" err="1"/>
               <a:t>IObserver</a:t>
             </a:r>
             <a:endParaRPr lang="en-US" dirty="0"/>
@@ -25816,7 +25871,7 @@
         </p:nvSpPr>
         <p:spPr>
           <a:xfrm>
-            <a:off x="862484" y="1600200"/>
+            <a:off x="2386484" y="1600200"/>
             <a:ext cx="6515994" cy="1905000"/>
           </a:xfrm>
           <a:solidFill>
@@ -25832,7 +25887,7 @@
           <a:lstStyle/>
           <a:p>
             <a:r>
-              <a:rPr lang="en-US" dirty="0" smtClean="0">
+              <a:rPr lang="en-US" dirty="0">
                 <a:solidFill>
                   <a:srgbClr val="400080"/>
                 </a:solidFill>
@@ -25856,14 +25911,14 @@
               <a:t> </a:t>
             </a:r>
             <a:r>
-              <a:rPr lang="en-US" dirty="0" err="1" smtClean="0">
+              <a:rPr lang="en-US" dirty="0" err="1">
                 <a:solidFill>
                   <a:srgbClr val="2B91AF"/>
                 </a:solidFill>
               </a:rPr>
               <a:t>IEnumerator</a:t>
             </a:r>
-            <a:endParaRPr lang="en-US" dirty="0" smtClean="0">
+            <a:endParaRPr lang="en-US" dirty="0">
               <a:solidFill>
                 <a:srgbClr val="2B91AF"/>
               </a:solidFill>
@@ -25871,7 +25926,7 @@
           </a:p>
           <a:p>
             <a:r>
-              <a:rPr lang="en-US" dirty="0" smtClean="0"/>
+              <a:rPr lang="en-US" dirty="0"/>
               <a:t>{</a:t>
             </a:r>
           </a:p>
@@ -25914,11 +25969,7 @@
             </a:r>
             <a:r>
               <a:rPr lang="en-US" dirty="0"/>
-              <a:t>; </a:t>
-            </a:r>
-            <a:r>
-              <a:rPr lang="en-US" dirty="0" smtClean="0"/>
-              <a:t>}</a:t>
+              <a:t>; }</a:t>
             </a:r>
           </a:p>
           <a:p>
@@ -25947,7 +25998,7 @@
               <a:t>MoveNext</a:t>
             </a:r>
             <a:r>
-              <a:rPr lang="en-US" dirty="0" smtClean="0"/>
+              <a:rPr lang="en-US" dirty="0"/>
               <a:t>();</a:t>
             </a:r>
           </a:p>
@@ -25977,16 +26028,15 @@
               <a:t>Reset</a:t>
             </a:r>
             <a:r>
-              <a:rPr lang="en-US" dirty="0" smtClean="0"/>
+              <a:rPr lang="en-US" dirty="0"/>
               <a:t>();</a:t>
             </a:r>
           </a:p>
           <a:p>
             <a:r>
-              <a:rPr lang="en-US" dirty="0" smtClean="0"/>
+              <a:rPr lang="en-US" dirty="0"/>
               <a:t>}</a:t>
             </a:r>
-            <a:endParaRPr lang="en-US" dirty="0"/>
           </a:p>
         </p:txBody>
       </p:sp>
@@ -26000,7 +26050,7 @@
         </p:nvSpPr>
         <p:spPr>
           <a:xfrm>
-            <a:off x="891469" y="3810001"/>
+            <a:off x="2415470" y="3810002"/>
             <a:ext cx="6458025" cy="1772793"/>
           </a:xfrm>
           <a:prstGeom prst="rect">
@@ -26228,7 +26278,7 @@
           </a:lstStyle>
           <a:p>
             <a:r>
-              <a:rPr lang="en-US" dirty="0" smtClean="0">
+              <a:rPr lang="en-US" dirty="0">
                 <a:solidFill>
                   <a:srgbClr val="400080"/>
                 </a:solidFill>
@@ -26276,7 +26326,7 @@
               <a:t>T</a:t>
             </a:r>
             <a:r>
-              <a:rPr lang="en-US" dirty="0" smtClean="0">
+              <a:rPr lang="en-US" dirty="0">
                 <a:solidFill>
                   <a:srgbClr val="2E53D1"/>
                 </a:solidFill>
@@ -26286,7 +26336,7 @@
           </a:p>
           <a:p>
             <a:r>
-              <a:rPr lang="en-US" dirty="0" smtClean="0"/>
+              <a:rPr lang="en-US" dirty="0"/>
               <a:t>{</a:t>
             </a:r>
           </a:p>
@@ -26316,7 +26366,7 @@
               <a:t>OnCompleted</a:t>
             </a:r>
             <a:r>
-              <a:rPr lang="en-US" dirty="0" smtClean="0"/>
+              <a:rPr lang="en-US" dirty="0"/>
               <a:t>();</a:t>
             </a:r>
           </a:p>
@@ -26370,7 +26420,7 @@
               <a:t>exception</a:t>
             </a:r>
             <a:r>
-              <a:rPr lang="en-US" dirty="0" smtClean="0"/>
+              <a:rPr lang="en-US" dirty="0"/>
               <a:t>);</a:t>
             </a:r>
           </a:p>
@@ -26412,16 +26462,15 @@
               <a:t>value</a:t>
             </a:r>
             <a:r>
-              <a:rPr lang="en-US" dirty="0" smtClean="0"/>
+              <a:rPr lang="en-US" dirty="0"/>
               <a:t>);</a:t>
             </a:r>
           </a:p>
           <a:p>
             <a:r>
-              <a:rPr lang="en-US" dirty="0" smtClean="0"/>
+              <a:rPr lang="en-US" dirty="0"/>
               <a:t>}</a:t>
             </a:r>
-            <a:endParaRPr lang="en-US" dirty="0"/>
           </a:p>
         </p:txBody>
       </p:sp>
@@ -26433,7 +26482,7 @@
         </p:nvCxnSpPr>
         <p:spPr>
           <a:xfrm>
-            <a:off x="1399498" y="2519877"/>
+            <a:off x="2923499" y="2519877"/>
             <a:ext cx="617381" cy="0"/>
           </a:xfrm>
           <a:prstGeom prst="line">
@@ -26464,7 +26513,7 @@
         </p:nvCxnSpPr>
         <p:spPr>
           <a:xfrm>
-            <a:off x="1399498" y="2824677"/>
+            <a:off x="2923498" y="2824677"/>
             <a:ext cx="440042" cy="0"/>
           </a:xfrm>
           <a:prstGeom prst="line">
@@ -26495,7 +26544,7 @@
         </p:nvSpPr>
         <p:spPr bwMode="auto">
           <a:xfrm>
-            <a:off x="5555258" y="2215077"/>
+            <a:off x="7079258" y="2215077"/>
             <a:ext cx="2458090" cy="990600"/>
           </a:xfrm>
           <a:prstGeom prst="leftArrow">
@@ -26537,7 +26586,7 @@
               </a:spcAft>
             </a:pPr>
             <a:r>
-              <a:rPr lang="en-US" sz="2200" dirty="0" smtClean="0">
+              <a:rPr lang="en-US" sz="2200" dirty="0">
                 <a:gradFill>
                   <a:gsLst>
                     <a:gs pos="0">
@@ -26814,10 +26863,9 @@
           <a:lstStyle/>
           <a:p>
             <a:r>
-              <a:rPr lang="en-US" dirty="0" smtClean="0"/>
+              <a:rPr lang="en-US" dirty="0"/>
               <a:t>Moving from Enumerable to Observable</a:t>
             </a:r>
-            <a:endParaRPr lang="en-US" dirty="0"/>
           </a:p>
         </p:txBody>
       </p:sp>
@@ -26837,10 +26885,9 @@
           <a:lstStyle/>
           <a:p>
             <a:r>
-              <a:rPr lang="en-US" dirty="0" smtClean="0"/>
+              <a:rPr lang="en-US" dirty="0"/>
               <a:t>Demo</a:t>
             </a:r>
-            <a:endParaRPr lang="en-US" dirty="0"/>
           </a:p>
         </p:txBody>
       </p:sp>
@@ -26854,13 +26901,6 @@
   <p:clrMapOvr>
     <a:masterClrMapping/>
   </p:clrMapOvr>
-  <p:timing>
-    <p:tnLst>
-      <p:par>
-        <p:cTn id="1" dur="indefinite" restart="never" nodeType="tmRoot"/>
-      </p:par>
-    </p:tnLst>
-  </p:timing>
 </p:sld>
 </file>
 
@@ -26897,10 +26937,9 @@
           <a:lstStyle/>
           <a:p>
             <a:r>
-              <a:rPr lang="en-US" dirty="0" smtClean="0"/>
+              <a:rPr lang="en-US" dirty="0"/>
               <a:t>Rx Interfaces</a:t>
             </a:r>
-            <a:endParaRPr lang="en-US" dirty="0"/>
           </a:p>
         </p:txBody>
       </p:sp>
@@ -26927,7 +26966,7 @@
         </p:blipFill>
         <p:spPr bwMode="auto">
           <a:xfrm>
-            <a:off x="533400" y="1371600"/>
+            <a:off x="2057400" y="1371601"/>
             <a:ext cx="8153400" cy="5105399"/>
           </a:xfrm>
           <a:prstGeom prst="rect">
@@ -26978,21 +27017,6 @@
   <p:clrMapOvr>
     <a:masterClrMapping/>
   </p:clrMapOvr>
-  <mc:AlternateContent xmlns:mc="http://schemas.openxmlformats.org/markup-compatibility/2006" xmlns:p14="http://schemas.microsoft.com/office/powerpoint/2010/main">
-    <mc:Choice Requires="p14">
-      <p:transition spd="slow" p14:dur="2000"/>
-    </mc:Choice>
-    <mc:Fallback xmlns="">
-      <p:transition spd="slow"/>
-    </mc:Fallback>
-  </mc:AlternateContent>
-  <p:timing>
-    <p:tnLst>
-      <p:par>
-        <p:cTn id="1" dur="indefinite" restart="never" nodeType="tmRoot"/>
-      </p:par>
-    </p:tnLst>
-  </p:timing>
 </p:sld>
 </file>
 
@@ -27029,10 +27053,9 @@
           <a:lstStyle/>
           <a:p>
             <a:r>
-              <a:rPr lang="en-US" dirty="0" smtClean="0"/>
+              <a:rPr lang="en-US" dirty="0"/>
               <a:t>Subscription Pipeline</a:t>
             </a:r>
-            <a:endParaRPr lang="en-US" dirty="0"/>
           </a:p>
         </p:txBody>
       </p:sp>
@@ -27048,7 +27071,7 @@
         </p:nvSpPr>
         <p:spPr>
           <a:xfrm>
-            <a:off x="457200" y="1295400"/>
+            <a:off x="1981200" y="1295400"/>
             <a:ext cx="8229600" cy="5181600"/>
           </a:xfrm>
         </p:spPr>
@@ -27062,19 +27085,19 @@
               <a:buNone/>
             </a:pPr>
             <a:r>
-              <a:rPr lang="en-US" dirty="0" err="1" smtClean="0"/>
+              <a:rPr lang="en-US" dirty="0" err="1"/>
               <a:t>var</a:t>
             </a:r>
             <a:r>
-              <a:rPr lang="en-US" dirty="0" smtClean="0"/>
+              <a:rPr lang="en-US" dirty="0"/>
               <a:t> query = </a:t>
             </a:r>
             <a:r>
-              <a:rPr lang="en-US" dirty="0" err="1" smtClean="0"/>
+              <a:rPr lang="en-US" dirty="0" err="1"/>
               <a:t>observable.Select</a:t>
             </a:r>
             <a:r>
-              <a:rPr lang="en-US" dirty="0" smtClean="0"/>
+              <a:rPr lang="en-US" dirty="0"/>
               <a:t>(f);       	//build</a:t>
             </a:r>
           </a:p>
@@ -27084,22 +27107,18 @@
             </a:pPr>
             <a:r>
               <a:rPr lang="en-US" dirty="0" err="1"/>
-              <a:t>v</a:t>
+              <a:t>var</a:t>
             </a:r>
             <a:r>
-              <a:rPr lang="en-US" dirty="0" err="1" smtClean="0"/>
-              <a:t>ar</a:t>
-            </a:r>
-            <a:r>
-              <a:rPr lang="en-US" dirty="0" smtClean="0"/>
+              <a:rPr lang="en-US" dirty="0"/>
               <a:t> sub = </a:t>
             </a:r>
             <a:r>
-              <a:rPr lang="en-US" dirty="0" err="1" smtClean="0"/>
+              <a:rPr lang="en-US" dirty="0" err="1"/>
               <a:t>query.Subscribe</a:t>
             </a:r>
             <a:r>
-              <a:rPr lang="en-US" dirty="0" smtClean="0"/>
+              <a:rPr lang="en-US" dirty="0"/>
               <a:t>(handler); 		// subscribe</a:t>
             </a:r>
           </a:p>
@@ -27107,7 +27126,7 @@
             <a:pPr marL="0" indent="0">
               <a:buNone/>
             </a:pPr>
-            <a:endParaRPr lang="en-US" dirty="0" smtClean="0"/>
+            <a:endParaRPr lang="en-US" dirty="0"/>
           </a:p>
           <a:p>
             <a:pPr marL="0" indent="0">
@@ -27115,36 +27134,15 @@
             </a:pPr>
             <a:r>
               <a:rPr lang="en-US" dirty="0"/>
-              <a:t> </a:t>
+              <a:t> … </a:t>
             </a:r>
             <a:r>
-              <a:rPr lang="en-US" dirty="0" smtClean="0"/>
-              <a:t>… </a:t>
-            </a:r>
-            <a:r>
-              <a:rPr lang="en-US" dirty="0" err="1" smtClean="0"/>
+              <a:rPr lang="en-US" dirty="0" err="1"/>
               <a:t>handler.OnNext</a:t>
             </a:r>
             <a:r>
-              <a:rPr lang="en-US" dirty="0" smtClean="0"/>
+              <a:rPr lang="en-US" dirty="0"/>
               <a:t>                                	// receive</a:t>
-            </a:r>
-          </a:p>
-          <a:p>
-            <a:pPr marL="0" indent="0">
-              <a:buNone/>
-            </a:pPr>
-            <a:r>
-              <a:rPr lang="en-US" dirty="0" smtClean="0"/>
-              <a:t> … </a:t>
-            </a:r>
-            <a:r>
-              <a:rPr lang="en-US" dirty="0" err="1" smtClean="0"/>
-              <a:t>handler.OnNext</a:t>
-            </a:r>
-            <a:r>
-              <a:rPr lang="en-US" dirty="0" smtClean="0"/>
-              <a:t>                                	// data</a:t>
             </a:r>
           </a:p>
           <a:p>
@@ -27153,17 +27151,30 @@
             </a:pPr>
             <a:r>
               <a:rPr lang="en-US" dirty="0"/>
-              <a:t> </a:t>
+              <a:t> … </a:t>
             </a:r>
             <a:r>
-              <a:rPr lang="en-US" dirty="0" smtClean="0"/>
-              <a:t>… </a:t>
+              <a:rPr lang="en-US" dirty="0" err="1"/>
+              <a:t>handler.OnNext</a:t>
             </a:r>
             <a:r>
-              <a:rPr lang="en-US" dirty="0" err="1" smtClean="0"/>
+              <a:rPr lang="en-US" dirty="0"/>
+              <a:t>                                	// data</a:t>
+            </a:r>
+          </a:p>
+          <a:p>
+            <a:pPr marL="0" indent="0">
+              <a:buNone/>
+            </a:pPr>
+            <a:r>
+              <a:rPr lang="en-US" dirty="0"/>
+              <a:t> … </a:t>
+            </a:r>
+            <a:r>
+              <a:rPr lang="en-US" dirty="0" err="1"/>
               <a:t>handler.OnNext</a:t>
             </a:r>
-            <a:endParaRPr lang="en-US" dirty="0" smtClean="0"/>
+            <a:endParaRPr lang="en-US" dirty="0"/>
           </a:p>
           <a:p>
             <a:pPr marL="0" indent="0">
@@ -27176,14 +27187,13 @@
               <a:buNone/>
             </a:pPr>
             <a:r>
-              <a:rPr lang="en-US" dirty="0" err="1" smtClean="0"/>
+              <a:rPr lang="en-US" dirty="0" err="1"/>
               <a:t>sub.Dispose</a:t>
             </a:r>
             <a:r>
-              <a:rPr lang="en-US" dirty="0" smtClean="0"/>
+              <a:rPr lang="en-US" dirty="0"/>
               <a:t>();                                   	// unsubscribe</a:t>
             </a:r>
-            <a:endParaRPr lang="en-US" dirty="0"/>
           </a:p>
         </p:txBody>
       </p:sp>
@@ -27197,13 +27207,6 @@
   <p:clrMapOvr>
     <a:masterClrMapping/>
   </p:clrMapOvr>
-  <p:timing>
-    <p:tnLst>
-      <p:par>
-        <p:cTn id="1" dur="indefinite" restart="never" nodeType="tmRoot"/>
-      </p:par>
-    </p:tnLst>
-  </p:timing>
 </p:sld>
 </file>
 
@@ -27240,59 +27243,70 @@
           <a:lstStyle/>
           <a:p>
             <a:r>
-              <a:rPr lang="en-US" dirty="0" smtClean="0"/>
-              <a:t>Cross the Streams?</a:t>
+              <a:rPr lang="en-US" dirty="0"/>
+              <a:t>Observable Events</a:t>
             </a:r>
-            <a:endParaRPr lang="en-US" dirty="0"/>
           </a:p>
         </p:txBody>
       </p:sp>
-      <p:pic>
-        <p:nvPicPr>
-          <p:cNvPr id="4" name="Content Placeholder 3"/>
-          <p:cNvPicPr>
-            <a:picLocks noGrp="1" noChangeAspect="1"/>
-          </p:cNvPicPr>
+      <p:sp>
+        <p:nvSpPr>
+          <p:cNvPr id="3" name="Content Placeholder 2"/>
+          <p:cNvSpPr>
+            <a:spLocks noGrp="1"/>
+          </p:cNvSpPr>
           <p:nvPr>
             <p:ph idx="1"/>
           </p:nvPr>
-        </p:nvPicPr>
-        <p:blipFill>
-          <a:blip r:embed="rId2">
-            <a:extLst>
-              <a:ext uri="{28A0092B-C50C-407E-A947-70E740481C1C}">
-                <a14:useLocalDpi xmlns:a14="http://schemas.microsoft.com/office/drawing/2010/main" val="0"/>
-              </a:ext>
-            </a:extLst>
-          </a:blip>
-          <a:stretch>
-            <a:fillRect/>
-          </a:stretch>
-        </p:blipFill>
+        </p:nvSpPr>
         <p:spPr>
           <a:xfrm>
-            <a:off x="365234" y="1828800"/>
-            <a:ext cx="8408276" cy="3810000"/>
+            <a:off x="1913436" y="1447801"/>
+            <a:ext cx="8363938" cy="2068259"/>
           </a:xfrm>
         </p:spPr>
-      </p:pic>
+        <p:txBody>
+          <a:bodyPr>
+            <a:noAutofit/>
+          </a:bodyPr>
+          <a:lstStyle/>
+          <a:p>
+            <a:r>
+              <a:rPr lang="en-US" sz="3600" dirty="0"/>
+              <a:t>First Class Objects</a:t>
+            </a:r>
+          </a:p>
+          <a:p>
+            <a:r>
+              <a:rPr lang="en-US" sz="3600" dirty="0"/>
+              <a:t>Disposable</a:t>
+            </a:r>
+          </a:p>
+          <a:p>
+            <a:r>
+              <a:rPr lang="en-US" sz="3600" dirty="0"/>
+              <a:t>Supports DI/IOC</a:t>
+            </a:r>
+          </a:p>
+          <a:p>
+            <a:r>
+              <a:rPr lang="en-US" sz="3600" dirty="0" err="1"/>
+              <a:t>Mockable</a:t>
+            </a:r>
+            <a:endParaRPr lang="en-US" sz="3600" dirty="0"/>
+          </a:p>
+        </p:txBody>
+      </p:sp>
     </p:spTree>
     <p:extLst>
       <p:ext uri="{BB962C8B-B14F-4D97-AF65-F5344CB8AC3E}">
-        <p14:creationId xmlns:p14="http://schemas.microsoft.com/office/powerpoint/2010/main" val="2142948982"/>
+        <p14:creationId xmlns:p14="http://schemas.microsoft.com/office/powerpoint/2010/main" val="1245296947"/>
       </p:ext>
     </p:extLst>
   </p:cSld>
   <p:clrMapOvr>
     <a:masterClrMapping/>
   </p:clrMapOvr>
-  <p:timing>
-    <p:tnLst>
-      <p:par>
-        <p:cTn id="1" dur="indefinite" restart="never" nodeType="tmRoot"/>
-      </p:par>
-    </p:tnLst>
-  </p:timing>
 </p:sld>
 </file>
 
